--- a/PLMfamily.pptx
+++ b/PLMfamily.pptx
@@ -104,6 +104,11 @@
       </a:defRPr>
     </a:lvl9pPr>
   </p:defaultTextStyle>
+  <p:extLst>
+    <p:ext uri="{EFAFB233-063F-42B5-8137-9DF3F51BA10A}">
+      <p15:sldGuideLst xmlns:p15="http://schemas.microsoft.com/office/powerpoint/2012/main"/>
+    </p:ext>
+  </p:extLst>
 </p:presentation>
 </file>
 
@@ -4255,116 +4260,12 @@
           </a:fontRef>
         </p:style>
       </p:cxnSp>
-      <p:grpSp>
-        <p:nvGrpSpPr>
-          <p:cNvPr id="43" name="组合 42">
-            <a:extLst>
-              <a:ext uri="{FF2B5EF4-FFF2-40B4-BE49-F238E27FC236}">
-                <a16:creationId xmlns:a16="http://schemas.microsoft.com/office/drawing/2014/main" id="{924EB2E0-F91C-476E-AFB6-FD955F8EF576}"/>
-              </a:ext>
-            </a:extLst>
-          </p:cNvPr>
-          <p:cNvGrpSpPr/>
-          <p:nvPr/>
-        </p:nvGrpSpPr>
-        <p:grpSpPr>
-          <a:xfrm>
-            <a:off x="7861300" y="4018167"/>
-            <a:ext cx="1159934" cy="1537912"/>
-            <a:chOff x="7852833" y="4018167"/>
-            <a:chExt cx="1159934" cy="1537912"/>
-          </a:xfrm>
-        </p:grpSpPr>
-        <p:pic>
-          <p:nvPicPr>
-            <p:cNvPr id="41" name="图片 40">
-              <a:extLst>
-                <a:ext uri="{FF2B5EF4-FFF2-40B4-BE49-F238E27FC236}">
-                  <a16:creationId xmlns:a16="http://schemas.microsoft.com/office/drawing/2014/main" id="{69CE735E-54DD-4B54-95D1-0E89BFB2BD0D}"/>
-                </a:ext>
-              </a:extLst>
-            </p:cNvPr>
-            <p:cNvPicPr>
-              <a:picLocks noChangeAspect="1"/>
-            </p:cNvPicPr>
-            <p:nvPr/>
-          </p:nvPicPr>
-          <p:blipFill>
-            <a:blip r:embed="rId6"/>
-            <a:stretch>
-              <a:fillRect/>
-            </a:stretch>
-          </p:blipFill>
-          <p:spPr>
-            <a:xfrm>
-              <a:off x="7967134" y="4018167"/>
-              <a:ext cx="931332" cy="891581"/>
-            </a:xfrm>
-            <a:prstGeom prst="rect">
-              <a:avLst/>
-            </a:prstGeom>
-          </p:spPr>
-        </p:pic>
-        <p:sp>
-          <p:nvSpPr>
-            <p:cNvPr id="42" name="文本框 41">
-              <a:extLst>
-                <a:ext uri="{FF2B5EF4-FFF2-40B4-BE49-F238E27FC236}">
-                  <a16:creationId xmlns:a16="http://schemas.microsoft.com/office/drawing/2014/main" id="{E7B3F1B3-E06D-44F8-8126-31994765C6E8}"/>
-                </a:ext>
-              </a:extLst>
-            </p:cNvPr>
-            <p:cNvSpPr txBox="1"/>
-            <p:nvPr/>
-          </p:nvSpPr>
-          <p:spPr>
-            <a:xfrm>
-              <a:off x="7852833" y="4909748"/>
-              <a:ext cx="1159934" cy="646331"/>
-            </a:xfrm>
-            <a:prstGeom prst="rect">
-              <a:avLst/>
-            </a:prstGeom>
-            <a:noFill/>
-          </p:spPr>
-          <p:txBody>
-            <a:bodyPr wrap="square" rtlCol="0">
-              <a:spAutoFit/>
-            </a:bodyPr>
-            <a:lstStyle/>
-            <a:p>
-              <a:pPr algn="ctr"/>
-              <a:r>
-                <a:rPr lang="en-US" altLang="zh-CN" b="1" dirty="0">
-                  <a:latin typeface="Times New Roman" panose="02020603050405020304" pitchFamily="18" charset="0"/>
-                  <a:cs typeface="Times New Roman" panose="02020603050405020304" pitchFamily="18" charset="0"/>
-                </a:rPr>
-                <a:t>ERNIE </a:t>
-              </a:r>
-            </a:p>
-            <a:p>
-              <a:pPr algn="ctr"/>
-              <a:r>
-                <a:rPr lang="en-US" altLang="zh-CN" b="1" dirty="0">
-                  <a:latin typeface="Times New Roman" panose="02020603050405020304" pitchFamily="18" charset="0"/>
-                  <a:cs typeface="Times New Roman" panose="02020603050405020304" pitchFamily="18" charset="0"/>
-                </a:rPr>
-                <a:t>(Baidu)</a:t>
-              </a:r>
-              <a:endParaRPr lang="zh-CN" altLang="en-US" b="1" dirty="0">
-                <a:latin typeface="Times New Roman" panose="02020603050405020304" pitchFamily="18" charset="0"/>
-                <a:cs typeface="Times New Roman" panose="02020603050405020304" pitchFamily="18" charset="0"/>
-              </a:endParaRPr>
-            </a:p>
-          </p:txBody>
-        </p:sp>
-      </p:grpSp>
-      <p:sp>
-        <p:nvSpPr>
-          <p:cNvPr id="44" name="文本框 43">
-            <a:extLst>
-              <a:ext uri="{FF2B5EF4-FFF2-40B4-BE49-F238E27FC236}">
-                <a16:creationId xmlns:a16="http://schemas.microsoft.com/office/drawing/2014/main" id="{02955FD8-4B71-4CFE-A90A-615BA2773D0D}"/>
+      <p:sp>
+        <p:nvSpPr>
+          <p:cNvPr id="42" name="文本框 41">
+            <a:extLst>
+              <a:ext uri="{FF2B5EF4-FFF2-40B4-BE49-F238E27FC236}">
+                <a16:creationId xmlns:a16="http://schemas.microsoft.com/office/drawing/2014/main" id="{E7B3F1B3-E06D-44F8-8126-31994765C6E8}"/>
               </a:ext>
             </a:extLst>
           </p:cNvPr>
@@ -4373,8 +4274,8 @@
         </p:nvSpPr>
         <p:spPr>
           <a:xfrm>
-            <a:off x="5909693" y="3021186"/>
-            <a:ext cx="1773600" cy="307777"/>
+            <a:off x="9769162" y="4483246"/>
+            <a:ext cx="1964107" cy="1200329"/>
           </a:xfrm>
           <a:prstGeom prst="rect">
             <a:avLst/>
@@ -4387,12 +4288,86 @@
           </a:bodyPr>
           <a:lstStyle/>
           <a:p>
+            <a:pPr algn="ctr"/>
+            <a:endParaRPr lang="en-US" altLang="zh-CN" b="1" dirty="0">
+              <a:latin typeface="Times New Roman" panose="02020603050405020304" pitchFamily="18" charset="0"/>
+              <a:cs typeface="Times New Roman" panose="02020603050405020304" pitchFamily="18" charset="0"/>
+            </a:endParaRPr>
+          </a:p>
+          <a:p>
+            <a:pPr algn="ctr"/>
+            <a:endParaRPr lang="en-US" altLang="zh-CN" b="1" dirty="0">
+              <a:latin typeface="Times New Roman" panose="02020603050405020304" pitchFamily="18" charset="0"/>
+              <a:cs typeface="Times New Roman" panose="02020603050405020304" pitchFamily="18" charset="0"/>
+            </a:endParaRPr>
+          </a:p>
+          <a:p>
+            <a:pPr algn="ctr"/>
+            <a:r>
+              <a:rPr lang="en-US" altLang="zh-CN" b="1" dirty="0">
+                <a:latin typeface="Times New Roman" panose="02020603050405020304" pitchFamily="18" charset="0"/>
+                <a:cs typeface="Times New Roman" panose="02020603050405020304" pitchFamily="18" charset="0"/>
+              </a:rPr>
+              <a:t>ERNIE (Baidu)</a:t>
+            </a:r>
+          </a:p>
+          <a:p>
+            <a:pPr algn="ctr"/>
+            <a:r>
+              <a:rPr lang="en-US" altLang="zh-CN" b="1" dirty="0">
+                <a:latin typeface="Times New Roman" panose="02020603050405020304" pitchFamily="18" charset="0"/>
+                <a:cs typeface="Times New Roman" panose="02020603050405020304" pitchFamily="18" charset="0"/>
+              </a:rPr>
+              <a:t>BERT-</a:t>
+            </a:r>
+            <a:r>
+              <a:rPr lang="en-US" altLang="zh-CN" b="1" dirty="0" err="1">
+                <a:latin typeface="Times New Roman" panose="02020603050405020304" pitchFamily="18" charset="0"/>
+                <a:cs typeface="Times New Roman" panose="02020603050405020304" pitchFamily="18" charset="0"/>
+              </a:rPr>
+              <a:t>wwm</a:t>
+            </a:r>
+            <a:endParaRPr lang="zh-CN" altLang="en-US" b="1" dirty="0">
+              <a:latin typeface="Times New Roman" panose="02020603050405020304" pitchFamily="18" charset="0"/>
+              <a:cs typeface="Times New Roman" panose="02020603050405020304" pitchFamily="18" charset="0"/>
+            </a:endParaRPr>
+          </a:p>
+        </p:txBody>
+      </p:sp>
+      <p:sp>
+        <p:nvSpPr>
+          <p:cNvPr id="44" name="文本框 43">
+            <a:extLst>
+              <a:ext uri="{FF2B5EF4-FFF2-40B4-BE49-F238E27FC236}">
+                <a16:creationId xmlns:a16="http://schemas.microsoft.com/office/drawing/2014/main" id="{02955FD8-4B71-4CFE-A90A-615BA2773D0D}"/>
+              </a:ext>
+            </a:extLst>
+          </p:cNvPr>
+          <p:cNvSpPr txBox="1"/>
+          <p:nvPr/>
+        </p:nvSpPr>
+        <p:spPr>
+          <a:xfrm>
+            <a:off x="5559650" y="3137999"/>
+            <a:ext cx="1773600" cy="307777"/>
+          </a:xfrm>
+          <a:prstGeom prst="rect">
+            <a:avLst/>
+          </a:prstGeom>
+          <a:noFill/>
+        </p:spPr>
+        <p:txBody>
+          <a:bodyPr wrap="square" rtlCol="0">
+            <a:spAutoFit/>
+          </a:bodyPr>
+          <a:lstStyle/>
+          <a:p>
             <a:r>
               <a:rPr lang="en-US" altLang="zh-CN" sz="1400" dirty="0">
                 <a:latin typeface="Times New Roman" panose="02020603050405020304" pitchFamily="18" charset="0"/>
                 <a:cs typeface="Times New Roman" panose="02020603050405020304" pitchFamily="18" charset="0"/>
               </a:rPr>
-              <a:t>+Entity knowledge</a:t>
+              <a:t>+Knowledge Graph</a:t>
             </a:r>
             <a:endParaRPr lang="zh-CN" altLang="en-US" sz="1400" dirty="0">
               <a:latin typeface="Times New Roman" panose="02020603050405020304" pitchFamily="18" charset="0"/>
@@ -4486,25 +4461,182 @@
           </a:fontRef>
         </p:style>
       </p:cxnSp>
+      <p:sp>
+        <p:nvSpPr>
+          <p:cNvPr id="52" name="文本框 51">
+            <a:extLst>
+              <a:ext uri="{FF2B5EF4-FFF2-40B4-BE49-F238E27FC236}">
+                <a16:creationId xmlns:a16="http://schemas.microsoft.com/office/drawing/2014/main" id="{C548C8F2-B0A5-4F83-BE34-B7F278372C7A}"/>
+              </a:ext>
+            </a:extLst>
+          </p:cNvPr>
+          <p:cNvSpPr txBox="1"/>
+          <p:nvPr/>
+        </p:nvSpPr>
+        <p:spPr>
+          <a:xfrm>
+            <a:off x="6234545" y="5663225"/>
+            <a:ext cx="2180484" cy="307777"/>
+          </a:xfrm>
+          <a:prstGeom prst="rect">
+            <a:avLst/>
+          </a:prstGeom>
+          <a:noFill/>
+        </p:spPr>
+        <p:txBody>
+          <a:bodyPr wrap="square" rtlCol="0">
+            <a:spAutoFit/>
+          </a:bodyPr>
+          <a:lstStyle/>
+          <a:p>
+            <a:r>
+              <a:rPr lang="en-US" altLang="zh-CN" sz="1400" dirty="0">
+                <a:latin typeface="Times New Roman" panose="02020603050405020304" pitchFamily="18" charset="0"/>
+                <a:cs typeface="Times New Roman" panose="02020603050405020304" pitchFamily="18" charset="0"/>
+              </a:rPr>
+              <a:t>Neural entity linker</a:t>
+            </a:r>
+            <a:endParaRPr lang="zh-CN" altLang="en-US" sz="1400" dirty="0">
+              <a:latin typeface="Times New Roman" panose="02020603050405020304" pitchFamily="18" charset="0"/>
+              <a:cs typeface="Times New Roman" panose="02020603050405020304" pitchFamily="18" charset="0"/>
+            </a:endParaRPr>
+          </a:p>
+        </p:txBody>
+      </p:sp>
+      <p:sp>
+        <p:nvSpPr>
+          <p:cNvPr id="58" name="文本框 57">
+            <a:extLst>
+              <a:ext uri="{FF2B5EF4-FFF2-40B4-BE49-F238E27FC236}">
+                <a16:creationId xmlns:a16="http://schemas.microsoft.com/office/drawing/2014/main" id="{8EA3F12F-AA23-48D0-9CE1-1A90A94B2F97}"/>
+              </a:ext>
+            </a:extLst>
+          </p:cNvPr>
+          <p:cNvSpPr txBox="1"/>
+          <p:nvPr/>
+        </p:nvSpPr>
+        <p:spPr>
+          <a:xfrm>
+            <a:off x="7693083" y="4419407"/>
+            <a:ext cx="1701331" cy="2031325"/>
+          </a:xfrm>
+          <a:prstGeom prst="rect">
+            <a:avLst/>
+          </a:prstGeom>
+          <a:noFill/>
+        </p:spPr>
+        <p:txBody>
+          <a:bodyPr wrap="square" rtlCol="0">
+            <a:spAutoFit/>
+          </a:bodyPr>
+          <a:lstStyle/>
+          <a:p>
+            <a:pPr algn="ctr"/>
+            <a:r>
+              <a:rPr lang="en-US" altLang="zh-CN" b="1" dirty="0" err="1">
+                <a:latin typeface="Times New Roman" panose="02020603050405020304" pitchFamily="18" charset="0"/>
+                <a:cs typeface="Times New Roman" panose="02020603050405020304" pitchFamily="18" charset="0"/>
+              </a:rPr>
+              <a:t>VideoBERT</a:t>
+            </a:r>
+            <a:endParaRPr lang="en-US" altLang="zh-CN" b="1" dirty="0">
+              <a:latin typeface="Times New Roman" panose="02020603050405020304" pitchFamily="18" charset="0"/>
+              <a:cs typeface="Times New Roman" panose="02020603050405020304" pitchFamily="18" charset="0"/>
+            </a:endParaRPr>
+          </a:p>
+          <a:p>
+            <a:pPr algn="ctr"/>
+            <a:r>
+              <a:rPr lang="en-US" altLang="zh-CN" b="1" dirty="0" err="1">
+                <a:latin typeface="Times New Roman" panose="02020603050405020304" pitchFamily="18" charset="0"/>
+                <a:cs typeface="Times New Roman" panose="02020603050405020304" pitchFamily="18" charset="0"/>
+              </a:rPr>
+              <a:t>ViLBERT</a:t>
+            </a:r>
+            <a:endParaRPr lang="en-US" altLang="zh-CN" b="1" dirty="0">
+              <a:latin typeface="Times New Roman" panose="02020603050405020304" pitchFamily="18" charset="0"/>
+              <a:cs typeface="Times New Roman" panose="02020603050405020304" pitchFamily="18" charset="0"/>
+            </a:endParaRPr>
+          </a:p>
+          <a:p>
+            <a:pPr algn="ctr"/>
+            <a:r>
+              <a:rPr lang="en-US" altLang="zh-CN" b="1" dirty="0" err="1">
+                <a:latin typeface="Times New Roman" panose="02020603050405020304" pitchFamily="18" charset="0"/>
+                <a:cs typeface="Times New Roman" panose="02020603050405020304" pitchFamily="18" charset="0"/>
+              </a:rPr>
+              <a:t>VisualBERT</a:t>
+            </a:r>
+            <a:endParaRPr lang="en-US" altLang="zh-CN" b="1" dirty="0">
+              <a:latin typeface="Times New Roman" panose="02020603050405020304" pitchFamily="18" charset="0"/>
+              <a:cs typeface="Times New Roman" panose="02020603050405020304" pitchFamily="18" charset="0"/>
+            </a:endParaRPr>
+          </a:p>
+          <a:p>
+            <a:pPr algn="ctr"/>
+            <a:r>
+              <a:rPr lang="en-US" altLang="zh-CN" b="1" dirty="0" err="1">
+                <a:latin typeface="Times New Roman" panose="02020603050405020304" pitchFamily="18" charset="0"/>
+                <a:cs typeface="Times New Roman" panose="02020603050405020304" pitchFamily="18" charset="0"/>
+              </a:rPr>
+              <a:t>Unicoder</a:t>
+            </a:r>
+            <a:r>
+              <a:rPr lang="en-US" altLang="zh-CN" b="1" dirty="0">
+                <a:latin typeface="Times New Roman" panose="02020603050405020304" pitchFamily="18" charset="0"/>
+                <a:cs typeface="Times New Roman" panose="02020603050405020304" pitchFamily="18" charset="0"/>
+              </a:rPr>
+              <a:t>-VL</a:t>
+            </a:r>
+          </a:p>
+          <a:p>
+            <a:pPr algn="ctr"/>
+            <a:r>
+              <a:rPr lang="en-US" altLang="zh-CN" b="1" dirty="0">
+                <a:latin typeface="Times New Roman" panose="02020603050405020304" pitchFamily="18" charset="0"/>
+                <a:cs typeface="Times New Roman" panose="02020603050405020304" pitchFamily="18" charset="0"/>
+              </a:rPr>
+              <a:t>LXMBERT</a:t>
+            </a:r>
+          </a:p>
+          <a:p>
+            <a:pPr algn="ctr"/>
+            <a:r>
+              <a:rPr lang="en-US" altLang="zh-CN" b="1" dirty="0">
+                <a:latin typeface="Times New Roman" panose="02020603050405020304" pitchFamily="18" charset="0"/>
+                <a:cs typeface="Times New Roman" panose="02020603050405020304" pitchFamily="18" charset="0"/>
+              </a:rPr>
+              <a:t>VL-BERT</a:t>
+            </a:r>
+          </a:p>
+          <a:p>
+            <a:pPr algn="ctr"/>
+            <a:endParaRPr lang="zh-CN" altLang="en-US" b="1" dirty="0">
+              <a:latin typeface="Times New Roman" panose="02020603050405020304" pitchFamily="18" charset="0"/>
+              <a:cs typeface="Times New Roman" panose="02020603050405020304" pitchFamily="18" charset="0"/>
+            </a:endParaRPr>
+          </a:p>
+        </p:txBody>
+      </p:sp>
       <p:cxnSp>
         <p:nvCxnSpPr>
-          <p:cNvPr id="50" name="直接箭头连接符 49">
-            <a:extLst>
-              <a:ext uri="{FF2B5EF4-FFF2-40B4-BE49-F238E27FC236}">
-                <a16:creationId xmlns:a16="http://schemas.microsoft.com/office/drawing/2014/main" id="{3C424529-A72D-4D7F-BB95-73F299B95B89}"/>
+          <p:cNvPr id="60" name="直接箭头连接符 59">
+            <a:extLst>
+              <a:ext uri="{FF2B5EF4-FFF2-40B4-BE49-F238E27FC236}">
+                <a16:creationId xmlns:a16="http://schemas.microsoft.com/office/drawing/2014/main" id="{70AE3968-D298-4AD1-854C-5202C2F30FE3}"/>
               </a:ext>
             </a:extLst>
           </p:cNvPr>
           <p:cNvCxnSpPr>
             <a:cxnSpLocks/>
-            <a:endCxn id="41" idx="1"/>
+            <a:endCxn id="58" idx="0"/>
           </p:cNvCxnSpPr>
           <p:nvPr/>
         </p:nvCxnSpPr>
         <p:spPr>
           <a:xfrm>
-            <a:off x="6089980" y="3564634"/>
-            <a:ext cx="1885621" cy="899324"/>
+            <a:off x="5964933" y="2229675"/>
+            <a:ext cx="2578816" cy="2189732"/>
           </a:xfrm>
           <a:prstGeom prst="straightConnector1">
             <a:avLst/>
@@ -4530,10 +4662,10 @@
       </p:cxnSp>
       <p:sp>
         <p:nvSpPr>
-          <p:cNvPr id="51" name="文本框 50">
-            <a:extLst>
-              <a:ext uri="{FF2B5EF4-FFF2-40B4-BE49-F238E27FC236}">
-                <a16:creationId xmlns:a16="http://schemas.microsoft.com/office/drawing/2014/main" id="{8AE5EE17-6B32-4D13-9072-2EEE98FF06E8}"/>
+          <p:cNvPr id="62" name="文本框 61">
+            <a:extLst>
+              <a:ext uri="{FF2B5EF4-FFF2-40B4-BE49-F238E27FC236}">
+                <a16:creationId xmlns:a16="http://schemas.microsoft.com/office/drawing/2014/main" id="{339FA287-57D3-496F-B07D-D2BDEED02D03}"/>
               </a:ext>
             </a:extLst>
           </p:cNvPr>
@@ -4542,8 +4674,8 @@
         </p:nvSpPr>
         <p:spPr>
           <a:xfrm>
-            <a:off x="6815964" y="3660443"/>
-            <a:ext cx="1273938" cy="307777"/>
+            <a:off x="7176759" y="3479493"/>
+            <a:ext cx="1221865" cy="307777"/>
           </a:xfrm>
           <a:prstGeom prst="rect">
             <a:avLst/>
@@ -4561,7 +4693,7 @@
                 <a:latin typeface="Times New Roman" panose="02020603050405020304" pitchFamily="18" charset="0"/>
                 <a:cs typeface="Times New Roman" panose="02020603050405020304" pitchFamily="18" charset="0"/>
               </a:rPr>
-              <a:t>for Chinese</a:t>
+              <a:t>Cross-modal</a:t>
             </a:r>
             <a:endParaRPr lang="zh-CN" altLang="en-US" sz="1400" dirty="0">
               <a:latin typeface="Times New Roman" panose="02020603050405020304" pitchFamily="18" charset="0"/>
@@ -4572,10 +4704,10 @@
       </p:sp>
       <p:sp>
         <p:nvSpPr>
-          <p:cNvPr id="52" name="文本框 51">
-            <a:extLst>
-              <a:ext uri="{FF2B5EF4-FFF2-40B4-BE49-F238E27FC236}">
-                <a16:creationId xmlns:a16="http://schemas.microsoft.com/office/drawing/2014/main" id="{C548C8F2-B0A5-4F83-BE34-B7F278372C7A}"/>
+          <p:cNvPr id="63" name="文本框 62">
+            <a:extLst>
+              <a:ext uri="{FF2B5EF4-FFF2-40B4-BE49-F238E27FC236}">
+                <a16:creationId xmlns:a16="http://schemas.microsoft.com/office/drawing/2014/main" id="{494E4A32-C21A-47A3-9561-DDB8EB45B2D1}"/>
               </a:ext>
             </a:extLst>
           </p:cNvPr>
@@ -4584,8 +4716,8 @@
         </p:nvSpPr>
         <p:spPr>
           <a:xfrm>
-            <a:off x="6234545" y="5663225"/>
-            <a:ext cx="2180484" cy="307777"/>
+            <a:off x="4277650" y="5341362"/>
+            <a:ext cx="1159934" cy="369332"/>
           </a:xfrm>
           <a:prstGeom prst="rect">
             <a:avLst/>
@@ -4598,14 +4730,15 @@
           </a:bodyPr>
           <a:lstStyle/>
           <a:p>
-            <a:r>
-              <a:rPr lang="en-US" altLang="zh-CN" sz="1400" dirty="0">
+            <a:pPr algn="ctr"/>
+            <a:r>
+              <a:rPr lang="en-US" altLang="zh-CN" b="1" dirty="0" err="1">
                 <a:latin typeface="Times New Roman" panose="02020603050405020304" pitchFamily="18" charset="0"/>
                 <a:cs typeface="Times New Roman" panose="02020603050405020304" pitchFamily="18" charset="0"/>
               </a:rPr>
-              <a:t>Neural entity linker</a:t>
-            </a:r>
-            <a:endParaRPr lang="zh-CN" altLang="en-US" sz="1400" dirty="0">
+              <a:t>XLNet</a:t>
+            </a:r>
+            <a:endParaRPr lang="zh-CN" altLang="en-US" b="1" dirty="0">
               <a:latin typeface="Times New Roman" panose="02020603050405020304" pitchFamily="18" charset="0"/>
               <a:cs typeface="Times New Roman" panose="02020603050405020304" pitchFamily="18" charset="0"/>
             </a:endParaRPr>
@@ -4614,10 +4747,10 @@
       </p:sp>
       <p:sp>
         <p:nvSpPr>
-          <p:cNvPr id="53" name="文本框 52">
-            <a:extLst>
-              <a:ext uri="{FF2B5EF4-FFF2-40B4-BE49-F238E27FC236}">
-                <a16:creationId xmlns:a16="http://schemas.microsoft.com/office/drawing/2014/main" id="{83CC1DBA-5B84-4221-BBC8-0ED9D3ED8453}"/>
+          <p:cNvPr id="64" name="文本框 63">
+            <a:extLst>
+              <a:ext uri="{FF2B5EF4-FFF2-40B4-BE49-F238E27FC236}">
+                <a16:creationId xmlns:a16="http://schemas.microsoft.com/office/drawing/2014/main" id="{54E1F80C-3C47-4785-B73D-A1ED9C45FBB0}"/>
               </a:ext>
             </a:extLst>
           </p:cNvPr>
@@ -4626,8 +4759,8 @@
         </p:nvSpPr>
         <p:spPr>
           <a:xfrm>
-            <a:off x="7799367" y="6140279"/>
-            <a:ext cx="1283800" cy="369332"/>
+            <a:off x="2357431" y="3580821"/>
+            <a:ext cx="1159934" cy="646331"/>
           </a:xfrm>
           <a:prstGeom prst="rect">
             <a:avLst/>
@@ -4646,7 +4779,17 @@
                 <a:latin typeface="Times New Roman" panose="02020603050405020304" pitchFamily="18" charset="0"/>
                 <a:cs typeface="Times New Roman" panose="02020603050405020304" pitchFamily="18" charset="0"/>
               </a:rPr>
-              <a:t>ERNIE 2.0</a:t>
+              <a:t>MASS</a:t>
+            </a:r>
+          </a:p>
+          <a:p>
+            <a:pPr algn="ctr"/>
+            <a:r>
+              <a:rPr lang="en-US" altLang="zh-CN" b="1" dirty="0" err="1">
+                <a:latin typeface="Times New Roman" panose="02020603050405020304" pitchFamily="18" charset="0"/>
+                <a:cs typeface="Times New Roman" panose="02020603050405020304" pitchFamily="18" charset="0"/>
+              </a:rPr>
+              <a:t>UniLM</a:t>
             </a:r>
             <a:endParaRPr lang="zh-CN" altLang="en-US" b="1" dirty="0">
               <a:latin typeface="Times New Roman" panose="02020603050405020304" pitchFamily="18" charset="0"/>
@@ -4655,25 +4798,111 @@
           </a:p>
         </p:txBody>
       </p:sp>
+      <p:sp>
+        <p:nvSpPr>
+          <p:cNvPr id="65" name="文本框 64">
+            <a:extLst>
+              <a:ext uri="{FF2B5EF4-FFF2-40B4-BE49-F238E27FC236}">
+                <a16:creationId xmlns:a16="http://schemas.microsoft.com/office/drawing/2014/main" id="{FA8D1ECE-3897-45DD-99C9-DF92EC62D58E}"/>
+              </a:ext>
+            </a:extLst>
+          </p:cNvPr>
+          <p:cNvSpPr txBox="1"/>
+          <p:nvPr/>
+        </p:nvSpPr>
+        <p:spPr>
+          <a:xfrm>
+            <a:off x="223528" y="3015621"/>
+            <a:ext cx="1159934" cy="369332"/>
+          </a:xfrm>
+          <a:prstGeom prst="rect">
+            <a:avLst/>
+          </a:prstGeom>
+          <a:noFill/>
+        </p:spPr>
+        <p:txBody>
+          <a:bodyPr wrap="square" rtlCol="0">
+            <a:spAutoFit/>
+          </a:bodyPr>
+          <a:lstStyle/>
+          <a:p>
+            <a:pPr algn="ctr"/>
+            <a:r>
+              <a:rPr lang="en-US" altLang="zh-CN" b="1" dirty="0">
+                <a:latin typeface="Times New Roman" panose="02020603050405020304" pitchFamily="18" charset="0"/>
+                <a:cs typeface="Times New Roman" panose="02020603050405020304" pitchFamily="18" charset="0"/>
+              </a:rPr>
+              <a:t>XLM</a:t>
+            </a:r>
+            <a:endParaRPr lang="zh-CN" altLang="en-US" b="1" dirty="0">
+              <a:latin typeface="Times New Roman" panose="02020603050405020304" pitchFamily="18" charset="0"/>
+              <a:cs typeface="Times New Roman" panose="02020603050405020304" pitchFamily="18" charset="0"/>
+            </a:endParaRPr>
+          </a:p>
+        </p:txBody>
+      </p:sp>
+      <p:sp>
+        <p:nvSpPr>
+          <p:cNvPr id="66" name="文本框 65">
+            <a:extLst>
+              <a:ext uri="{FF2B5EF4-FFF2-40B4-BE49-F238E27FC236}">
+                <a16:creationId xmlns:a16="http://schemas.microsoft.com/office/drawing/2014/main" id="{4DEB5C46-2B50-4662-BCAF-31C4BD86103D}"/>
+              </a:ext>
+            </a:extLst>
+          </p:cNvPr>
+          <p:cNvSpPr txBox="1"/>
+          <p:nvPr/>
+        </p:nvSpPr>
+        <p:spPr>
+          <a:xfrm>
+            <a:off x="2745908" y="5691768"/>
+            <a:ext cx="1290597" cy="369332"/>
+          </a:xfrm>
+          <a:prstGeom prst="rect">
+            <a:avLst/>
+          </a:prstGeom>
+          <a:noFill/>
+        </p:spPr>
+        <p:txBody>
+          <a:bodyPr wrap="square" rtlCol="0">
+            <a:spAutoFit/>
+          </a:bodyPr>
+          <a:lstStyle/>
+          <a:p>
+            <a:pPr algn="ctr"/>
+            <a:r>
+              <a:rPr lang="en-US" altLang="zh-CN" b="1" dirty="0" err="1">
+                <a:latin typeface="Times New Roman" panose="02020603050405020304" pitchFamily="18" charset="0"/>
+                <a:cs typeface="Times New Roman" panose="02020603050405020304" pitchFamily="18" charset="0"/>
+              </a:rPr>
+              <a:t>RoBERTa</a:t>
+            </a:r>
+            <a:endParaRPr lang="zh-CN" altLang="en-US" b="1" dirty="0">
+              <a:latin typeface="Times New Roman" panose="02020603050405020304" pitchFamily="18" charset="0"/>
+              <a:cs typeface="Times New Roman" panose="02020603050405020304" pitchFamily="18" charset="0"/>
+            </a:endParaRPr>
+          </a:p>
+        </p:txBody>
+      </p:sp>
       <p:cxnSp>
         <p:nvCxnSpPr>
-          <p:cNvPr id="55" name="直接箭头连接符 54">
-            <a:extLst>
-              <a:ext uri="{FF2B5EF4-FFF2-40B4-BE49-F238E27FC236}">
-                <a16:creationId xmlns:a16="http://schemas.microsoft.com/office/drawing/2014/main" id="{93A766C6-17D9-488F-B605-04392D1E449D}"/>
+          <p:cNvPr id="68" name="直接箭头连接符 67">
+            <a:extLst>
+              <a:ext uri="{FF2B5EF4-FFF2-40B4-BE49-F238E27FC236}">
+                <a16:creationId xmlns:a16="http://schemas.microsoft.com/office/drawing/2014/main" id="{1E03AD69-66DB-445A-85B5-57CA2A723377}"/>
               </a:ext>
             </a:extLst>
           </p:cNvPr>
           <p:cNvCxnSpPr>
-            <a:stCxn id="42" idx="2"/>
-            <a:endCxn id="53" idx="0"/>
+            <a:cxnSpLocks/>
+            <a:endCxn id="63" idx="0"/>
           </p:cNvCxnSpPr>
           <p:nvPr/>
         </p:nvCxnSpPr>
         <p:spPr>
-          <a:xfrm>
-            <a:off x="8441267" y="5556079"/>
-            <a:ext cx="0" cy="584200"/>
+          <a:xfrm flipH="1">
+            <a:off x="4857617" y="2490670"/>
+            <a:ext cx="637426" cy="2850692"/>
           </a:xfrm>
           <a:prstGeom prst="straightConnector1">
             <a:avLst/>
@@ -4699,10 +4928,10 @@
       </p:cxnSp>
       <p:sp>
         <p:nvSpPr>
-          <p:cNvPr id="56" name="文本框 55">
-            <a:extLst>
-              <a:ext uri="{FF2B5EF4-FFF2-40B4-BE49-F238E27FC236}">
-                <a16:creationId xmlns:a16="http://schemas.microsoft.com/office/drawing/2014/main" id="{0820A1E4-3391-4756-B04B-85F07FC9F556}"/>
+          <p:cNvPr id="69" name="文本框 68">
+            <a:extLst>
+              <a:ext uri="{FF2B5EF4-FFF2-40B4-BE49-F238E27FC236}">
+                <a16:creationId xmlns:a16="http://schemas.microsoft.com/office/drawing/2014/main" id="{A10882AD-CF24-4EDC-AE26-3E4A9CA790C5}"/>
               </a:ext>
             </a:extLst>
           </p:cNvPr>
@@ -4711,8 +4940,8 @@
         </p:nvSpPr>
         <p:spPr>
           <a:xfrm>
-            <a:off x="8420412" y="5691768"/>
-            <a:ext cx="2261102" cy="307777"/>
+            <a:off x="4613834" y="3598888"/>
+            <a:ext cx="1414867" cy="738664"/>
           </a:xfrm>
           <a:prstGeom prst="rect">
             <a:avLst/>
@@ -4730,7 +4959,25 @@
                 <a:latin typeface="Times New Roman" panose="02020603050405020304" pitchFamily="18" charset="0"/>
                 <a:cs typeface="Times New Roman" panose="02020603050405020304" pitchFamily="18" charset="0"/>
               </a:rPr>
-              <a:t>Continual Learning</a:t>
+              <a:t>Permutation LM</a:t>
+            </a:r>
+          </a:p>
+          <a:p>
+            <a:r>
+              <a:rPr lang="en-US" altLang="zh-CN" sz="1400" dirty="0">
+                <a:latin typeface="Times New Roman" panose="02020603050405020304" pitchFamily="18" charset="0"/>
+                <a:cs typeface="Times New Roman" panose="02020603050405020304" pitchFamily="18" charset="0"/>
+              </a:rPr>
+              <a:t>Transformer-XL</a:t>
+            </a:r>
+          </a:p>
+          <a:p>
+            <a:r>
+              <a:rPr lang="en-US" altLang="zh-CN" sz="1400" dirty="0">
+                <a:latin typeface="Times New Roman" panose="02020603050405020304" pitchFamily="18" charset="0"/>
+                <a:cs typeface="Times New Roman" panose="02020603050405020304" pitchFamily="18" charset="0"/>
+              </a:rPr>
+              <a:t>More data</a:t>
             </a:r>
             <a:endParaRPr lang="zh-CN" altLang="en-US" sz="1400" dirty="0">
               <a:latin typeface="Times New Roman" panose="02020603050405020304" pitchFamily="18" charset="0"/>
@@ -4739,139 +4986,25 @@
           </a:p>
         </p:txBody>
       </p:sp>
-      <p:sp>
-        <p:nvSpPr>
-          <p:cNvPr id="58" name="文本框 57">
-            <a:extLst>
-              <a:ext uri="{FF2B5EF4-FFF2-40B4-BE49-F238E27FC236}">
-                <a16:creationId xmlns:a16="http://schemas.microsoft.com/office/drawing/2014/main" id="{8EA3F12F-AA23-48D0-9CE1-1A90A94B2F97}"/>
-              </a:ext>
-            </a:extLst>
-          </p:cNvPr>
-          <p:cNvSpPr txBox="1"/>
-          <p:nvPr/>
-        </p:nvSpPr>
-        <p:spPr>
-          <a:xfrm>
-            <a:off x="9884601" y="4013743"/>
-            <a:ext cx="1701331" cy="2031325"/>
-          </a:xfrm>
-          <a:prstGeom prst="rect">
-            <a:avLst/>
-          </a:prstGeom>
-          <a:noFill/>
-        </p:spPr>
-        <p:txBody>
-          <a:bodyPr wrap="square" rtlCol="0">
-            <a:spAutoFit/>
-          </a:bodyPr>
-          <a:lstStyle/>
-          <a:p>
-            <a:pPr algn="ctr"/>
-            <a:r>
-              <a:rPr lang="en-US" altLang="zh-CN" b="1" dirty="0" err="1">
-                <a:latin typeface="Times New Roman" panose="02020603050405020304" pitchFamily="18" charset="0"/>
-                <a:cs typeface="Times New Roman" panose="02020603050405020304" pitchFamily="18" charset="0"/>
-              </a:rPr>
-              <a:t>VideoBERT</a:t>
-            </a:r>
-            <a:endParaRPr lang="en-US" altLang="zh-CN" b="1" dirty="0">
-              <a:latin typeface="Times New Roman" panose="02020603050405020304" pitchFamily="18" charset="0"/>
-              <a:cs typeface="Times New Roman" panose="02020603050405020304" pitchFamily="18" charset="0"/>
-            </a:endParaRPr>
-          </a:p>
-          <a:p>
-            <a:pPr algn="ctr"/>
-            <a:r>
-              <a:rPr lang="en-US" altLang="zh-CN" b="1" dirty="0" err="1">
-                <a:latin typeface="Times New Roman" panose="02020603050405020304" pitchFamily="18" charset="0"/>
-                <a:cs typeface="Times New Roman" panose="02020603050405020304" pitchFamily="18" charset="0"/>
-              </a:rPr>
-              <a:t>ViLBERT</a:t>
-            </a:r>
-            <a:endParaRPr lang="en-US" altLang="zh-CN" b="1" dirty="0">
-              <a:latin typeface="Times New Roman" panose="02020603050405020304" pitchFamily="18" charset="0"/>
-              <a:cs typeface="Times New Roman" panose="02020603050405020304" pitchFamily="18" charset="0"/>
-            </a:endParaRPr>
-          </a:p>
-          <a:p>
-            <a:pPr algn="ctr"/>
-            <a:r>
-              <a:rPr lang="en-US" altLang="zh-CN" b="1" dirty="0" err="1">
-                <a:latin typeface="Times New Roman" panose="02020603050405020304" pitchFamily="18" charset="0"/>
-                <a:cs typeface="Times New Roman" panose="02020603050405020304" pitchFamily="18" charset="0"/>
-              </a:rPr>
-              <a:t>VisualBERT</a:t>
-            </a:r>
-            <a:endParaRPr lang="en-US" altLang="zh-CN" b="1" dirty="0">
-              <a:latin typeface="Times New Roman" panose="02020603050405020304" pitchFamily="18" charset="0"/>
-              <a:cs typeface="Times New Roman" panose="02020603050405020304" pitchFamily="18" charset="0"/>
-            </a:endParaRPr>
-          </a:p>
-          <a:p>
-            <a:pPr algn="ctr"/>
-            <a:r>
-              <a:rPr lang="en-US" altLang="zh-CN" b="1" dirty="0" err="1">
-                <a:latin typeface="Times New Roman" panose="02020603050405020304" pitchFamily="18" charset="0"/>
-                <a:cs typeface="Times New Roman" panose="02020603050405020304" pitchFamily="18" charset="0"/>
-              </a:rPr>
-              <a:t>Unicoder</a:t>
-            </a:r>
-            <a:r>
-              <a:rPr lang="en-US" altLang="zh-CN" b="1" dirty="0">
-                <a:latin typeface="Times New Roman" panose="02020603050405020304" pitchFamily="18" charset="0"/>
-                <a:cs typeface="Times New Roman" panose="02020603050405020304" pitchFamily="18" charset="0"/>
-              </a:rPr>
-              <a:t>-VL</a:t>
-            </a:r>
-          </a:p>
-          <a:p>
-            <a:pPr algn="ctr"/>
-            <a:r>
-              <a:rPr lang="en-US" altLang="zh-CN" b="1" dirty="0">
-                <a:latin typeface="Times New Roman" panose="02020603050405020304" pitchFamily="18" charset="0"/>
-                <a:cs typeface="Times New Roman" panose="02020603050405020304" pitchFamily="18" charset="0"/>
-              </a:rPr>
-              <a:t>LXMBERT</a:t>
-            </a:r>
-          </a:p>
-          <a:p>
-            <a:pPr algn="ctr"/>
-            <a:r>
-              <a:rPr lang="en-US" altLang="zh-CN" b="1" dirty="0">
-                <a:latin typeface="Times New Roman" panose="02020603050405020304" pitchFamily="18" charset="0"/>
-                <a:cs typeface="Times New Roman" panose="02020603050405020304" pitchFamily="18" charset="0"/>
-              </a:rPr>
-              <a:t>VL-BERT</a:t>
-            </a:r>
-          </a:p>
-          <a:p>
-            <a:pPr algn="ctr"/>
-            <a:endParaRPr lang="zh-CN" altLang="en-US" b="1" dirty="0">
-              <a:latin typeface="Times New Roman" panose="02020603050405020304" pitchFamily="18" charset="0"/>
-              <a:cs typeface="Times New Roman" panose="02020603050405020304" pitchFamily="18" charset="0"/>
-            </a:endParaRPr>
-          </a:p>
-        </p:txBody>
-      </p:sp>
       <p:cxnSp>
         <p:nvCxnSpPr>
-          <p:cNvPr id="60" name="直接箭头连接符 59">
-            <a:extLst>
-              <a:ext uri="{FF2B5EF4-FFF2-40B4-BE49-F238E27FC236}">
-                <a16:creationId xmlns:a16="http://schemas.microsoft.com/office/drawing/2014/main" id="{70AE3968-D298-4AD1-854C-5202C2F30FE3}"/>
+          <p:cNvPr id="75" name="直接箭头连接符 74">
+            <a:extLst>
+              <a:ext uri="{FF2B5EF4-FFF2-40B4-BE49-F238E27FC236}">
+                <a16:creationId xmlns:a16="http://schemas.microsoft.com/office/drawing/2014/main" id="{CD62C6B1-7284-4DF1-9F53-C4E4459205E2}"/>
               </a:ext>
             </a:extLst>
           </p:cNvPr>
           <p:cNvCxnSpPr>
-            <a:cxnSpLocks/>
+            <a:stCxn id="15" idx="1"/>
+            <a:endCxn id="64" idx="0"/>
           </p:cNvCxnSpPr>
           <p:nvPr/>
         </p:nvCxnSpPr>
         <p:spPr>
-          <a:xfrm>
-            <a:off x="5964933" y="2229675"/>
-            <a:ext cx="3941207" cy="2013775"/>
+          <a:xfrm flipH="1">
+            <a:off x="2937398" y="2306004"/>
+            <a:ext cx="2316500" cy="1274817"/>
           </a:xfrm>
           <a:prstGeom prst="straightConnector1">
             <a:avLst/>
@@ -4897,10 +5030,10 @@
       </p:cxnSp>
       <p:sp>
         <p:nvSpPr>
-          <p:cNvPr id="62" name="文本框 61">
-            <a:extLst>
-              <a:ext uri="{FF2B5EF4-FFF2-40B4-BE49-F238E27FC236}">
-                <a16:creationId xmlns:a16="http://schemas.microsoft.com/office/drawing/2014/main" id="{339FA287-57D3-496F-B07D-D2BDEED02D03}"/>
+          <p:cNvPr id="76" name="文本框 75">
+            <a:extLst>
+              <a:ext uri="{FF2B5EF4-FFF2-40B4-BE49-F238E27FC236}">
+                <a16:creationId xmlns:a16="http://schemas.microsoft.com/office/drawing/2014/main" id="{3C480024-F052-4239-BC13-11F767DC80D7}"/>
               </a:ext>
             </a:extLst>
           </p:cNvPr>
@@ -4909,8 +5042,8 @@
         </p:nvSpPr>
         <p:spPr>
           <a:xfrm>
-            <a:off x="8144296" y="3062290"/>
-            <a:ext cx="1221865" cy="307777"/>
+            <a:off x="2879475" y="2965657"/>
+            <a:ext cx="1414867" cy="307777"/>
           </a:xfrm>
           <a:prstGeom prst="rect">
             <a:avLst/>
@@ -4928,7 +5061,7 @@
                 <a:latin typeface="Times New Roman" panose="02020603050405020304" pitchFamily="18" charset="0"/>
                 <a:cs typeface="Times New Roman" panose="02020603050405020304" pitchFamily="18" charset="0"/>
               </a:rPr>
-              <a:t>Cross-modal</a:t>
+              <a:t>+ Generation</a:t>
             </a:r>
             <a:endParaRPr lang="zh-CN" altLang="en-US" sz="1400" dirty="0">
               <a:latin typeface="Times New Roman" panose="02020603050405020304" pitchFamily="18" charset="0"/>
@@ -4937,207 +5070,25 @@
           </a:p>
         </p:txBody>
       </p:sp>
-      <p:sp>
-        <p:nvSpPr>
-          <p:cNvPr id="63" name="文本框 62">
-            <a:extLst>
-              <a:ext uri="{FF2B5EF4-FFF2-40B4-BE49-F238E27FC236}">
-                <a16:creationId xmlns:a16="http://schemas.microsoft.com/office/drawing/2014/main" id="{494E4A32-C21A-47A3-9561-DDB8EB45B2D1}"/>
-              </a:ext>
-            </a:extLst>
-          </p:cNvPr>
-          <p:cNvSpPr txBox="1"/>
-          <p:nvPr/>
-        </p:nvSpPr>
-        <p:spPr>
-          <a:xfrm>
-            <a:off x="4277650" y="5341362"/>
-            <a:ext cx="1159934" cy="369332"/>
-          </a:xfrm>
-          <a:prstGeom prst="rect">
-            <a:avLst/>
-          </a:prstGeom>
-          <a:noFill/>
-        </p:spPr>
-        <p:txBody>
-          <a:bodyPr wrap="square" rtlCol="0">
-            <a:spAutoFit/>
-          </a:bodyPr>
-          <a:lstStyle/>
-          <a:p>
-            <a:pPr algn="ctr"/>
-            <a:r>
-              <a:rPr lang="en-US" altLang="zh-CN" b="1" dirty="0" err="1">
-                <a:latin typeface="Times New Roman" panose="02020603050405020304" pitchFamily="18" charset="0"/>
-                <a:cs typeface="Times New Roman" panose="02020603050405020304" pitchFamily="18" charset="0"/>
-              </a:rPr>
-              <a:t>XLNet</a:t>
-            </a:r>
-            <a:endParaRPr lang="zh-CN" altLang="en-US" b="1" dirty="0">
-              <a:latin typeface="Times New Roman" panose="02020603050405020304" pitchFamily="18" charset="0"/>
-              <a:cs typeface="Times New Roman" panose="02020603050405020304" pitchFamily="18" charset="0"/>
-            </a:endParaRPr>
-          </a:p>
-        </p:txBody>
-      </p:sp>
-      <p:sp>
-        <p:nvSpPr>
-          <p:cNvPr id="64" name="文本框 63">
-            <a:extLst>
-              <a:ext uri="{FF2B5EF4-FFF2-40B4-BE49-F238E27FC236}">
-                <a16:creationId xmlns:a16="http://schemas.microsoft.com/office/drawing/2014/main" id="{54E1F80C-3C47-4785-B73D-A1ED9C45FBB0}"/>
-              </a:ext>
-            </a:extLst>
-          </p:cNvPr>
-          <p:cNvSpPr txBox="1"/>
-          <p:nvPr/>
-        </p:nvSpPr>
-        <p:spPr>
-          <a:xfrm>
-            <a:off x="2357431" y="3580821"/>
-            <a:ext cx="1159934" cy="646331"/>
-          </a:xfrm>
-          <a:prstGeom prst="rect">
-            <a:avLst/>
-          </a:prstGeom>
-          <a:noFill/>
-        </p:spPr>
-        <p:txBody>
-          <a:bodyPr wrap="square" rtlCol="0">
-            <a:spAutoFit/>
-          </a:bodyPr>
-          <a:lstStyle/>
-          <a:p>
-            <a:pPr algn="ctr"/>
-            <a:r>
-              <a:rPr lang="en-US" altLang="zh-CN" b="1" dirty="0">
-                <a:latin typeface="Times New Roman" panose="02020603050405020304" pitchFamily="18" charset="0"/>
-                <a:cs typeface="Times New Roman" panose="02020603050405020304" pitchFamily="18" charset="0"/>
-              </a:rPr>
-              <a:t>MASS</a:t>
-            </a:r>
-          </a:p>
-          <a:p>
-            <a:pPr algn="ctr"/>
-            <a:r>
-              <a:rPr lang="en-US" altLang="zh-CN" b="1" dirty="0" err="1">
-                <a:latin typeface="Times New Roman" panose="02020603050405020304" pitchFamily="18" charset="0"/>
-                <a:cs typeface="Times New Roman" panose="02020603050405020304" pitchFamily="18" charset="0"/>
-              </a:rPr>
-              <a:t>UniLM</a:t>
-            </a:r>
-            <a:endParaRPr lang="zh-CN" altLang="en-US" b="1" dirty="0">
-              <a:latin typeface="Times New Roman" panose="02020603050405020304" pitchFamily="18" charset="0"/>
-              <a:cs typeface="Times New Roman" panose="02020603050405020304" pitchFamily="18" charset="0"/>
-            </a:endParaRPr>
-          </a:p>
-        </p:txBody>
-      </p:sp>
-      <p:sp>
-        <p:nvSpPr>
-          <p:cNvPr id="65" name="文本框 64">
-            <a:extLst>
-              <a:ext uri="{FF2B5EF4-FFF2-40B4-BE49-F238E27FC236}">
-                <a16:creationId xmlns:a16="http://schemas.microsoft.com/office/drawing/2014/main" id="{FA8D1ECE-3897-45DD-99C9-DF92EC62D58E}"/>
-              </a:ext>
-            </a:extLst>
-          </p:cNvPr>
-          <p:cNvSpPr txBox="1"/>
-          <p:nvPr/>
-        </p:nvSpPr>
-        <p:spPr>
-          <a:xfrm>
-            <a:off x="223528" y="3015621"/>
-            <a:ext cx="1159934" cy="369332"/>
-          </a:xfrm>
-          <a:prstGeom prst="rect">
-            <a:avLst/>
-          </a:prstGeom>
-          <a:noFill/>
-        </p:spPr>
-        <p:txBody>
-          <a:bodyPr wrap="square" rtlCol="0">
-            <a:spAutoFit/>
-          </a:bodyPr>
-          <a:lstStyle/>
-          <a:p>
-            <a:pPr algn="ctr"/>
-            <a:r>
-              <a:rPr lang="en-US" altLang="zh-CN" b="1" dirty="0">
-                <a:latin typeface="Times New Roman" panose="02020603050405020304" pitchFamily="18" charset="0"/>
-                <a:cs typeface="Times New Roman" panose="02020603050405020304" pitchFamily="18" charset="0"/>
-              </a:rPr>
-              <a:t>XLM</a:t>
-            </a:r>
-            <a:endParaRPr lang="zh-CN" altLang="en-US" b="1" dirty="0">
-              <a:latin typeface="Times New Roman" panose="02020603050405020304" pitchFamily="18" charset="0"/>
-              <a:cs typeface="Times New Roman" panose="02020603050405020304" pitchFamily="18" charset="0"/>
-            </a:endParaRPr>
-          </a:p>
-        </p:txBody>
-      </p:sp>
-      <p:sp>
-        <p:nvSpPr>
-          <p:cNvPr id="66" name="文本框 65">
-            <a:extLst>
-              <a:ext uri="{FF2B5EF4-FFF2-40B4-BE49-F238E27FC236}">
-                <a16:creationId xmlns:a16="http://schemas.microsoft.com/office/drawing/2014/main" id="{4DEB5C46-2B50-4662-BCAF-31C4BD86103D}"/>
-              </a:ext>
-            </a:extLst>
-          </p:cNvPr>
-          <p:cNvSpPr txBox="1"/>
-          <p:nvPr/>
-        </p:nvSpPr>
-        <p:spPr>
-          <a:xfrm>
-            <a:off x="2745908" y="5691768"/>
-            <a:ext cx="1290597" cy="369332"/>
-          </a:xfrm>
-          <a:prstGeom prst="rect">
-            <a:avLst/>
-          </a:prstGeom>
-          <a:noFill/>
-        </p:spPr>
-        <p:txBody>
-          <a:bodyPr wrap="square" rtlCol="0">
-            <a:spAutoFit/>
-          </a:bodyPr>
-          <a:lstStyle/>
-          <a:p>
-            <a:pPr algn="ctr"/>
-            <a:r>
-              <a:rPr lang="en-US" altLang="zh-CN" b="1" dirty="0" err="1">
-                <a:latin typeface="Times New Roman" panose="02020603050405020304" pitchFamily="18" charset="0"/>
-                <a:cs typeface="Times New Roman" panose="02020603050405020304" pitchFamily="18" charset="0"/>
-              </a:rPr>
-              <a:t>RoBERTa</a:t>
-            </a:r>
-            <a:endParaRPr lang="zh-CN" altLang="en-US" b="1" dirty="0">
-              <a:latin typeface="Times New Roman" panose="02020603050405020304" pitchFamily="18" charset="0"/>
-              <a:cs typeface="Times New Roman" panose="02020603050405020304" pitchFamily="18" charset="0"/>
-            </a:endParaRPr>
-          </a:p>
-        </p:txBody>
-      </p:sp>
       <p:cxnSp>
         <p:nvCxnSpPr>
-          <p:cNvPr id="68" name="直接箭头连接符 67">
-            <a:extLst>
-              <a:ext uri="{FF2B5EF4-FFF2-40B4-BE49-F238E27FC236}">
-                <a16:creationId xmlns:a16="http://schemas.microsoft.com/office/drawing/2014/main" id="{1E03AD69-66DB-445A-85B5-57CA2A723377}"/>
+          <p:cNvPr id="78" name="直接箭头连接符 77">
+            <a:extLst>
+              <a:ext uri="{FF2B5EF4-FFF2-40B4-BE49-F238E27FC236}">
+                <a16:creationId xmlns:a16="http://schemas.microsoft.com/office/drawing/2014/main" id="{2FC558A9-9202-498D-AB44-D40249B9CB6B}"/>
               </a:ext>
             </a:extLst>
           </p:cNvPr>
           <p:cNvCxnSpPr>
             <a:cxnSpLocks/>
-            <a:endCxn id="63" idx="0"/>
+            <a:endCxn id="66" idx="0"/>
           </p:cNvCxnSpPr>
           <p:nvPr/>
         </p:nvCxnSpPr>
         <p:spPr>
           <a:xfrm flipH="1">
-            <a:off x="4857617" y="2490670"/>
-            <a:ext cx="637426" cy="2850692"/>
+            <a:off x="3391207" y="2490670"/>
+            <a:ext cx="1980870" cy="3201098"/>
           </a:xfrm>
           <a:prstGeom prst="straightConnector1">
             <a:avLst/>
@@ -5163,10 +5114,10 @@
       </p:cxnSp>
       <p:sp>
         <p:nvSpPr>
-          <p:cNvPr id="69" name="文本框 68">
-            <a:extLst>
-              <a:ext uri="{FF2B5EF4-FFF2-40B4-BE49-F238E27FC236}">
-                <a16:creationId xmlns:a16="http://schemas.microsoft.com/office/drawing/2014/main" id="{A10882AD-CF24-4EDC-AE26-3E4A9CA790C5}"/>
+          <p:cNvPr id="81" name="文本框 80">
+            <a:extLst>
+              <a:ext uri="{FF2B5EF4-FFF2-40B4-BE49-F238E27FC236}">
+                <a16:creationId xmlns:a16="http://schemas.microsoft.com/office/drawing/2014/main" id="{125ADE1C-D8F2-4EC5-A01B-6F6A1A708282}"/>
               </a:ext>
             </a:extLst>
           </p:cNvPr>
@@ -5175,8 +5126,8 @@
         </p:nvSpPr>
         <p:spPr>
           <a:xfrm>
-            <a:off x="4613834" y="3598888"/>
-            <a:ext cx="1414867" cy="738664"/>
+            <a:off x="3300035" y="4621623"/>
+            <a:ext cx="1576082" cy="738664"/>
           </a:xfrm>
           <a:prstGeom prst="rect">
             <a:avLst/>
@@ -5194,7 +5145,7 @@
                 <a:latin typeface="Times New Roman" panose="02020603050405020304" pitchFamily="18" charset="0"/>
                 <a:cs typeface="Times New Roman" panose="02020603050405020304" pitchFamily="18" charset="0"/>
               </a:rPr>
-              <a:t>Permutation LM</a:t>
+              <a:t>Longer time</a:t>
             </a:r>
           </a:p>
           <a:p>
@@ -5203,7 +5154,7 @@
                 <a:latin typeface="Times New Roman" panose="02020603050405020304" pitchFamily="18" charset="0"/>
                 <a:cs typeface="Times New Roman" panose="02020603050405020304" pitchFamily="18" charset="0"/>
               </a:rPr>
-              <a:t>Transformer-XL</a:t>
+              <a:t>Remove NSP</a:t>
             </a:r>
           </a:p>
           <a:p>
@@ -5223,23 +5174,22 @@
       </p:sp>
       <p:cxnSp>
         <p:nvCxnSpPr>
-          <p:cNvPr id="75" name="直接箭头连接符 74">
-            <a:extLst>
-              <a:ext uri="{FF2B5EF4-FFF2-40B4-BE49-F238E27FC236}">
-                <a16:creationId xmlns:a16="http://schemas.microsoft.com/office/drawing/2014/main" id="{CD62C6B1-7284-4DF1-9F53-C4E4459205E2}"/>
+          <p:cNvPr id="84" name="直接箭头连接符 83">
+            <a:extLst>
+              <a:ext uri="{FF2B5EF4-FFF2-40B4-BE49-F238E27FC236}">
+                <a16:creationId xmlns:a16="http://schemas.microsoft.com/office/drawing/2014/main" id="{432D6A94-3DAB-46F1-A713-1A641E6F2F55}"/>
               </a:ext>
             </a:extLst>
           </p:cNvPr>
           <p:cNvCxnSpPr>
-            <a:stCxn id="15" idx="1"/>
-            <a:endCxn id="64" idx="0"/>
+            <a:endCxn id="65" idx="0"/>
           </p:cNvCxnSpPr>
           <p:nvPr/>
         </p:nvCxnSpPr>
         <p:spPr>
           <a:xfrm flipH="1">
-            <a:off x="2937398" y="2306004"/>
-            <a:ext cx="2316500" cy="1274817"/>
+            <a:off x="803495" y="2021946"/>
+            <a:ext cx="4423444" cy="993675"/>
           </a:xfrm>
           <a:prstGeom prst="straightConnector1">
             <a:avLst/>
@@ -5265,10 +5215,10 @@
       </p:cxnSp>
       <p:sp>
         <p:nvSpPr>
-          <p:cNvPr id="76" name="文本框 75">
-            <a:extLst>
-              <a:ext uri="{FF2B5EF4-FFF2-40B4-BE49-F238E27FC236}">
-                <a16:creationId xmlns:a16="http://schemas.microsoft.com/office/drawing/2014/main" id="{3C480024-F052-4239-BC13-11F767DC80D7}"/>
+          <p:cNvPr id="85" name="文本框 84">
+            <a:extLst>
+              <a:ext uri="{FF2B5EF4-FFF2-40B4-BE49-F238E27FC236}">
+                <a16:creationId xmlns:a16="http://schemas.microsoft.com/office/drawing/2014/main" id="{9BCA2F9F-1F7C-44B1-966C-643D9EC4E49D}"/>
               </a:ext>
             </a:extLst>
           </p:cNvPr>
@@ -5277,7 +5227,7 @@
         </p:nvSpPr>
         <p:spPr>
           <a:xfrm>
-            <a:off x="2879475" y="2965657"/>
+            <a:off x="2349341" y="2184109"/>
             <a:ext cx="1414867" cy="307777"/>
           </a:xfrm>
           <a:prstGeom prst="rect">
@@ -5296,7 +5246,7 @@
                 <a:latin typeface="Times New Roman" panose="02020603050405020304" pitchFamily="18" charset="0"/>
                 <a:cs typeface="Times New Roman" panose="02020603050405020304" pitchFamily="18" charset="0"/>
               </a:rPr>
-              <a:t>+ Generation</a:t>
+              <a:t>Cross-lingual</a:t>
             </a:r>
             <a:endParaRPr lang="zh-CN" altLang="en-US" sz="1400" dirty="0">
               <a:latin typeface="Times New Roman" panose="02020603050405020304" pitchFamily="18" charset="0"/>
@@ -5305,25 +5255,67 @@
           </a:p>
         </p:txBody>
       </p:sp>
+      <p:sp>
+        <p:nvSpPr>
+          <p:cNvPr id="87" name="文本框 86">
+            <a:extLst>
+              <a:ext uri="{FF2B5EF4-FFF2-40B4-BE49-F238E27FC236}">
+                <a16:creationId xmlns:a16="http://schemas.microsoft.com/office/drawing/2014/main" id="{19B80C28-DF7A-489D-B3AE-21F3F6DAC1BA}"/>
+              </a:ext>
+            </a:extLst>
+          </p:cNvPr>
+          <p:cNvSpPr txBox="1"/>
+          <p:nvPr/>
+        </p:nvSpPr>
+        <p:spPr>
+          <a:xfrm>
+            <a:off x="1131448" y="3429000"/>
+            <a:ext cx="1159934" cy="369332"/>
+          </a:xfrm>
+          <a:prstGeom prst="rect">
+            <a:avLst/>
+          </a:prstGeom>
+          <a:noFill/>
+        </p:spPr>
+        <p:txBody>
+          <a:bodyPr wrap="square" rtlCol="0">
+            <a:spAutoFit/>
+          </a:bodyPr>
+          <a:lstStyle/>
+          <a:p>
+            <a:pPr algn="ctr"/>
+            <a:r>
+              <a:rPr lang="en-US" altLang="zh-CN" b="1" dirty="0">
+                <a:latin typeface="Times New Roman" panose="02020603050405020304" pitchFamily="18" charset="0"/>
+                <a:cs typeface="Times New Roman" panose="02020603050405020304" pitchFamily="18" charset="0"/>
+              </a:rPr>
+              <a:t>MT-DNN</a:t>
+            </a:r>
+            <a:endParaRPr lang="zh-CN" altLang="en-US" b="1" dirty="0">
+              <a:latin typeface="Times New Roman" panose="02020603050405020304" pitchFamily="18" charset="0"/>
+              <a:cs typeface="Times New Roman" panose="02020603050405020304" pitchFamily="18" charset="0"/>
+            </a:endParaRPr>
+          </a:p>
+        </p:txBody>
+      </p:sp>
       <p:cxnSp>
         <p:nvCxnSpPr>
-          <p:cNvPr id="78" name="直接箭头连接符 77">
-            <a:extLst>
-              <a:ext uri="{FF2B5EF4-FFF2-40B4-BE49-F238E27FC236}">
-                <a16:creationId xmlns:a16="http://schemas.microsoft.com/office/drawing/2014/main" id="{2FC558A9-9202-498D-AB44-D40249B9CB6B}"/>
+          <p:cNvPr id="89" name="直接箭头连接符 88">
+            <a:extLst>
+              <a:ext uri="{FF2B5EF4-FFF2-40B4-BE49-F238E27FC236}">
+                <a16:creationId xmlns:a16="http://schemas.microsoft.com/office/drawing/2014/main" id="{50887965-FB47-430F-9CB4-FDCBF9E75E05}"/>
               </a:ext>
             </a:extLst>
           </p:cNvPr>
           <p:cNvCxnSpPr>
-            <a:cxnSpLocks/>
-            <a:endCxn id="66" idx="0"/>
+            <a:endCxn id="87" idx="0"/>
           </p:cNvCxnSpPr>
           <p:nvPr/>
         </p:nvCxnSpPr>
         <p:spPr>
           <a:xfrm flipH="1">
-            <a:off x="3391207" y="2490670"/>
-            <a:ext cx="1980870" cy="3201098"/>
+            <a:off x="1711415" y="2143828"/>
+            <a:ext cx="3531007" cy="1285172"/>
           </a:xfrm>
           <a:prstGeom prst="straightConnector1">
             <a:avLst/>
@@ -5349,233 +5341,6 @@
       </p:cxnSp>
       <p:sp>
         <p:nvSpPr>
-          <p:cNvPr id="81" name="文本框 80">
-            <a:extLst>
-              <a:ext uri="{FF2B5EF4-FFF2-40B4-BE49-F238E27FC236}">
-                <a16:creationId xmlns:a16="http://schemas.microsoft.com/office/drawing/2014/main" id="{125ADE1C-D8F2-4EC5-A01B-6F6A1A708282}"/>
-              </a:ext>
-            </a:extLst>
-          </p:cNvPr>
-          <p:cNvSpPr txBox="1"/>
-          <p:nvPr/>
-        </p:nvSpPr>
-        <p:spPr>
-          <a:xfrm>
-            <a:off x="3300035" y="4621623"/>
-            <a:ext cx="1576082" cy="738664"/>
-          </a:xfrm>
-          <a:prstGeom prst="rect">
-            <a:avLst/>
-          </a:prstGeom>
-          <a:noFill/>
-        </p:spPr>
-        <p:txBody>
-          <a:bodyPr wrap="square" rtlCol="0">
-            <a:spAutoFit/>
-          </a:bodyPr>
-          <a:lstStyle/>
-          <a:p>
-            <a:r>
-              <a:rPr lang="en-US" altLang="zh-CN" sz="1400" dirty="0">
-                <a:latin typeface="Times New Roman" panose="02020603050405020304" pitchFamily="18" charset="0"/>
-                <a:cs typeface="Times New Roman" panose="02020603050405020304" pitchFamily="18" charset="0"/>
-              </a:rPr>
-              <a:t>Longer time</a:t>
-            </a:r>
-          </a:p>
-          <a:p>
-            <a:r>
-              <a:rPr lang="en-US" altLang="zh-CN" sz="1400" dirty="0">
-                <a:latin typeface="Times New Roman" panose="02020603050405020304" pitchFamily="18" charset="0"/>
-                <a:cs typeface="Times New Roman" panose="02020603050405020304" pitchFamily="18" charset="0"/>
-              </a:rPr>
-              <a:t>Remove NSP</a:t>
-            </a:r>
-          </a:p>
-          <a:p>
-            <a:r>
-              <a:rPr lang="en-US" altLang="zh-CN" sz="1400" dirty="0">
-                <a:latin typeface="Times New Roman" panose="02020603050405020304" pitchFamily="18" charset="0"/>
-                <a:cs typeface="Times New Roman" panose="02020603050405020304" pitchFamily="18" charset="0"/>
-              </a:rPr>
-              <a:t>More data</a:t>
-            </a:r>
-            <a:endParaRPr lang="zh-CN" altLang="en-US" sz="1400" dirty="0">
-              <a:latin typeface="Times New Roman" panose="02020603050405020304" pitchFamily="18" charset="0"/>
-              <a:cs typeface="Times New Roman" panose="02020603050405020304" pitchFamily="18" charset="0"/>
-            </a:endParaRPr>
-          </a:p>
-        </p:txBody>
-      </p:sp>
-      <p:cxnSp>
-        <p:nvCxnSpPr>
-          <p:cNvPr id="84" name="直接箭头连接符 83">
-            <a:extLst>
-              <a:ext uri="{FF2B5EF4-FFF2-40B4-BE49-F238E27FC236}">
-                <a16:creationId xmlns:a16="http://schemas.microsoft.com/office/drawing/2014/main" id="{432D6A94-3DAB-46F1-A713-1A641E6F2F55}"/>
-              </a:ext>
-            </a:extLst>
-          </p:cNvPr>
-          <p:cNvCxnSpPr>
-            <a:endCxn id="65" idx="0"/>
-          </p:cNvCxnSpPr>
-          <p:nvPr/>
-        </p:nvCxnSpPr>
-        <p:spPr>
-          <a:xfrm flipH="1">
-            <a:off x="803495" y="2021946"/>
-            <a:ext cx="4423444" cy="993675"/>
-          </a:xfrm>
-          <a:prstGeom prst="straightConnector1">
-            <a:avLst/>
-          </a:prstGeom>
-          <a:ln>
-            <a:tailEnd type="triangle"/>
-          </a:ln>
-        </p:spPr>
-        <p:style>
-          <a:lnRef idx="3">
-            <a:schemeClr val="accent1"/>
-          </a:lnRef>
-          <a:fillRef idx="0">
-            <a:schemeClr val="accent1"/>
-          </a:fillRef>
-          <a:effectRef idx="2">
-            <a:schemeClr val="accent1"/>
-          </a:effectRef>
-          <a:fontRef idx="minor">
-            <a:schemeClr val="tx1"/>
-          </a:fontRef>
-        </p:style>
-      </p:cxnSp>
-      <p:sp>
-        <p:nvSpPr>
-          <p:cNvPr id="85" name="文本框 84">
-            <a:extLst>
-              <a:ext uri="{FF2B5EF4-FFF2-40B4-BE49-F238E27FC236}">
-                <a16:creationId xmlns:a16="http://schemas.microsoft.com/office/drawing/2014/main" id="{9BCA2F9F-1F7C-44B1-966C-643D9EC4E49D}"/>
-              </a:ext>
-            </a:extLst>
-          </p:cNvPr>
-          <p:cNvSpPr txBox="1"/>
-          <p:nvPr/>
-        </p:nvSpPr>
-        <p:spPr>
-          <a:xfrm>
-            <a:off x="2349341" y="2184109"/>
-            <a:ext cx="1414867" cy="307777"/>
-          </a:xfrm>
-          <a:prstGeom prst="rect">
-            <a:avLst/>
-          </a:prstGeom>
-          <a:noFill/>
-        </p:spPr>
-        <p:txBody>
-          <a:bodyPr wrap="square" rtlCol="0">
-            <a:spAutoFit/>
-          </a:bodyPr>
-          <a:lstStyle/>
-          <a:p>
-            <a:r>
-              <a:rPr lang="en-US" altLang="zh-CN" sz="1400" dirty="0">
-                <a:latin typeface="Times New Roman" panose="02020603050405020304" pitchFamily="18" charset="0"/>
-                <a:cs typeface="Times New Roman" panose="02020603050405020304" pitchFamily="18" charset="0"/>
-              </a:rPr>
-              <a:t>Cross-lingual</a:t>
-            </a:r>
-            <a:endParaRPr lang="zh-CN" altLang="en-US" sz="1400" dirty="0">
-              <a:latin typeface="Times New Roman" panose="02020603050405020304" pitchFamily="18" charset="0"/>
-              <a:cs typeface="Times New Roman" panose="02020603050405020304" pitchFamily="18" charset="0"/>
-            </a:endParaRPr>
-          </a:p>
-        </p:txBody>
-      </p:sp>
-      <p:sp>
-        <p:nvSpPr>
-          <p:cNvPr id="87" name="文本框 86">
-            <a:extLst>
-              <a:ext uri="{FF2B5EF4-FFF2-40B4-BE49-F238E27FC236}">
-                <a16:creationId xmlns:a16="http://schemas.microsoft.com/office/drawing/2014/main" id="{19B80C28-DF7A-489D-B3AE-21F3F6DAC1BA}"/>
-              </a:ext>
-            </a:extLst>
-          </p:cNvPr>
-          <p:cNvSpPr txBox="1"/>
-          <p:nvPr/>
-        </p:nvSpPr>
-        <p:spPr>
-          <a:xfrm>
-            <a:off x="1131448" y="3429000"/>
-            <a:ext cx="1159934" cy="369332"/>
-          </a:xfrm>
-          <a:prstGeom prst="rect">
-            <a:avLst/>
-          </a:prstGeom>
-          <a:noFill/>
-        </p:spPr>
-        <p:txBody>
-          <a:bodyPr wrap="square" rtlCol="0">
-            <a:spAutoFit/>
-          </a:bodyPr>
-          <a:lstStyle/>
-          <a:p>
-            <a:pPr algn="ctr"/>
-            <a:r>
-              <a:rPr lang="en-US" altLang="zh-CN" b="1" dirty="0">
-                <a:latin typeface="Times New Roman" panose="02020603050405020304" pitchFamily="18" charset="0"/>
-                <a:cs typeface="Times New Roman" panose="02020603050405020304" pitchFamily="18" charset="0"/>
-              </a:rPr>
-              <a:t>MT-DNN</a:t>
-            </a:r>
-            <a:endParaRPr lang="zh-CN" altLang="en-US" b="1" dirty="0">
-              <a:latin typeface="Times New Roman" panose="02020603050405020304" pitchFamily="18" charset="0"/>
-              <a:cs typeface="Times New Roman" panose="02020603050405020304" pitchFamily="18" charset="0"/>
-            </a:endParaRPr>
-          </a:p>
-        </p:txBody>
-      </p:sp>
-      <p:cxnSp>
-        <p:nvCxnSpPr>
-          <p:cNvPr id="89" name="直接箭头连接符 88">
-            <a:extLst>
-              <a:ext uri="{FF2B5EF4-FFF2-40B4-BE49-F238E27FC236}">
-                <a16:creationId xmlns:a16="http://schemas.microsoft.com/office/drawing/2014/main" id="{50887965-FB47-430F-9CB4-FDCBF9E75E05}"/>
-              </a:ext>
-            </a:extLst>
-          </p:cNvPr>
-          <p:cNvCxnSpPr>
-            <a:endCxn id="87" idx="0"/>
-          </p:cNvCxnSpPr>
-          <p:nvPr/>
-        </p:nvCxnSpPr>
-        <p:spPr>
-          <a:xfrm flipH="1">
-            <a:off x="1711415" y="2143828"/>
-            <a:ext cx="3531007" cy="1285172"/>
-          </a:xfrm>
-          <a:prstGeom prst="straightConnector1">
-            <a:avLst/>
-          </a:prstGeom>
-          <a:ln>
-            <a:tailEnd type="triangle"/>
-          </a:ln>
-        </p:spPr>
-        <p:style>
-          <a:lnRef idx="3">
-            <a:schemeClr val="accent1"/>
-          </a:lnRef>
-          <a:fillRef idx="0">
-            <a:schemeClr val="accent1"/>
-          </a:fillRef>
-          <a:effectRef idx="2">
-            <a:schemeClr val="accent1"/>
-          </a:effectRef>
-          <a:fontRef idx="minor">
-            <a:schemeClr val="tx1"/>
-          </a:fontRef>
-        </p:style>
-      </p:cxnSp>
-      <p:sp>
-        <p:nvSpPr>
           <p:cNvPr id="90" name="文本框 89">
             <a:extLst>
               <a:ext uri="{FF2B5EF4-FFF2-40B4-BE49-F238E27FC236}">
@@ -5616,8 +5381,8 @@
           </a:p>
         </p:txBody>
       </p:sp>
-      <mc:AlternateContent xmlns:mc="http://schemas.openxmlformats.org/markup-compatibility/2006">
-        <mc:Choice xmlns:a14="http://schemas.microsoft.com/office/drawing/2010/main" Requires="a14">
+      <mc:AlternateContent xmlns:mc="http://schemas.openxmlformats.org/markup-compatibility/2006" xmlns:a14="http://schemas.microsoft.com/office/drawing/2010/main">
+        <mc:Choice Requires="a14">
           <p:sp>
             <p:nvSpPr>
               <p:cNvPr id="94" name="文本框 93">
@@ -5665,7 +5430,7 @@
                           <a:latin typeface="Cambria Math" panose="02040503050406030204" pitchFamily="18" charset="0"/>
                           <a:cs typeface="Times New Roman" panose="02020603050405020304" pitchFamily="18" charset="0"/>
                         </a:rPr>
-                        <m:t>-</m:t>
+                        <m:t>−</m:t>
                       </m:r>
                       <m:r>
                         <a:rPr lang="en-US" altLang="zh-CN" b="1" i="0" smtClean="0">
@@ -5677,7 +5442,7 @@
                       <m:sSub>
                         <m:sSubPr>
                           <m:ctrlPr>
-                            <a:rPr lang="en-US" altLang="zh-CN" b="1" smtClean="0">
+                            <a:rPr lang="en-US" altLang="zh-CN" b="1" i="1" smtClean="0">
                               <a:latin typeface="Cambria Math" panose="02040503050406030204" pitchFamily="18" charset="0"/>
                               <a:cs typeface="Times New Roman" panose="02020603050405020304" pitchFamily="18" charset="0"/>
                             </a:rPr>
@@ -5713,7 +5478,7 @@
             </p:txBody>
           </p:sp>
         </mc:Choice>
-        <mc:Fallback>
+        <mc:Fallback xmlns="">
           <p:sp>
             <p:nvSpPr>
               <p:cNvPr id="94" name="文本框 93">
@@ -5978,6 +5743,119 @@
           </a:p>
         </p:txBody>
       </p:sp>
+      <p:cxnSp>
+        <p:nvCxnSpPr>
+          <p:cNvPr id="67" name="直接箭头连接符 59">
+            <a:extLst>
+              <a:ext uri="{FF2B5EF4-FFF2-40B4-BE49-F238E27FC236}">
+                <a16:creationId xmlns:a16="http://schemas.microsoft.com/office/drawing/2014/main" id="{4DA69A1A-5FE5-614E-A574-B9864B37FE4C}"/>
+              </a:ext>
+            </a:extLst>
+          </p:cNvPr>
+          <p:cNvCxnSpPr>
+            <a:cxnSpLocks/>
+          </p:cNvCxnSpPr>
+          <p:nvPr/>
+        </p:nvCxnSpPr>
+        <p:spPr>
+          <a:xfrm>
+            <a:off x="5981124" y="2060398"/>
+            <a:ext cx="4390681" cy="2306933"/>
+          </a:xfrm>
+          <a:prstGeom prst="straightConnector1">
+            <a:avLst/>
+          </a:prstGeom>
+          <a:ln>
+            <a:tailEnd type="triangle"/>
+          </a:ln>
+        </p:spPr>
+        <p:style>
+          <a:lnRef idx="3">
+            <a:schemeClr val="accent1"/>
+          </a:lnRef>
+          <a:fillRef idx="0">
+            <a:schemeClr val="accent1"/>
+          </a:fillRef>
+          <a:effectRef idx="2">
+            <a:schemeClr val="accent1"/>
+          </a:effectRef>
+          <a:fontRef idx="minor">
+            <a:schemeClr val="tx1"/>
+          </a:fontRef>
+        </p:style>
+      </p:cxnSp>
+      <p:sp>
+        <p:nvSpPr>
+          <p:cNvPr id="70" name="文本框 61">
+            <a:extLst>
+              <a:ext uri="{FF2B5EF4-FFF2-40B4-BE49-F238E27FC236}">
+                <a16:creationId xmlns:a16="http://schemas.microsoft.com/office/drawing/2014/main" id="{D1125DA7-C165-8E44-97AC-959A9424E033}"/>
+              </a:ext>
+            </a:extLst>
+          </p:cNvPr>
+          <p:cNvSpPr txBox="1"/>
+          <p:nvPr/>
+        </p:nvSpPr>
+        <p:spPr>
+          <a:xfrm>
+            <a:off x="8516478" y="3415613"/>
+            <a:ext cx="1964107" cy="307777"/>
+          </a:xfrm>
+          <a:prstGeom prst="rect">
+            <a:avLst/>
+          </a:prstGeom>
+          <a:noFill/>
+        </p:spPr>
+        <p:txBody>
+          <a:bodyPr wrap="square" rtlCol="0">
+            <a:spAutoFit/>
+          </a:bodyPr>
+          <a:lstStyle/>
+          <a:p>
+            <a:r>
+              <a:rPr lang="en-US" altLang="zh-CN" sz="1400" dirty="0">
+                <a:latin typeface="Times New Roman" panose="02020603050405020304" pitchFamily="18" charset="0"/>
+                <a:cs typeface="Times New Roman" panose="02020603050405020304" pitchFamily="18" charset="0"/>
+              </a:rPr>
+              <a:t>Whole Word Masking</a:t>
+            </a:r>
+            <a:endParaRPr lang="zh-CN" altLang="en-US" sz="1400" dirty="0">
+              <a:latin typeface="Times New Roman" panose="02020603050405020304" pitchFamily="18" charset="0"/>
+              <a:cs typeface="Times New Roman" panose="02020603050405020304" pitchFamily="18" charset="0"/>
+            </a:endParaRPr>
+          </a:p>
+        </p:txBody>
+      </p:sp>
+      <p:pic>
+        <p:nvPicPr>
+          <p:cNvPr id="72" name="图片 40">
+            <a:extLst>
+              <a:ext uri="{FF2B5EF4-FFF2-40B4-BE49-F238E27FC236}">
+                <a16:creationId xmlns:a16="http://schemas.microsoft.com/office/drawing/2014/main" id="{DBD15A15-5995-4E4A-9159-77E35E1C9732}"/>
+              </a:ext>
+            </a:extLst>
+          </p:cNvPr>
+          <p:cNvPicPr>
+            <a:picLocks noChangeAspect="1"/>
+          </p:cNvPicPr>
+          <p:nvPr/>
+        </p:nvPicPr>
+        <p:blipFill>
+          <a:blip r:embed="rId8"/>
+          <a:stretch>
+            <a:fillRect/>
+          </a:stretch>
+        </p:blipFill>
+        <p:spPr>
+          <a:xfrm>
+            <a:off x="10280887" y="4144671"/>
+            <a:ext cx="931332" cy="891581"/>
+          </a:xfrm>
+          <a:prstGeom prst="rect">
+            <a:avLst/>
+          </a:prstGeom>
+        </p:spPr>
+      </p:pic>
     </p:spTree>
     <p:extLst>
       <p:ext uri="{BB962C8B-B14F-4D97-AF65-F5344CB8AC3E}">

--- a/PLMfamily.pptx
+++ b/PLMfamily.pptx
@@ -4518,7 +4518,7 @@
         <p:spPr>
           <a:xfrm>
             <a:off x="7693083" y="4419407"/>
-            <a:ext cx="1701331" cy="2031325"/>
+            <a:ext cx="1701331" cy="2585323"/>
           </a:xfrm>
           <a:prstGeom prst="rect">
             <a:avLst/>
@@ -4547,6 +4547,16 @@
           <a:p>
             <a:pPr algn="ctr"/>
             <a:r>
+              <a:rPr lang="en-US" altLang="zh-CN" b="1" dirty="0">
+                <a:latin typeface="Times New Roman" panose="02020603050405020304" pitchFamily="18" charset="0"/>
+                <a:cs typeface="Times New Roman" panose="02020603050405020304" pitchFamily="18" charset="0"/>
+              </a:rPr>
+              <a:t>CBT</a:t>
+            </a:r>
+          </a:p>
+          <a:p>
+            <a:pPr algn="ctr"/>
+            <a:r>
               <a:rPr lang="en-US" altLang="zh-CN" b="1" dirty="0" err="1">
                 <a:latin typeface="Times New Roman" panose="02020603050405020304" pitchFamily="18" charset="0"/>
                 <a:cs typeface="Times New Roman" panose="02020603050405020304" pitchFamily="18" charset="0"/>
@@ -4566,6 +4576,17 @@
                 <a:cs typeface="Times New Roman" panose="02020603050405020304" pitchFamily="18" charset="0"/>
               </a:rPr>
               <a:t>VisualBERT</a:t>
+            </a:r>
+            <a:endParaRPr lang="en-US" altLang="zh-CN" b="1" dirty="0">
+              <a:latin typeface="Times New Roman" panose="02020603050405020304" pitchFamily="18" charset="0"/>
+              <a:cs typeface="Times New Roman" panose="02020603050405020304" pitchFamily="18" charset="0"/>
+            </a:endParaRPr>
+          </a:p>
+          <a:p>
+            <a:pPr algn="ctr"/>
+            <a:r>
+              <a:rPr lang="en-US" b="1" dirty="0"/>
+              <a:t>B2T2</a:t>
             </a:r>
             <a:endParaRPr lang="en-US" altLang="zh-CN" b="1" dirty="0">
               <a:latin typeface="Times New Roman" panose="02020603050405020304" pitchFamily="18" charset="0"/>
@@ -4813,7 +4834,7 @@
         <p:spPr>
           <a:xfrm>
             <a:off x="223528" y="3015621"/>
-            <a:ext cx="1159934" cy="369332"/>
+            <a:ext cx="1159934" cy="646331"/>
           </a:xfrm>
           <a:prstGeom prst="rect">
             <a:avLst/>
@@ -4833,6 +4854,16 @@
                 <a:cs typeface="Times New Roman" panose="02020603050405020304" pitchFamily="18" charset="0"/>
               </a:rPr>
               <a:t>XLM</a:t>
+            </a:r>
+          </a:p>
+          <a:p>
+            <a:pPr algn="ctr"/>
+            <a:r>
+              <a:rPr lang="en-US" altLang="zh-CN" b="1" dirty="0" err="1">
+                <a:latin typeface="Times New Roman" panose="02020603050405020304" pitchFamily="18" charset="0"/>
+                <a:cs typeface="Times New Roman" panose="02020603050405020304" pitchFamily="18" charset="0"/>
+              </a:rPr>
+              <a:t>UDify</a:t>
             </a:r>
             <a:endParaRPr lang="zh-CN" altLang="en-US" b="1" dirty="0">
               <a:latin typeface="Times New Roman" panose="02020603050405020304" pitchFamily="18" charset="0"/>
@@ -5381,8 +5412,8 @@
           </a:p>
         </p:txBody>
       </p:sp>
-      <mc:AlternateContent xmlns:mc="http://schemas.openxmlformats.org/markup-compatibility/2006" xmlns:a14="http://schemas.microsoft.com/office/drawing/2010/main">
-        <mc:Choice Requires="a14">
+      <mc:AlternateContent xmlns:mc="http://schemas.openxmlformats.org/markup-compatibility/2006">
+        <mc:Choice xmlns:a14="http://schemas.microsoft.com/office/drawing/2010/main" Requires="a14">
           <p:sp>
             <p:nvSpPr>
               <p:cNvPr id="94" name="文本框 93">
@@ -5412,63 +5443,44 @@
               <a:lstStyle/>
               <a:p>
                 <a:pPr algn="ctr"/>
+                <a:r>
+                  <a:rPr lang="en-US" altLang="zh-CN" b="1" dirty="0">
+                    <a:latin typeface="Times New Roman" panose="02020603050405020304" pitchFamily="18" charset="0"/>
+                    <a:cs typeface="Times New Roman" panose="02020603050405020304" pitchFamily="18" charset="0"/>
+                  </a:rPr>
+                  <a:t>MT-DN</a:t>
+                </a:r>
                 <a14:m>
-                  <m:oMathPara xmlns:m="http://schemas.openxmlformats.org/officeDocument/2006/math">
-                    <m:oMathParaPr>
-                      <m:jc m:val="centerGroup"/>
-                    </m:oMathParaPr>
-                    <m:oMath xmlns:m="http://schemas.openxmlformats.org/officeDocument/2006/math">
-                      <m:r>
-                        <a:rPr lang="en-US" altLang="zh-CN" b="1" i="0" smtClean="0">
-                          <a:latin typeface="Cambria Math" panose="02040503050406030204" pitchFamily="18" charset="0"/>
-                          <a:cs typeface="Times New Roman" panose="02020603050405020304" pitchFamily="18" charset="0"/>
-                        </a:rPr>
-                        <m:t>𝐌𝐓</m:t>
-                      </m:r>
-                      <m:r>
-                        <a:rPr lang="en-US" altLang="zh-CN" b="1" i="1">
-                          <a:latin typeface="Cambria Math" panose="02040503050406030204" pitchFamily="18" charset="0"/>
-                          <a:cs typeface="Times New Roman" panose="02020603050405020304" pitchFamily="18" charset="0"/>
-                        </a:rPr>
-                        <m:t>−</m:t>
-                      </m:r>
-                      <m:r>
-                        <a:rPr lang="en-US" altLang="zh-CN" b="1" i="0" smtClean="0">
-                          <a:latin typeface="Cambria Math" panose="02040503050406030204" pitchFamily="18" charset="0"/>
-                          <a:cs typeface="Times New Roman" panose="02020603050405020304" pitchFamily="18" charset="0"/>
-                        </a:rPr>
-                        <m:t>𝐃𝐍</m:t>
-                      </m:r>
-                      <m:sSub>
-                        <m:sSubPr>
-                          <m:ctrlPr>
-                            <a:rPr lang="en-US" altLang="zh-CN" b="1" i="1" smtClean="0">
-                              <a:latin typeface="Cambria Math" panose="02040503050406030204" pitchFamily="18" charset="0"/>
-                              <a:cs typeface="Times New Roman" panose="02020603050405020304" pitchFamily="18" charset="0"/>
-                            </a:rPr>
-                          </m:ctrlPr>
-                        </m:sSubPr>
-                        <m:e>
-                          <m:r>
-                            <a:rPr lang="en-US" altLang="zh-CN" b="1" i="0" smtClean="0">
-                              <a:latin typeface="Cambria Math" panose="02040503050406030204" pitchFamily="18" charset="0"/>
-                              <a:cs typeface="Times New Roman" panose="02020603050405020304" pitchFamily="18" charset="0"/>
-                            </a:rPr>
-                            <m:t>𝐍</m:t>
-                          </m:r>
-                        </m:e>
-                        <m:sub>
-                          <m:r>
-                            <a:rPr lang="en-US" altLang="zh-CN" b="1" i="0" smtClean="0">
-                              <a:latin typeface="Cambria Math" panose="02040503050406030204" pitchFamily="18" charset="0"/>
-                              <a:cs typeface="Times New Roman" panose="02020603050405020304" pitchFamily="18" charset="0"/>
-                            </a:rPr>
-                            <m:t>𝐊𝐃</m:t>
-                          </m:r>
-                        </m:sub>
-                      </m:sSub>
-                    </m:oMath>
-                  </m:oMathPara>
+                  <m:oMath xmlns:m="http://schemas.openxmlformats.org/officeDocument/2006/math">
+                    <m:sSub>
+                      <m:sSubPr>
+                        <m:ctrlPr>
+                          <a:rPr lang="en-US" altLang="zh-CN" b="1" i="1" smtClean="0">
+                            <a:latin typeface="Cambria Math" panose="02040503050406030204" pitchFamily="18" charset="0"/>
+                            <a:cs typeface="Times New Roman" panose="02020603050405020304" pitchFamily="18" charset="0"/>
+                          </a:rPr>
+                        </m:ctrlPr>
+                      </m:sSubPr>
+                      <m:e>
+                        <m:r>
+                          <a:rPr lang="en-US" altLang="zh-CN" b="1" i="0" smtClean="0">
+                            <a:latin typeface="Cambria Math" panose="02040503050406030204" pitchFamily="18" charset="0"/>
+                            <a:cs typeface="Times New Roman" panose="02020603050405020304" pitchFamily="18" charset="0"/>
+                          </a:rPr>
+                          <m:t>𝐍</m:t>
+                        </m:r>
+                      </m:e>
+                      <m:sub>
+                        <m:r>
+                          <a:rPr lang="en-US" altLang="zh-CN" b="1" i="0" smtClean="0">
+                            <a:latin typeface="Cambria Math" panose="02040503050406030204" pitchFamily="18" charset="0"/>
+                            <a:cs typeface="Times New Roman" panose="02020603050405020304" pitchFamily="18" charset="0"/>
+                          </a:rPr>
+                          <m:t>𝐊𝐃</m:t>
+                        </m:r>
+                      </m:sub>
+                    </m:sSub>
+                  </m:oMath>
                 </a14:m>
                 <a:endParaRPr lang="zh-CN" altLang="en-US" b="1" dirty="0">
                   <a:latin typeface="Times New Roman" panose="02020603050405020304" pitchFamily="18" charset="0"/>
@@ -5478,7 +5490,7 @@
             </p:txBody>
           </p:sp>
         </mc:Choice>
-        <mc:Fallback xmlns="">
+        <mc:Fallback>
           <p:sp>
             <p:nvSpPr>
               <p:cNvPr id="94" name="文本框 93">
@@ -5502,9 +5514,9 @@
                 <a:avLst/>
               </a:prstGeom>
               <a:blipFill>
-                <a:blip r:embed="rId7"/>
+                <a:blip r:embed="rId6"/>
                 <a:stretch>
-                  <a:fillRect b="-1639"/>
+                  <a:fillRect t="-6667" b="-20000"/>
                 </a:stretch>
               </a:blipFill>
             </p:spPr>
@@ -5513,7 +5525,7 @@
               <a:lstStyle/>
               <a:p>
                 <a:r>
-                  <a:rPr lang="zh-CN" altLang="en-US">
+                  <a:rPr lang="en-US">
                     <a:noFill/>
                   </a:rPr>
                   <a:t> </a:t>
@@ -5841,7 +5853,7 @@
           <p:nvPr/>
         </p:nvPicPr>
         <p:blipFill>
-          <a:blip r:embed="rId8"/>
+          <a:blip r:embed="rId7"/>
           <a:stretch>
             <a:fillRect/>
           </a:stretch>

--- a/PLMfamily.pptx
+++ b/PLMfamily.pptx
@@ -4348,7 +4348,7 @@
         </p:nvSpPr>
         <p:spPr>
           <a:xfrm>
-            <a:off x="5559650" y="3137999"/>
+            <a:off x="5379613" y="3179578"/>
             <a:ext cx="1773600" cy="307777"/>
           </a:xfrm>
           <a:prstGeom prst="rect">
@@ -4585,7 +4585,10 @@
           <a:p>
             <a:pPr algn="ctr"/>
             <a:r>
-              <a:rPr lang="en-US" b="1" dirty="0"/>
+              <a:rPr lang="en-US" b="1" dirty="0">
+                <a:latin typeface="Times New Roman" panose="02020603050405020304" pitchFamily="18" charset="0"/>
+                <a:cs typeface="Times New Roman" panose="02020603050405020304" pitchFamily="18" charset="0"/>
+              </a:rPr>
               <a:t>B2T2</a:t>
             </a:r>
             <a:endParaRPr lang="en-US" altLang="zh-CN" b="1" dirty="0">
@@ -4695,7 +4698,7 @@
         </p:nvSpPr>
         <p:spPr>
           <a:xfrm>
-            <a:off x="7176759" y="3479493"/>
+            <a:off x="7140729" y="3508063"/>
             <a:ext cx="1221865" cy="307777"/>
           </a:xfrm>
           <a:prstGeom prst="rect">
@@ -4971,7 +4974,7 @@
         </p:nvSpPr>
         <p:spPr>
           <a:xfrm>
-            <a:off x="4613834" y="3598888"/>
+            <a:off x="4613146" y="3580702"/>
             <a:ext cx="1414867" cy="738664"/>
           </a:xfrm>
           <a:prstGeom prst="rect">
@@ -5073,7 +5076,7 @@
         </p:nvSpPr>
         <p:spPr>
           <a:xfrm>
-            <a:off x="2879475" y="2965657"/>
+            <a:off x="2925541" y="2819803"/>
             <a:ext cx="1414867" cy="307777"/>
           </a:xfrm>
           <a:prstGeom prst="rect">
@@ -5157,7 +5160,7 @@
         </p:nvSpPr>
         <p:spPr>
           <a:xfrm>
-            <a:off x="3300035" y="4621623"/>
+            <a:off x="3130611" y="4655546"/>
             <a:ext cx="1576082" cy="738664"/>
           </a:xfrm>
           <a:prstGeom prst="rect">
@@ -5412,8 +5415,8 @@
           </a:p>
         </p:txBody>
       </p:sp>
-      <mc:AlternateContent xmlns:mc="http://schemas.openxmlformats.org/markup-compatibility/2006">
-        <mc:Choice xmlns:a14="http://schemas.microsoft.com/office/drawing/2010/main" Requires="a14">
+      <mc:AlternateContent xmlns:mc="http://schemas.openxmlformats.org/markup-compatibility/2006" xmlns:a14="http://schemas.microsoft.com/office/drawing/2010/main">
+        <mc:Choice Requires="a14">
           <p:sp>
             <p:nvSpPr>
               <p:cNvPr id="94" name="文本框 93">
@@ -5490,7 +5493,7 @@
             </p:txBody>
           </p:sp>
         </mc:Choice>
-        <mc:Fallback>
+        <mc:Fallback xmlns="">
           <p:sp>
             <p:nvSpPr>
               <p:cNvPr id="94" name="文本框 93">
@@ -5591,7 +5594,7 @@
         </p:nvSpPr>
         <p:spPr>
           <a:xfrm>
-            <a:off x="780306" y="3978438"/>
+            <a:off x="771839" y="3978438"/>
             <a:ext cx="1892998" cy="307777"/>
           </a:xfrm>
           <a:prstGeom prst="rect">
@@ -5718,7 +5721,7 @@
         </p:nvSpPr>
         <p:spPr>
           <a:xfrm>
-            <a:off x="2790726" y="4132326"/>
+            <a:off x="2866201" y="4190612"/>
             <a:ext cx="1576082" cy="523220"/>
           </a:xfrm>
           <a:prstGeom prst="rect">
@@ -5810,7 +5813,7 @@
         </p:nvSpPr>
         <p:spPr>
           <a:xfrm>
-            <a:off x="8516478" y="3415613"/>
+            <a:off x="8378785" y="3480288"/>
             <a:ext cx="1964107" cy="307777"/>
           </a:xfrm>
           <a:prstGeom prst="rect">

--- a/PLMfamily.pptx
+++ b/PLMfamily.pptx
@@ -259,7 +259,7 @@
           <a:p>
             <a:fld id="{3DD3760A-DE7A-43C9-AD8E-27ED0E105739}" type="datetimeFigureOut">
               <a:rPr lang="zh-CN" altLang="en-US" smtClean="0"/>
-              <a:t>2019/9/26</a:t>
+              <a:t>2019/9/27</a:t>
             </a:fld>
             <a:endParaRPr lang="zh-CN" altLang="en-US"/>
           </a:p>
@@ -457,7 +457,7 @@
           <a:p>
             <a:fld id="{3DD3760A-DE7A-43C9-AD8E-27ED0E105739}" type="datetimeFigureOut">
               <a:rPr lang="zh-CN" altLang="en-US" smtClean="0"/>
-              <a:t>2019/9/26</a:t>
+              <a:t>2019/9/27</a:t>
             </a:fld>
             <a:endParaRPr lang="zh-CN" altLang="en-US"/>
           </a:p>
@@ -665,7 +665,7 @@
           <a:p>
             <a:fld id="{3DD3760A-DE7A-43C9-AD8E-27ED0E105739}" type="datetimeFigureOut">
               <a:rPr lang="zh-CN" altLang="en-US" smtClean="0"/>
-              <a:t>2019/9/26</a:t>
+              <a:t>2019/9/27</a:t>
             </a:fld>
             <a:endParaRPr lang="zh-CN" altLang="en-US"/>
           </a:p>
@@ -863,7 +863,7 @@
           <a:p>
             <a:fld id="{3DD3760A-DE7A-43C9-AD8E-27ED0E105739}" type="datetimeFigureOut">
               <a:rPr lang="zh-CN" altLang="en-US" smtClean="0"/>
-              <a:t>2019/9/26</a:t>
+              <a:t>2019/9/27</a:t>
             </a:fld>
             <a:endParaRPr lang="zh-CN" altLang="en-US"/>
           </a:p>
@@ -1138,7 +1138,7 @@
           <a:p>
             <a:fld id="{3DD3760A-DE7A-43C9-AD8E-27ED0E105739}" type="datetimeFigureOut">
               <a:rPr lang="zh-CN" altLang="en-US" smtClean="0"/>
-              <a:t>2019/9/26</a:t>
+              <a:t>2019/9/27</a:t>
             </a:fld>
             <a:endParaRPr lang="zh-CN" altLang="en-US"/>
           </a:p>
@@ -1403,7 +1403,7 @@
           <a:p>
             <a:fld id="{3DD3760A-DE7A-43C9-AD8E-27ED0E105739}" type="datetimeFigureOut">
               <a:rPr lang="zh-CN" altLang="en-US" smtClean="0"/>
-              <a:t>2019/9/26</a:t>
+              <a:t>2019/9/27</a:t>
             </a:fld>
             <a:endParaRPr lang="zh-CN" altLang="en-US"/>
           </a:p>
@@ -1815,7 +1815,7 @@
           <a:p>
             <a:fld id="{3DD3760A-DE7A-43C9-AD8E-27ED0E105739}" type="datetimeFigureOut">
               <a:rPr lang="zh-CN" altLang="en-US" smtClean="0"/>
-              <a:t>2019/9/26</a:t>
+              <a:t>2019/9/27</a:t>
             </a:fld>
             <a:endParaRPr lang="zh-CN" altLang="en-US"/>
           </a:p>
@@ -1956,7 +1956,7 @@
           <a:p>
             <a:fld id="{3DD3760A-DE7A-43C9-AD8E-27ED0E105739}" type="datetimeFigureOut">
               <a:rPr lang="zh-CN" altLang="en-US" smtClean="0"/>
-              <a:t>2019/9/26</a:t>
+              <a:t>2019/9/27</a:t>
             </a:fld>
             <a:endParaRPr lang="zh-CN" altLang="en-US"/>
           </a:p>
@@ -2069,7 +2069,7 @@
           <a:p>
             <a:fld id="{3DD3760A-DE7A-43C9-AD8E-27ED0E105739}" type="datetimeFigureOut">
               <a:rPr lang="zh-CN" altLang="en-US" smtClean="0"/>
-              <a:t>2019/9/26</a:t>
+              <a:t>2019/9/27</a:t>
             </a:fld>
             <a:endParaRPr lang="zh-CN" altLang="en-US"/>
           </a:p>
@@ -2380,7 +2380,7 @@
           <a:p>
             <a:fld id="{3DD3760A-DE7A-43C9-AD8E-27ED0E105739}" type="datetimeFigureOut">
               <a:rPr lang="zh-CN" altLang="en-US" smtClean="0"/>
-              <a:t>2019/9/26</a:t>
+              <a:t>2019/9/27</a:t>
             </a:fld>
             <a:endParaRPr lang="zh-CN" altLang="en-US"/>
           </a:p>
@@ -2668,7 +2668,7 @@
           <a:p>
             <a:fld id="{3DD3760A-DE7A-43C9-AD8E-27ED0E105739}" type="datetimeFigureOut">
               <a:rPr lang="zh-CN" altLang="en-US" smtClean="0"/>
-              <a:t>2019/9/26</a:t>
+              <a:t>2019/9/27</a:t>
             </a:fld>
             <a:endParaRPr lang="zh-CN" altLang="en-US"/>
           </a:p>
@@ -2909,7 +2909,7 @@
           <a:p>
             <a:fld id="{3DD3760A-DE7A-43C9-AD8E-27ED0E105739}" type="datetimeFigureOut">
               <a:rPr lang="zh-CN" altLang="en-US" smtClean="0"/>
-              <a:t>2019/9/26</a:t>
+              <a:t>2019/9/27</a:t>
             </a:fld>
             <a:endParaRPr lang="zh-CN" altLang="en-US"/>
           </a:p>
@@ -5871,6 +5871,48 @@
           </a:prstGeom>
         </p:spPr>
       </p:pic>
+      <p:sp>
+        <p:nvSpPr>
+          <p:cNvPr id="2" name="文本框 1">
+            <a:extLst>
+              <a:ext uri="{FF2B5EF4-FFF2-40B4-BE49-F238E27FC236}">
+                <a16:creationId xmlns:a16="http://schemas.microsoft.com/office/drawing/2014/main" id="{19BB2FCF-9087-4E65-BD0B-A0B6E84F3743}"/>
+              </a:ext>
+            </a:extLst>
+          </p:cNvPr>
+          <p:cNvSpPr txBox="1"/>
+          <p:nvPr/>
+        </p:nvSpPr>
+        <p:spPr>
+          <a:xfrm>
+            <a:off x="9278463" y="6585512"/>
+            <a:ext cx="3072666" cy="253916"/>
+          </a:xfrm>
+          <a:prstGeom prst="rect">
+            <a:avLst/>
+          </a:prstGeom>
+          <a:noFill/>
+        </p:spPr>
+        <p:txBody>
+          <a:bodyPr wrap="square" rtlCol="0">
+            <a:spAutoFit/>
+          </a:bodyPr>
+          <a:lstStyle/>
+          <a:p>
+            <a:r>
+              <a:rPr lang="en-US" altLang="zh-CN" sz="1050" dirty="0">
+                <a:latin typeface="Times New Roman" panose="02020603050405020304" pitchFamily="18" charset="0"/>
+                <a:cs typeface="Times New Roman" panose="02020603050405020304" pitchFamily="18" charset="0"/>
+              </a:rPr>
+              <a:t> By Xiaozhi Wang &amp; Zhengyan Zhang @THUNLP</a:t>
+            </a:r>
+            <a:endParaRPr lang="zh-CN" altLang="en-US" sz="1050" dirty="0">
+              <a:latin typeface="Times New Roman" panose="02020603050405020304" pitchFamily="18" charset="0"/>
+              <a:cs typeface="Times New Roman" panose="02020603050405020304" pitchFamily="18" charset="0"/>
+            </a:endParaRPr>
+          </a:p>
+        </p:txBody>
+      </p:sp>
     </p:spTree>
     <p:extLst>
       <p:ext uri="{BB962C8B-B14F-4D97-AF65-F5344CB8AC3E}">

--- a/PLMfamily.pptx
+++ b/PLMfamily.pptx
@@ -259,7 +259,7 @@
           <a:p>
             <a:fld id="{3DD3760A-DE7A-43C9-AD8E-27ED0E105739}" type="datetimeFigureOut">
               <a:rPr lang="zh-CN" altLang="en-US" smtClean="0"/>
-              <a:t>2019/9/27</a:t>
+              <a:t>2019/9/28</a:t>
             </a:fld>
             <a:endParaRPr lang="zh-CN" altLang="en-US"/>
           </a:p>
@@ -457,7 +457,7 @@
           <a:p>
             <a:fld id="{3DD3760A-DE7A-43C9-AD8E-27ED0E105739}" type="datetimeFigureOut">
               <a:rPr lang="zh-CN" altLang="en-US" smtClean="0"/>
-              <a:t>2019/9/27</a:t>
+              <a:t>2019/9/28</a:t>
             </a:fld>
             <a:endParaRPr lang="zh-CN" altLang="en-US"/>
           </a:p>
@@ -665,7 +665,7 @@
           <a:p>
             <a:fld id="{3DD3760A-DE7A-43C9-AD8E-27ED0E105739}" type="datetimeFigureOut">
               <a:rPr lang="zh-CN" altLang="en-US" smtClean="0"/>
-              <a:t>2019/9/27</a:t>
+              <a:t>2019/9/28</a:t>
             </a:fld>
             <a:endParaRPr lang="zh-CN" altLang="en-US"/>
           </a:p>
@@ -863,7 +863,7 @@
           <a:p>
             <a:fld id="{3DD3760A-DE7A-43C9-AD8E-27ED0E105739}" type="datetimeFigureOut">
               <a:rPr lang="zh-CN" altLang="en-US" smtClean="0"/>
-              <a:t>2019/9/27</a:t>
+              <a:t>2019/9/28</a:t>
             </a:fld>
             <a:endParaRPr lang="zh-CN" altLang="en-US"/>
           </a:p>
@@ -1138,7 +1138,7 @@
           <a:p>
             <a:fld id="{3DD3760A-DE7A-43C9-AD8E-27ED0E105739}" type="datetimeFigureOut">
               <a:rPr lang="zh-CN" altLang="en-US" smtClean="0"/>
-              <a:t>2019/9/27</a:t>
+              <a:t>2019/9/28</a:t>
             </a:fld>
             <a:endParaRPr lang="zh-CN" altLang="en-US"/>
           </a:p>
@@ -1403,7 +1403,7 @@
           <a:p>
             <a:fld id="{3DD3760A-DE7A-43C9-AD8E-27ED0E105739}" type="datetimeFigureOut">
               <a:rPr lang="zh-CN" altLang="en-US" smtClean="0"/>
-              <a:t>2019/9/27</a:t>
+              <a:t>2019/9/28</a:t>
             </a:fld>
             <a:endParaRPr lang="zh-CN" altLang="en-US"/>
           </a:p>
@@ -1815,7 +1815,7 @@
           <a:p>
             <a:fld id="{3DD3760A-DE7A-43C9-AD8E-27ED0E105739}" type="datetimeFigureOut">
               <a:rPr lang="zh-CN" altLang="en-US" smtClean="0"/>
-              <a:t>2019/9/27</a:t>
+              <a:t>2019/9/28</a:t>
             </a:fld>
             <a:endParaRPr lang="zh-CN" altLang="en-US"/>
           </a:p>
@@ -1956,7 +1956,7 @@
           <a:p>
             <a:fld id="{3DD3760A-DE7A-43C9-AD8E-27ED0E105739}" type="datetimeFigureOut">
               <a:rPr lang="zh-CN" altLang="en-US" smtClean="0"/>
-              <a:t>2019/9/27</a:t>
+              <a:t>2019/9/28</a:t>
             </a:fld>
             <a:endParaRPr lang="zh-CN" altLang="en-US"/>
           </a:p>
@@ -2069,7 +2069,7 @@
           <a:p>
             <a:fld id="{3DD3760A-DE7A-43C9-AD8E-27ED0E105739}" type="datetimeFigureOut">
               <a:rPr lang="zh-CN" altLang="en-US" smtClean="0"/>
-              <a:t>2019/9/27</a:t>
+              <a:t>2019/9/28</a:t>
             </a:fld>
             <a:endParaRPr lang="zh-CN" altLang="en-US"/>
           </a:p>
@@ -2380,7 +2380,7 @@
           <a:p>
             <a:fld id="{3DD3760A-DE7A-43C9-AD8E-27ED0E105739}" type="datetimeFigureOut">
               <a:rPr lang="zh-CN" altLang="en-US" smtClean="0"/>
-              <a:t>2019/9/27</a:t>
+              <a:t>2019/9/28</a:t>
             </a:fld>
             <a:endParaRPr lang="zh-CN" altLang="en-US"/>
           </a:p>
@@ -2668,7 +2668,7 @@
           <a:p>
             <a:fld id="{3DD3760A-DE7A-43C9-AD8E-27ED0E105739}" type="datetimeFigureOut">
               <a:rPr lang="zh-CN" altLang="en-US" smtClean="0"/>
-              <a:t>2019/9/27</a:t>
+              <a:t>2019/9/28</a:t>
             </a:fld>
             <a:endParaRPr lang="zh-CN" altLang="en-US"/>
           </a:p>
@@ -2909,7 +2909,7 @@
           <a:p>
             <a:fld id="{3DD3760A-DE7A-43C9-AD8E-27ED0E105739}" type="datetimeFigureOut">
               <a:rPr lang="zh-CN" altLang="en-US" smtClean="0"/>
-              <a:t>2019/9/27</a:t>
+              <a:t>2019/9/28</a:t>
             </a:fld>
             <a:endParaRPr lang="zh-CN" altLang="en-US"/>
           </a:p>
@@ -4228,15 +4228,15 @@
             </a:extLst>
           </p:cNvPr>
           <p:cNvCxnSpPr>
-            <a:stCxn id="15" idx="2"/>
+            <a:cxnSpLocks/>
             <a:endCxn id="35" idx="0"/>
           </p:cNvCxnSpPr>
           <p:nvPr/>
         </p:nvCxnSpPr>
         <p:spPr>
           <a:xfrm>
-            <a:off x="5657165" y="2490670"/>
-            <a:ext cx="615536" cy="1527497"/>
+            <a:off x="5807034" y="2490670"/>
+            <a:ext cx="465667" cy="1527497"/>
           </a:xfrm>
           <a:prstGeom prst="straightConnector1">
             <a:avLst/>
@@ -4517,7 +4517,7 @@
         </p:nvSpPr>
         <p:spPr>
           <a:xfrm>
-            <a:off x="7693083" y="4419407"/>
+            <a:off x="7606258" y="4070997"/>
             <a:ext cx="1701331" cy="2585323"/>
           </a:xfrm>
           <a:prstGeom prst="rect">
@@ -4635,6 +4635,13 @@
           </a:p>
           <a:p>
             <a:pPr algn="ctr"/>
+            <a:r>
+              <a:rPr lang="en-US" altLang="zh-CN" b="1" dirty="0">
+                <a:latin typeface="Times New Roman" panose="02020603050405020304" pitchFamily="18" charset="0"/>
+                <a:cs typeface="Times New Roman" panose="02020603050405020304" pitchFamily="18" charset="0"/>
+              </a:rPr>
+              <a:t>UNITER</a:t>
+            </a:r>
             <a:endParaRPr lang="zh-CN" altLang="en-US" b="1" dirty="0">
               <a:latin typeface="Times New Roman" panose="02020603050405020304" pitchFamily="18" charset="0"/>
               <a:cs typeface="Times New Roman" panose="02020603050405020304" pitchFamily="18" charset="0"/>
@@ -4653,14 +4660,13 @@
           </p:cNvPr>
           <p:cNvCxnSpPr>
             <a:cxnSpLocks/>
-            <a:endCxn id="58" idx="0"/>
           </p:cNvCxnSpPr>
           <p:nvPr/>
         </p:nvCxnSpPr>
         <p:spPr>
           <a:xfrm>
             <a:off x="5964933" y="2229675"/>
-            <a:ext cx="2578816" cy="2189732"/>
+            <a:ext cx="2450096" cy="1851258"/>
           </a:xfrm>
           <a:prstGeom prst="straightConnector1">
             <a:avLst/>
@@ -4698,7 +4704,7 @@
         </p:nvSpPr>
         <p:spPr>
           <a:xfrm>
-            <a:off x="7140729" y="3508063"/>
+            <a:off x="6970911" y="3205616"/>
             <a:ext cx="1221865" cy="307777"/>
           </a:xfrm>
           <a:prstGeom prst="rect">
@@ -4935,8 +4941,8 @@
         </p:nvCxnSpPr>
         <p:spPr>
           <a:xfrm flipH="1">
-            <a:off x="4857617" y="2490670"/>
-            <a:ext cx="637426" cy="2850692"/>
+            <a:off x="4857617" y="2537452"/>
+            <a:ext cx="713450" cy="2803910"/>
           </a:xfrm>
           <a:prstGeom prst="straightConnector1">
             <a:avLst/>
@@ -4974,7 +4980,7 @@
         </p:nvSpPr>
         <p:spPr>
           <a:xfrm>
-            <a:off x="4613146" y="3580702"/>
+            <a:off x="4578550" y="3606013"/>
             <a:ext cx="1414867" cy="738664"/>
           </a:xfrm>
           <a:prstGeom prst="rect">

--- a/PLMfamily.pptx
+++ b/PLMfamily.pptx
@@ -259,7 +259,7 @@
           <a:p>
             <a:fld id="{3DD3760A-DE7A-43C9-AD8E-27ED0E105739}" type="datetimeFigureOut">
               <a:rPr lang="zh-CN" altLang="en-US" smtClean="0"/>
-              <a:t>2019/9/28</a:t>
+              <a:t>2019/10/7</a:t>
             </a:fld>
             <a:endParaRPr lang="zh-CN" altLang="en-US"/>
           </a:p>
@@ -457,7 +457,7 @@
           <a:p>
             <a:fld id="{3DD3760A-DE7A-43C9-AD8E-27ED0E105739}" type="datetimeFigureOut">
               <a:rPr lang="zh-CN" altLang="en-US" smtClean="0"/>
-              <a:t>2019/9/28</a:t>
+              <a:t>2019/10/7</a:t>
             </a:fld>
             <a:endParaRPr lang="zh-CN" altLang="en-US"/>
           </a:p>
@@ -665,7 +665,7 @@
           <a:p>
             <a:fld id="{3DD3760A-DE7A-43C9-AD8E-27ED0E105739}" type="datetimeFigureOut">
               <a:rPr lang="zh-CN" altLang="en-US" smtClean="0"/>
-              <a:t>2019/9/28</a:t>
+              <a:t>2019/10/7</a:t>
             </a:fld>
             <a:endParaRPr lang="zh-CN" altLang="en-US"/>
           </a:p>
@@ -863,7 +863,7 @@
           <a:p>
             <a:fld id="{3DD3760A-DE7A-43C9-AD8E-27ED0E105739}" type="datetimeFigureOut">
               <a:rPr lang="zh-CN" altLang="en-US" smtClean="0"/>
-              <a:t>2019/9/28</a:t>
+              <a:t>2019/10/7</a:t>
             </a:fld>
             <a:endParaRPr lang="zh-CN" altLang="en-US"/>
           </a:p>
@@ -1138,7 +1138,7 @@
           <a:p>
             <a:fld id="{3DD3760A-DE7A-43C9-AD8E-27ED0E105739}" type="datetimeFigureOut">
               <a:rPr lang="zh-CN" altLang="en-US" smtClean="0"/>
-              <a:t>2019/9/28</a:t>
+              <a:t>2019/10/7</a:t>
             </a:fld>
             <a:endParaRPr lang="zh-CN" altLang="en-US"/>
           </a:p>
@@ -1403,7 +1403,7 @@
           <a:p>
             <a:fld id="{3DD3760A-DE7A-43C9-AD8E-27ED0E105739}" type="datetimeFigureOut">
               <a:rPr lang="zh-CN" altLang="en-US" smtClean="0"/>
-              <a:t>2019/9/28</a:t>
+              <a:t>2019/10/7</a:t>
             </a:fld>
             <a:endParaRPr lang="zh-CN" altLang="en-US"/>
           </a:p>
@@ -1815,7 +1815,7 @@
           <a:p>
             <a:fld id="{3DD3760A-DE7A-43C9-AD8E-27ED0E105739}" type="datetimeFigureOut">
               <a:rPr lang="zh-CN" altLang="en-US" smtClean="0"/>
-              <a:t>2019/9/28</a:t>
+              <a:t>2019/10/7</a:t>
             </a:fld>
             <a:endParaRPr lang="zh-CN" altLang="en-US"/>
           </a:p>
@@ -1956,7 +1956,7 @@
           <a:p>
             <a:fld id="{3DD3760A-DE7A-43C9-AD8E-27ED0E105739}" type="datetimeFigureOut">
               <a:rPr lang="zh-CN" altLang="en-US" smtClean="0"/>
-              <a:t>2019/9/28</a:t>
+              <a:t>2019/10/7</a:t>
             </a:fld>
             <a:endParaRPr lang="zh-CN" altLang="en-US"/>
           </a:p>
@@ -2069,7 +2069,7 @@
           <a:p>
             <a:fld id="{3DD3760A-DE7A-43C9-AD8E-27ED0E105739}" type="datetimeFigureOut">
               <a:rPr lang="zh-CN" altLang="en-US" smtClean="0"/>
-              <a:t>2019/9/28</a:t>
+              <a:t>2019/10/7</a:t>
             </a:fld>
             <a:endParaRPr lang="zh-CN" altLang="en-US"/>
           </a:p>
@@ -2380,7 +2380,7 @@
           <a:p>
             <a:fld id="{3DD3760A-DE7A-43C9-AD8E-27ED0E105739}" type="datetimeFigureOut">
               <a:rPr lang="zh-CN" altLang="en-US" smtClean="0"/>
-              <a:t>2019/9/28</a:t>
+              <a:t>2019/10/7</a:t>
             </a:fld>
             <a:endParaRPr lang="zh-CN" altLang="en-US"/>
           </a:p>
@@ -2668,7 +2668,7 @@
           <a:p>
             <a:fld id="{3DD3760A-DE7A-43C9-AD8E-27ED0E105739}" type="datetimeFigureOut">
               <a:rPr lang="zh-CN" altLang="en-US" smtClean="0"/>
-              <a:t>2019/9/28</a:t>
+              <a:t>2019/10/7</a:t>
             </a:fld>
             <a:endParaRPr lang="zh-CN" altLang="en-US"/>
           </a:p>
@@ -2909,7 +2909,7 @@
           <a:p>
             <a:fld id="{3DD3760A-DE7A-43C9-AD8E-27ED0E105739}" type="datetimeFigureOut">
               <a:rPr lang="zh-CN" altLang="en-US" smtClean="0"/>
-              <a:t>2019/9/28</a:t>
+              <a:t>2019/10/7</a:t>
             </a:fld>
             <a:endParaRPr lang="zh-CN" altLang="en-US"/>
           </a:p>
@@ -3341,7 +3341,49 @@
         <p:spPr>
           <a:xfrm>
             <a:off x="3073400" y="796900"/>
-            <a:ext cx="1820334" cy="369332"/>
+            <a:ext cx="1090323" cy="369330"/>
+          </a:xfrm>
+          <a:prstGeom prst="rect">
+            <a:avLst/>
+          </a:prstGeom>
+          <a:noFill/>
+        </p:spPr>
+        <p:txBody>
+          <a:bodyPr wrap="square" rtlCol="0">
+            <a:spAutoFit/>
+          </a:bodyPr>
+          <a:lstStyle/>
+          <a:p>
+            <a:r>
+              <a:rPr lang="en-US" altLang="zh-CN" b="1" dirty="0" err="1">
+                <a:latin typeface="Times New Roman" panose="02020603050405020304" pitchFamily="18" charset="0"/>
+                <a:cs typeface="Times New Roman" panose="02020603050405020304" pitchFamily="18" charset="0"/>
+              </a:rPr>
+              <a:t>ELMo</a:t>
+            </a:r>
+            <a:endParaRPr lang="zh-CN" altLang="en-US" b="1" dirty="0">
+              <a:latin typeface="Times New Roman" panose="02020603050405020304" pitchFamily="18" charset="0"/>
+              <a:cs typeface="Times New Roman" panose="02020603050405020304" pitchFamily="18" charset="0"/>
+            </a:endParaRPr>
+          </a:p>
+        </p:txBody>
+      </p:sp>
+      <p:sp>
+        <p:nvSpPr>
+          <p:cNvPr id="6" name="文本框 5">
+            <a:extLst>
+              <a:ext uri="{FF2B5EF4-FFF2-40B4-BE49-F238E27FC236}">
+                <a16:creationId xmlns:a16="http://schemas.microsoft.com/office/drawing/2014/main" id="{AA5E2051-0049-48EF-BCDA-C9F05249D456}"/>
+              </a:ext>
+            </a:extLst>
+          </p:cNvPr>
+          <p:cNvSpPr txBox="1"/>
+          <p:nvPr/>
+        </p:nvSpPr>
+        <p:spPr>
+          <a:xfrm>
+            <a:off x="1282045" y="796900"/>
+            <a:ext cx="1090323" cy="369331"/>
           </a:xfrm>
           <a:prstGeom prst="rect">
             <a:avLst/>
@@ -3368,99 +3410,6 @@
           </a:p>
         </p:txBody>
       </p:sp>
-      <p:grpSp>
-        <p:nvGrpSpPr>
-          <p:cNvPr id="7" name="组合 6">
-            <a:extLst>
-              <a:ext uri="{FF2B5EF4-FFF2-40B4-BE49-F238E27FC236}">
-                <a16:creationId xmlns:a16="http://schemas.microsoft.com/office/drawing/2014/main" id="{F6A85FBD-9A7B-4FE0-918B-3958E6FF4298}"/>
-              </a:ext>
-            </a:extLst>
-          </p:cNvPr>
-          <p:cNvGrpSpPr/>
-          <p:nvPr/>
-        </p:nvGrpSpPr>
-        <p:grpSpPr>
-          <a:xfrm>
-            <a:off x="1486773" y="97366"/>
-            <a:ext cx="885595" cy="1068866"/>
-            <a:chOff x="2291106" y="112486"/>
-            <a:chExt cx="885595" cy="1068866"/>
-          </a:xfrm>
-        </p:grpSpPr>
-        <p:pic>
-          <p:nvPicPr>
-            <p:cNvPr id="4" name="图片 3">
-              <a:extLst>
-                <a:ext uri="{FF2B5EF4-FFF2-40B4-BE49-F238E27FC236}">
-                  <a16:creationId xmlns:a16="http://schemas.microsoft.com/office/drawing/2014/main" id="{40123508-0C8C-4985-9DC5-D080BE0D6226}"/>
-                </a:ext>
-              </a:extLst>
-            </p:cNvPr>
-            <p:cNvPicPr>
-              <a:picLocks noChangeAspect="1"/>
-            </p:cNvPicPr>
-            <p:nvPr/>
-          </p:nvPicPr>
-          <p:blipFill>
-            <a:blip r:embed="rId2"/>
-            <a:stretch>
-              <a:fillRect/>
-            </a:stretch>
-          </p:blipFill>
-          <p:spPr>
-            <a:xfrm>
-              <a:off x="2335143" y="112486"/>
-              <a:ext cx="797523" cy="699534"/>
-            </a:xfrm>
-            <a:prstGeom prst="rect">
-              <a:avLst/>
-            </a:prstGeom>
-          </p:spPr>
-        </p:pic>
-        <p:sp>
-          <p:nvSpPr>
-            <p:cNvPr id="6" name="文本框 5">
-              <a:extLst>
-                <a:ext uri="{FF2B5EF4-FFF2-40B4-BE49-F238E27FC236}">
-                  <a16:creationId xmlns:a16="http://schemas.microsoft.com/office/drawing/2014/main" id="{AA5E2051-0049-48EF-BCDA-C9F05249D456}"/>
-                </a:ext>
-              </a:extLst>
-            </p:cNvPr>
-            <p:cNvSpPr txBox="1"/>
-            <p:nvPr/>
-          </p:nvSpPr>
-          <p:spPr>
-            <a:xfrm>
-              <a:off x="2291106" y="812020"/>
-              <a:ext cx="885595" cy="369332"/>
-            </a:xfrm>
-            <a:prstGeom prst="rect">
-              <a:avLst/>
-            </a:prstGeom>
-            <a:noFill/>
-          </p:spPr>
-          <p:txBody>
-            <a:bodyPr wrap="square" rtlCol="0">
-              <a:spAutoFit/>
-            </a:bodyPr>
-            <a:lstStyle/>
-            <a:p>
-              <a:r>
-                <a:rPr lang="en-US" altLang="zh-CN" b="1" dirty="0" err="1">
-                  <a:latin typeface="Times New Roman" panose="02020603050405020304" pitchFamily="18" charset="0"/>
-                  <a:cs typeface="Times New Roman" panose="02020603050405020304" pitchFamily="18" charset="0"/>
-                </a:rPr>
-                <a:t>ELMo</a:t>
-              </a:r>
-              <a:endParaRPr lang="zh-CN" altLang="en-US" b="1" dirty="0">
-                <a:latin typeface="Times New Roman" panose="02020603050405020304" pitchFamily="18" charset="0"/>
-                <a:cs typeface="Times New Roman" panose="02020603050405020304" pitchFamily="18" charset="0"/>
-              </a:endParaRPr>
-            </a:p>
-          </p:txBody>
-        </p:sp>
-      </p:grpSp>
       <p:cxnSp>
         <p:nvCxnSpPr>
           <p:cNvPr id="9" name="直接连接符 8">
@@ -3478,9 +3427,9 @@
           <p:nvPr/>
         </p:nvCxnSpPr>
         <p:spPr>
-          <a:xfrm>
-            <a:off x="2372368" y="981566"/>
-            <a:ext cx="701032" cy="0"/>
+          <a:xfrm flipV="1">
+            <a:off x="2372368" y="981565"/>
+            <a:ext cx="701032" cy="1"/>
           </a:xfrm>
           <a:prstGeom prst="line">
             <a:avLst/>
@@ -3536,7 +3485,7 @@
             <p:nvPr/>
           </p:nvPicPr>
           <p:blipFill>
-            <a:blip r:embed="rId3"/>
+            <a:blip r:embed="rId2"/>
             <a:stretch>
               <a:fillRect/>
             </a:stretch>
@@ -3972,7 +3921,7 @@
             <p:nvPr/>
           </p:nvPicPr>
           <p:blipFill>
-            <a:blip r:embed="rId4"/>
+            <a:blip r:embed="rId3"/>
             <a:stretch>
               <a:fillRect/>
             </a:stretch>
@@ -4149,7 +4098,7 @@
             <p:nvPr/>
           </p:nvPicPr>
           <p:blipFill>
-            <a:blip r:embed="rId5"/>
+            <a:blip r:embed="rId4"/>
             <a:stretch>
               <a:fillRect/>
             </a:stretch>
@@ -5421,8 +5370,8 @@
           </a:p>
         </p:txBody>
       </p:sp>
-      <mc:AlternateContent xmlns:mc="http://schemas.openxmlformats.org/markup-compatibility/2006" xmlns:a14="http://schemas.microsoft.com/office/drawing/2010/main">
-        <mc:Choice Requires="a14">
+      <mc:AlternateContent xmlns:mc="http://schemas.openxmlformats.org/markup-compatibility/2006">
+        <mc:Choice xmlns:a14="http://schemas.microsoft.com/office/drawing/2010/main" Requires="a14">
           <p:sp>
             <p:nvSpPr>
               <p:cNvPr id="94" name="文本框 93">
@@ -5499,7 +5448,7 @@
             </p:txBody>
           </p:sp>
         </mc:Choice>
-        <mc:Fallback xmlns="">
+        <mc:Fallback>
           <p:sp>
             <p:nvSpPr>
               <p:cNvPr id="94" name="文本框 93">
@@ -5523,9 +5472,9 @@
                 <a:avLst/>
               </a:prstGeom>
               <a:blipFill>
-                <a:blip r:embed="rId6"/>
+                <a:blip r:embed="rId5"/>
                 <a:stretch>
-                  <a:fillRect t="-6667" b="-20000"/>
+                  <a:fillRect t="-8197" b="-24590"/>
                 </a:stretch>
               </a:blipFill>
             </p:spPr>
@@ -5534,7 +5483,7 @@
               <a:lstStyle/>
               <a:p>
                 <a:r>
-                  <a:rPr lang="en-US">
+                  <a:rPr lang="zh-CN" altLang="en-US">
                     <a:noFill/>
                   </a:rPr>
                   <a:t> </a:t>
@@ -5862,6 +5811,78 @@
           <p:nvPr/>
         </p:nvPicPr>
         <p:blipFill>
+          <a:blip r:embed="rId6"/>
+          <a:stretch>
+            <a:fillRect/>
+          </a:stretch>
+        </p:blipFill>
+        <p:spPr>
+          <a:xfrm>
+            <a:off x="10280887" y="4144671"/>
+            <a:ext cx="931332" cy="891581"/>
+          </a:xfrm>
+          <a:prstGeom prst="rect">
+            <a:avLst/>
+          </a:prstGeom>
+        </p:spPr>
+      </p:pic>
+      <p:sp>
+        <p:nvSpPr>
+          <p:cNvPr id="2" name="文本框 1">
+            <a:extLst>
+              <a:ext uri="{FF2B5EF4-FFF2-40B4-BE49-F238E27FC236}">
+                <a16:creationId xmlns:a16="http://schemas.microsoft.com/office/drawing/2014/main" id="{19BB2FCF-9087-4E65-BD0B-A0B6E84F3743}"/>
+              </a:ext>
+            </a:extLst>
+          </p:cNvPr>
+          <p:cNvSpPr txBox="1"/>
+          <p:nvPr/>
+        </p:nvSpPr>
+        <p:spPr>
+          <a:xfrm>
+            <a:off x="9278463" y="6585512"/>
+            <a:ext cx="3072666" cy="253916"/>
+          </a:xfrm>
+          <a:prstGeom prst="rect">
+            <a:avLst/>
+          </a:prstGeom>
+          <a:noFill/>
+        </p:spPr>
+        <p:txBody>
+          <a:bodyPr wrap="square" rtlCol="0">
+            <a:spAutoFit/>
+          </a:bodyPr>
+          <a:lstStyle/>
+          <a:p>
+            <a:r>
+              <a:rPr lang="en-US" altLang="zh-CN" sz="1050" dirty="0">
+                <a:latin typeface="Times New Roman" panose="02020603050405020304" pitchFamily="18" charset="0"/>
+                <a:cs typeface="Times New Roman" panose="02020603050405020304" pitchFamily="18" charset="0"/>
+              </a:rPr>
+              <a:t> By Xiaozhi Wang &amp; Zhengyan Zhang @THUNLP</a:t>
+            </a:r>
+            <a:endParaRPr lang="zh-CN" altLang="en-US" sz="1050" dirty="0">
+              <a:latin typeface="Times New Roman" panose="02020603050405020304" pitchFamily="18" charset="0"/>
+              <a:cs typeface="Times New Roman" panose="02020603050405020304" pitchFamily="18" charset="0"/>
+            </a:endParaRPr>
+          </a:p>
+        </p:txBody>
+      </p:sp>
+      <p:pic>
+        <p:nvPicPr>
+          <p:cNvPr id="17" name="图片 16">
+            <a:extLst>
+              <a:ext uri="{FF2B5EF4-FFF2-40B4-BE49-F238E27FC236}">
+                <a16:creationId xmlns:a16="http://schemas.microsoft.com/office/drawing/2014/main" id="{38BFA2DB-DC3D-401A-9E52-5D6D67B6C9E7}"/>
+              </a:ext>
+            </a:extLst>
+          </p:cNvPr>
+          <p:cNvPicPr>
+            <a:picLocks noChangeAspect="1"/>
+          </p:cNvPicPr>
+          <p:nvPr/>
+        </p:nvPicPr>
+        <p:blipFill>
           <a:blip r:embed="rId7"/>
           <a:stretch>
             <a:fillRect/>
@@ -5869,20 +5890,61 @@
         </p:blipFill>
         <p:spPr>
           <a:xfrm>
-            <a:off x="10280887" y="4144671"/>
-            <a:ext cx="931332" cy="891581"/>
+            <a:off x="3056774" y="120237"/>
+            <a:ext cx="802660" cy="710368"/>
           </a:xfrm>
           <a:prstGeom prst="rect">
             <a:avLst/>
           </a:prstGeom>
         </p:spPr>
       </p:pic>
-      <p:sp>
-        <p:nvSpPr>
-          <p:cNvPr id="2" name="文本框 1">
-            <a:extLst>
-              <a:ext uri="{FF2B5EF4-FFF2-40B4-BE49-F238E27FC236}">
-                <a16:creationId xmlns:a16="http://schemas.microsoft.com/office/drawing/2014/main" id="{19BB2FCF-9087-4E65-BD0B-A0B6E84F3743}"/>
+      <p:cxnSp>
+        <p:nvCxnSpPr>
+          <p:cNvPr id="22" name="直接箭头连接符 21">
+            <a:extLst>
+              <a:ext uri="{FF2B5EF4-FFF2-40B4-BE49-F238E27FC236}">
+                <a16:creationId xmlns:a16="http://schemas.microsoft.com/office/drawing/2014/main" id="{9FBF0004-7D16-4969-B0F9-8DD2B73D35C1}"/>
+              </a:ext>
+            </a:extLst>
+          </p:cNvPr>
+          <p:cNvCxnSpPr>
+            <a:stCxn id="6" idx="2"/>
+          </p:cNvCxnSpPr>
+          <p:nvPr/>
+        </p:nvCxnSpPr>
+        <p:spPr>
+          <a:xfrm flipH="1">
+            <a:off x="1827206" y="1166231"/>
+            <a:ext cx="1" cy="340913"/>
+          </a:xfrm>
+          <a:prstGeom prst="straightConnector1">
+            <a:avLst/>
+          </a:prstGeom>
+          <a:ln>
+            <a:tailEnd type="triangle"/>
+          </a:ln>
+        </p:spPr>
+        <p:style>
+          <a:lnRef idx="3">
+            <a:schemeClr val="accent1"/>
+          </a:lnRef>
+          <a:fillRef idx="0">
+            <a:schemeClr val="accent1"/>
+          </a:fillRef>
+          <a:effectRef idx="2">
+            <a:schemeClr val="accent1"/>
+          </a:effectRef>
+          <a:fontRef idx="minor">
+            <a:schemeClr val="tx1"/>
+          </a:fontRef>
+        </p:style>
+      </p:cxnSp>
+      <p:sp>
+        <p:nvSpPr>
+          <p:cNvPr id="71" name="文本框 70">
+            <a:extLst>
+              <a:ext uri="{FF2B5EF4-FFF2-40B4-BE49-F238E27FC236}">
+                <a16:creationId xmlns:a16="http://schemas.microsoft.com/office/drawing/2014/main" id="{38D463A2-8A43-4C60-9689-A8621AADA921}"/>
               </a:ext>
             </a:extLst>
           </p:cNvPr>
@@ -5891,8 +5953,8 @@
         </p:nvSpPr>
         <p:spPr>
           <a:xfrm>
-            <a:off x="9278463" y="6585512"/>
-            <a:ext cx="3072666" cy="253916"/>
+            <a:off x="1299330" y="1505946"/>
+            <a:ext cx="1090323" cy="369331"/>
           </a:xfrm>
           <a:prstGeom prst="rect">
             <a:avLst/>
@@ -5906,13 +5968,13 @@
           <a:lstStyle/>
           <a:p>
             <a:r>
-              <a:rPr lang="en-US" altLang="zh-CN" sz="1050" dirty="0">
+              <a:rPr lang="en-US" altLang="zh-CN" b="1" dirty="0" err="1">
                 <a:latin typeface="Times New Roman" panose="02020603050405020304" pitchFamily="18" charset="0"/>
                 <a:cs typeface="Times New Roman" panose="02020603050405020304" pitchFamily="18" charset="0"/>
               </a:rPr>
-              <a:t> By Xiaozhi Wang &amp; Zhengyan Zhang @THUNLP</a:t>
-            </a:r>
-            <a:endParaRPr lang="zh-CN" altLang="en-US" sz="1050" dirty="0">
+              <a:t>MultiFiT</a:t>
+            </a:r>
+            <a:endParaRPr lang="zh-CN" altLang="en-US" b="1" dirty="0">
               <a:latin typeface="Times New Roman" panose="02020603050405020304" pitchFamily="18" charset="0"/>
               <a:cs typeface="Times New Roman" panose="02020603050405020304" pitchFamily="18" charset="0"/>
             </a:endParaRPr>

--- a/PLMfamily.pptx
+++ b/PLMfamily.pptx
@@ -259,7 +259,7 @@
           <a:p>
             <a:fld id="{3DD3760A-DE7A-43C9-AD8E-27ED0E105739}" type="datetimeFigureOut">
               <a:rPr lang="zh-CN" altLang="en-US" smtClean="0"/>
-              <a:t>2019/10/7</a:t>
+              <a:t>2019/10/8</a:t>
             </a:fld>
             <a:endParaRPr lang="zh-CN" altLang="en-US"/>
           </a:p>
@@ -457,7 +457,7 @@
           <a:p>
             <a:fld id="{3DD3760A-DE7A-43C9-AD8E-27ED0E105739}" type="datetimeFigureOut">
               <a:rPr lang="zh-CN" altLang="en-US" smtClean="0"/>
-              <a:t>2019/10/7</a:t>
+              <a:t>2019/10/8</a:t>
             </a:fld>
             <a:endParaRPr lang="zh-CN" altLang="en-US"/>
           </a:p>
@@ -665,7 +665,7 @@
           <a:p>
             <a:fld id="{3DD3760A-DE7A-43C9-AD8E-27ED0E105739}" type="datetimeFigureOut">
               <a:rPr lang="zh-CN" altLang="en-US" smtClean="0"/>
-              <a:t>2019/10/7</a:t>
+              <a:t>2019/10/8</a:t>
             </a:fld>
             <a:endParaRPr lang="zh-CN" altLang="en-US"/>
           </a:p>
@@ -863,7 +863,7 @@
           <a:p>
             <a:fld id="{3DD3760A-DE7A-43C9-AD8E-27ED0E105739}" type="datetimeFigureOut">
               <a:rPr lang="zh-CN" altLang="en-US" smtClean="0"/>
-              <a:t>2019/10/7</a:t>
+              <a:t>2019/10/8</a:t>
             </a:fld>
             <a:endParaRPr lang="zh-CN" altLang="en-US"/>
           </a:p>
@@ -1138,7 +1138,7 @@
           <a:p>
             <a:fld id="{3DD3760A-DE7A-43C9-AD8E-27ED0E105739}" type="datetimeFigureOut">
               <a:rPr lang="zh-CN" altLang="en-US" smtClean="0"/>
-              <a:t>2019/10/7</a:t>
+              <a:t>2019/10/8</a:t>
             </a:fld>
             <a:endParaRPr lang="zh-CN" altLang="en-US"/>
           </a:p>
@@ -1403,7 +1403,7 @@
           <a:p>
             <a:fld id="{3DD3760A-DE7A-43C9-AD8E-27ED0E105739}" type="datetimeFigureOut">
               <a:rPr lang="zh-CN" altLang="en-US" smtClean="0"/>
-              <a:t>2019/10/7</a:t>
+              <a:t>2019/10/8</a:t>
             </a:fld>
             <a:endParaRPr lang="zh-CN" altLang="en-US"/>
           </a:p>
@@ -1815,7 +1815,7 @@
           <a:p>
             <a:fld id="{3DD3760A-DE7A-43C9-AD8E-27ED0E105739}" type="datetimeFigureOut">
               <a:rPr lang="zh-CN" altLang="en-US" smtClean="0"/>
-              <a:t>2019/10/7</a:t>
+              <a:t>2019/10/8</a:t>
             </a:fld>
             <a:endParaRPr lang="zh-CN" altLang="en-US"/>
           </a:p>
@@ -1956,7 +1956,7 @@
           <a:p>
             <a:fld id="{3DD3760A-DE7A-43C9-AD8E-27ED0E105739}" type="datetimeFigureOut">
               <a:rPr lang="zh-CN" altLang="en-US" smtClean="0"/>
-              <a:t>2019/10/7</a:t>
+              <a:t>2019/10/8</a:t>
             </a:fld>
             <a:endParaRPr lang="zh-CN" altLang="en-US"/>
           </a:p>
@@ -2069,7 +2069,7 @@
           <a:p>
             <a:fld id="{3DD3760A-DE7A-43C9-AD8E-27ED0E105739}" type="datetimeFigureOut">
               <a:rPr lang="zh-CN" altLang="en-US" smtClean="0"/>
-              <a:t>2019/10/7</a:t>
+              <a:t>2019/10/8</a:t>
             </a:fld>
             <a:endParaRPr lang="zh-CN" altLang="en-US"/>
           </a:p>
@@ -2380,7 +2380,7 @@
           <a:p>
             <a:fld id="{3DD3760A-DE7A-43C9-AD8E-27ED0E105739}" type="datetimeFigureOut">
               <a:rPr lang="zh-CN" altLang="en-US" smtClean="0"/>
-              <a:t>2019/10/7</a:t>
+              <a:t>2019/10/8</a:t>
             </a:fld>
             <a:endParaRPr lang="zh-CN" altLang="en-US"/>
           </a:p>
@@ -2668,7 +2668,7 @@
           <a:p>
             <a:fld id="{3DD3760A-DE7A-43C9-AD8E-27ED0E105739}" type="datetimeFigureOut">
               <a:rPr lang="zh-CN" altLang="en-US" smtClean="0"/>
-              <a:t>2019/10/7</a:t>
+              <a:t>2019/10/8</a:t>
             </a:fld>
             <a:endParaRPr lang="zh-CN" altLang="en-US"/>
           </a:p>
@@ -2909,7 +2909,7 @@
           <a:p>
             <a:fld id="{3DD3760A-DE7A-43C9-AD8E-27ED0E105739}" type="datetimeFigureOut">
               <a:rPr lang="zh-CN" altLang="en-US" smtClean="0"/>
-              <a:t>2019/10/7</a:t>
+              <a:t>2019/10/8</a:t>
             </a:fld>
             <a:endParaRPr lang="zh-CN" altLang="en-US"/>
           </a:p>
@@ -5370,8 +5370,8 @@
           </a:p>
         </p:txBody>
       </p:sp>
-      <mc:AlternateContent xmlns:mc="http://schemas.openxmlformats.org/markup-compatibility/2006">
-        <mc:Choice xmlns:a14="http://schemas.microsoft.com/office/drawing/2010/main" Requires="a14">
+      <mc:AlternateContent xmlns:mc="http://schemas.openxmlformats.org/markup-compatibility/2006" xmlns:a14="http://schemas.microsoft.com/office/drawing/2010/main">
+        <mc:Choice Requires="a14">
           <p:sp>
             <p:nvSpPr>
               <p:cNvPr id="94" name="文本框 93">
@@ -5448,7 +5448,7 @@
             </p:txBody>
           </p:sp>
         </mc:Choice>
-        <mc:Fallback>
+        <mc:Fallback xmlns="">
           <p:sp>
             <p:nvSpPr>
               <p:cNvPr id="94" name="文本框 93">
@@ -5908,14 +5908,16 @@
             </a:extLst>
           </p:cNvPr>
           <p:cNvCxnSpPr>
+            <a:cxnSpLocks/>
             <a:stCxn id="6" idx="2"/>
+            <a:endCxn id="71" idx="0"/>
           </p:cNvCxnSpPr>
           <p:nvPr/>
         </p:nvCxnSpPr>
         <p:spPr>
           <a:xfrm flipH="1">
-            <a:off x="1827206" y="1166231"/>
-            <a:ext cx="1" cy="340913"/>
+            <a:off x="1823133" y="1166231"/>
+            <a:ext cx="4074" cy="535046"/>
           </a:xfrm>
           <a:prstGeom prst="straightConnector1">
             <a:avLst/>
@@ -5953,7 +5955,7 @@
         </p:nvSpPr>
         <p:spPr>
           <a:xfrm>
-            <a:off x="1299330" y="1505946"/>
+            <a:off x="1277971" y="1701277"/>
             <a:ext cx="1090323" cy="369331"/>
           </a:xfrm>
           <a:prstGeom prst="rect">
@@ -5975,6 +5977,48 @@
               <a:t>MultiFiT</a:t>
             </a:r>
             <a:endParaRPr lang="zh-CN" altLang="en-US" b="1" dirty="0">
+              <a:latin typeface="Times New Roman" panose="02020603050405020304" pitchFamily="18" charset="0"/>
+              <a:cs typeface="Times New Roman" panose="02020603050405020304" pitchFamily="18" charset="0"/>
+            </a:endParaRPr>
+          </a:p>
+        </p:txBody>
+      </p:sp>
+      <p:sp>
+        <p:nvSpPr>
+          <p:cNvPr id="61" name="文本框 60">
+            <a:extLst>
+              <a:ext uri="{FF2B5EF4-FFF2-40B4-BE49-F238E27FC236}">
+                <a16:creationId xmlns:a16="http://schemas.microsoft.com/office/drawing/2014/main" id="{9993D895-B47D-4E0E-8F72-0E3CB287BF34}"/>
+              </a:ext>
+            </a:extLst>
+          </p:cNvPr>
+          <p:cNvSpPr txBox="1"/>
+          <p:nvPr/>
+        </p:nvSpPr>
+        <p:spPr>
+          <a:xfrm>
+            <a:off x="1308171" y="1253012"/>
+            <a:ext cx="1157755" cy="307777"/>
+          </a:xfrm>
+          <a:prstGeom prst="rect">
+            <a:avLst/>
+          </a:prstGeom>
+          <a:noFill/>
+        </p:spPr>
+        <p:txBody>
+          <a:bodyPr wrap="square" rtlCol="0">
+            <a:spAutoFit/>
+          </a:bodyPr>
+          <a:lstStyle/>
+          <a:p>
+            <a:r>
+              <a:rPr lang="en-US" altLang="zh-CN" sz="1400" dirty="0">
+                <a:latin typeface="Times New Roman" panose="02020603050405020304" pitchFamily="18" charset="0"/>
+                <a:cs typeface="Times New Roman" panose="02020603050405020304" pitchFamily="18" charset="0"/>
+              </a:rPr>
+              <a:t>Multi-lingual</a:t>
+            </a:r>
+            <a:endParaRPr lang="zh-CN" altLang="en-US" sz="1400" dirty="0">
               <a:latin typeface="Times New Roman" panose="02020603050405020304" pitchFamily="18" charset="0"/>
               <a:cs typeface="Times New Roman" panose="02020603050405020304" pitchFamily="18" charset="0"/>
             </a:endParaRPr>

--- a/PLMfamily.pptx
+++ b/PLMfamily.pptx
@@ -259,7 +259,7 @@
           <a:p>
             <a:fld id="{3DD3760A-DE7A-43C9-AD8E-27ED0E105739}" type="datetimeFigureOut">
               <a:rPr lang="zh-CN" altLang="en-US" smtClean="0"/>
-              <a:t>2019/10/8</a:t>
+              <a:t>2019/10/9</a:t>
             </a:fld>
             <a:endParaRPr lang="zh-CN" altLang="en-US"/>
           </a:p>
@@ -457,7 +457,7 @@
           <a:p>
             <a:fld id="{3DD3760A-DE7A-43C9-AD8E-27ED0E105739}" type="datetimeFigureOut">
               <a:rPr lang="zh-CN" altLang="en-US" smtClean="0"/>
-              <a:t>2019/10/8</a:t>
+              <a:t>2019/10/9</a:t>
             </a:fld>
             <a:endParaRPr lang="zh-CN" altLang="en-US"/>
           </a:p>
@@ -665,7 +665,7 @@
           <a:p>
             <a:fld id="{3DD3760A-DE7A-43C9-AD8E-27ED0E105739}" type="datetimeFigureOut">
               <a:rPr lang="zh-CN" altLang="en-US" smtClean="0"/>
-              <a:t>2019/10/8</a:t>
+              <a:t>2019/10/9</a:t>
             </a:fld>
             <a:endParaRPr lang="zh-CN" altLang="en-US"/>
           </a:p>
@@ -863,7 +863,7 @@
           <a:p>
             <a:fld id="{3DD3760A-DE7A-43C9-AD8E-27ED0E105739}" type="datetimeFigureOut">
               <a:rPr lang="zh-CN" altLang="en-US" smtClean="0"/>
-              <a:t>2019/10/8</a:t>
+              <a:t>2019/10/9</a:t>
             </a:fld>
             <a:endParaRPr lang="zh-CN" altLang="en-US"/>
           </a:p>
@@ -1138,7 +1138,7 @@
           <a:p>
             <a:fld id="{3DD3760A-DE7A-43C9-AD8E-27ED0E105739}" type="datetimeFigureOut">
               <a:rPr lang="zh-CN" altLang="en-US" smtClean="0"/>
-              <a:t>2019/10/8</a:t>
+              <a:t>2019/10/9</a:t>
             </a:fld>
             <a:endParaRPr lang="zh-CN" altLang="en-US"/>
           </a:p>
@@ -1403,7 +1403,7 @@
           <a:p>
             <a:fld id="{3DD3760A-DE7A-43C9-AD8E-27ED0E105739}" type="datetimeFigureOut">
               <a:rPr lang="zh-CN" altLang="en-US" smtClean="0"/>
-              <a:t>2019/10/8</a:t>
+              <a:t>2019/10/9</a:t>
             </a:fld>
             <a:endParaRPr lang="zh-CN" altLang="en-US"/>
           </a:p>
@@ -1815,7 +1815,7 @@
           <a:p>
             <a:fld id="{3DD3760A-DE7A-43C9-AD8E-27ED0E105739}" type="datetimeFigureOut">
               <a:rPr lang="zh-CN" altLang="en-US" smtClean="0"/>
-              <a:t>2019/10/8</a:t>
+              <a:t>2019/10/9</a:t>
             </a:fld>
             <a:endParaRPr lang="zh-CN" altLang="en-US"/>
           </a:p>
@@ -1956,7 +1956,7 @@
           <a:p>
             <a:fld id="{3DD3760A-DE7A-43C9-AD8E-27ED0E105739}" type="datetimeFigureOut">
               <a:rPr lang="zh-CN" altLang="en-US" smtClean="0"/>
-              <a:t>2019/10/8</a:t>
+              <a:t>2019/10/9</a:t>
             </a:fld>
             <a:endParaRPr lang="zh-CN" altLang="en-US"/>
           </a:p>
@@ -2069,7 +2069,7 @@
           <a:p>
             <a:fld id="{3DD3760A-DE7A-43C9-AD8E-27ED0E105739}" type="datetimeFigureOut">
               <a:rPr lang="zh-CN" altLang="en-US" smtClean="0"/>
-              <a:t>2019/10/8</a:t>
+              <a:t>2019/10/9</a:t>
             </a:fld>
             <a:endParaRPr lang="zh-CN" altLang="en-US"/>
           </a:p>
@@ -2380,7 +2380,7 @@
           <a:p>
             <a:fld id="{3DD3760A-DE7A-43C9-AD8E-27ED0E105739}" type="datetimeFigureOut">
               <a:rPr lang="zh-CN" altLang="en-US" smtClean="0"/>
-              <a:t>2019/10/8</a:t>
+              <a:t>2019/10/9</a:t>
             </a:fld>
             <a:endParaRPr lang="zh-CN" altLang="en-US"/>
           </a:p>
@@ -2668,7 +2668,7 @@
           <a:p>
             <a:fld id="{3DD3760A-DE7A-43C9-AD8E-27ED0E105739}" type="datetimeFigureOut">
               <a:rPr lang="zh-CN" altLang="en-US" smtClean="0"/>
-              <a:t>2019/10/8</a:t>
+              <a:t>2019/10/9</a:t>
             </a:fld>
             <a:endParaRPr lang="zh-CN" altLang="en-US"/>
           </a:p>
@@ -2909,7 +2909,7 @@
           <a:p>
             <a:fld id="{3DD3760A-DE7A-43C9-AD8E-27ED0E105739}" type="datetimeFigureOut">
               <a:rPr lang="zh-CN" altLang="en-US" smtClean="0"/>
-              <a:t>2019/10/8</a:t>
+              <a:t>2019/10/9</a:t>
             </a:fld>
             <a:endParaRPr lang="zh-CN" altLang="en-US"/>
           </a:p>
@@ -4569,7 +4569,7 @@
                 <a:latin typeface="Times New Roman" panose="02020603050405020304" pitchFamily="18" charset="0"/>
                 <a:cs typeface="Times New Roman" panose="02020603050405020304" pitchFamily="18" charset="0"/>
               </a:rPr>
-              <a:t>LXMBERT</a:t>
+              <a:t>LXMERT</a:t>
             </a:r>
           </a:p>
           <a:p>
@@ -6025,6 +6025,86 @@
           </a:p>
         </p:txBody>
       </p:sp>
+      <p:sp>
+        <p:nvSpPr>
+          <p:cNvPr id="73" name="文本框 5">
+            <a:extLst>
+              <a:ext uri="{FF2B5EF4-FFF2-40B4-BE49-F238E27FC236}">
+                <a16:creationId xmlns:a16="http://schemas.microsoft.com/office/drawing/2014/main" id="{AD05C063-4419-5547-8B20-9616F7C171EB}"/>
+              </a:ext>
+            </a:extLst>
+          </p:cNvPr>
+          <p:cNvSpPr txBox="1"/>
+          <p:nvPr/>
+        </p:nvSpPr>
+        <p:spPr>
+          <a:xfrm>
+            <a:off x="1491412" y="280387"/>
+            <a:ext cx="1384434" cy="369332"/>
+          </a:xfrm>
+          <a:prstGeom prst="rect">
+            <a:avLst/>
+          </a:prstGeom>
+          <a:noFill/>
+        </p:spPr>
+        <p:txBody>
+          <a:bodyPr wrap="square" rtlCol="0">
+            <a:spAutoFit/>
+          </a:bodyPr>
+          <a:lstStyle/>
+          <a:p>
+            <a:r>
+              <a:rPr lang="en-US" altLang="zh-CN" b="1" dirty="0">
+                <a:latin typeface="Times New Roman" panose="02020603050405020304" pitchFamily="18" charset="0"/>
+                <a:cs typeface="Times New Roman" panose="02020603050405020304" pitchFamily="18" charset="0"/>
+              </a:rPr>
+              <a:t>context2vec</a:t>
+            </a:r>
+            <a:endParaRPr lang="zh-CN" altLang="en-US" b="1" dirty="0">
+              <a:latin typeface="Times New Roman" panose="02020603050405020304" pitchFamily="18" charset="0"/>
+              <a:cs typeface="Times New Roman" panose="02020603050405020304" pitchFamily="18" charset="0"/>
+            </a:endParaRPr>
+          </a:p>
+        </p:txBody>
+      </p:sp>
+      <p:cxnSp>
+        <p:nvCxnSpPr>
+          <p:cNvPr id="77" name="直接连接符 8">
+            <a:extLst>
+              <a:ext uri="{FF2B5EF4-FFF2-40B4-BE49-F238E27FC236}">
+                <a16:creationId xmlns:a16="http://schemas.microsoft.com/office/drawing/2014/main" id="{018221F8-E3AA-8B40-9028-4F219665B6B2}"/>
+              </a:ext>
+            </a:extLst>
+          </p:cNvPr>
+          <p:cNvCxnSpPr>
+            <a:cxnSpLocks/>
+          </p:cNvCxnSpPr>
+          <p:nvPr/>
+        </p:nvCxnSpPr>
+        <p:spPr>
+          <a:xfrm>
+            <a:off x="2291382" y="695885"/>
+            <a:ext cx="419284" cy="275728"/>
+          </a:xfrm>
+          <a:prstGeom prst="line">
+            <a:avLst/>
+          </a:prstGeom>
+        </p:spPr>
+        <p:style>
+          <a:lnRef idx="3">
+            <a:schemeClr val="accent1"/>
+          </a:lnRef>
+          <a:fillRef idx="0">
+            <a:schemeClr val="accent1"/>
+          </a:fillRef>
+          <a:effectRef idx="2">
+            <a:schemeClr val="accent1"/>
+          </a:effectRef>
+          <a:fontRef idx="minor">
+            <a:schemeClr val="tx1"/>
+          </a:fontRef>
+        </p:style>
+      </p:cxnSp>
     </p:spTree>
     <p:extLst>
       <p:ext uri="{BB962C8B-B14F-4D97-AF65-F5344CB8AC3E}">

--- a/PLMfamily.pptx
+++ b/PLMfamily.pptx
@@ -3340,7 +3340,7 @@
         </p:nvSpPr>
         <p:spPr>
           <a:xfrm>
-            <a:off x="3073400" y="796900"/>
+            <a:off x="3754069" y="1025701"/>
             <a:ext cx="1090323" cy="369330"/>
           </a:xfrm>
           <a:prstGeom prst="rect">
@@ -3382,7 +3382,7 @@
         </p:nvSpPr>
         <p:spPr>
           <a:xfrm>
-            <a:off x="1282045" y="796900"/>
+            <a:off x="2142259" y="1025700"/>
             <a:ext cx="1090323" cy="369331"/>
           </a:xfrm>
           <a:prstGeom prst="rect">
@@ -3427,9 +3427,9 @@
           <p:nvPr/>
         </p:nvCxnSpPr>
         <p:spPr>
-          <a:xfrm flipV="1">
-            <a:off x="2372368" y="981565"/>
-            <a:ext cx="701032" cy="1"/>
+          <a:xfrm>
+            <a:off x="3232582" y="1210366"/>
+            <a:ext cx="521487" cy="0"/>
           </a:xfrm>
           <a:prstGeom prst="line">
             <a:avLst/>
@@ -3464,7 +3464,7 @@
         </p:nvGrpSpPr>
         <p:grpSpPr>
           <a:xfrm>
-            <a:off x="5253898" y="1166232"/>
+            <a:off x="5253898" y="1420235"/>
             <a:ext cx="842102" cy="1324438"/>
             <a:chOff x="5253898" y="1166232"/>
             <a:chExt cx="842102" cy="1324438"/>
@@ -3559,8 +3559,8 @@
         </p:nvCxnSpPr>
         <p:spPr>
           <a:xfrm>
-            <a:off x="2722884" y="981566"/>
-            <a:ext cx="2441783" cy="855701"/>
+            <a:off x="3491925" y="1226808"/>
+            <a:ext cx="1672742" cy="864462"/>
           </a:xfrm>
           <a:prstGeom prst="straightConnector1">
             <a:avLst/>
@@ -3598,7 +3598,7 @@
         </p:nvSpPr>
         <p:spPr>
           <a:xfrm>
-            <a:off x="3932129" y="1166231"/>
+            <a:off x="4308885" y="1460525"/>
             <a:ext cx="1923209" cy="307777"/>
           </a:xfrm>
           <a:prstGeom prst="rect">
@@ -3640,7 +3640,7 @@
         </p:nvSpPr>
         <p:spPr>
           <a:xfrm>
-            <a:off x="7992534" y="950787"/>
+            <a:off x="7992534" y="1204790"/>
             <a:ext cx="668866" cy="369332"/>
           </a:xfrm>
           <a:prstGeom prst="rect">
@@ -3684,7 +3684,7 @@
         </p:nvCxnSpPr>
         <p:spPr>
           <a:xfrm flipH="1">
-            <a:off x="6155267" y="1320119"/>
+            <a:off x="6155267" y="1574122"/>
             <a:ext cx="2171700" cy="517148"/>
           </a:xfrm>
           <a:prstGeom prst="straightConnector1">
@@ -3723,7 +3723,7 @@
         </p:nvSpPr>
         <p:spPr>
           <a:xfrm>
-            <a:off x="6459429" y="1166231"/>
+            <a:off x="6248400" y="1512971"/>
             <a:ext cx="1684867" cy="307777"/>
           </a:xfrm>
           <a:prstGeom prst="rect">
@@ -3765,7 +3765,7 @@
         </p:nvSpPr>
         <p:spPr>
           <a:xfrm>
-            <a:off x="7861300" y="2306004"/>
+            <a:off x="7861300" y="2560007"/>
             <a:ext cx="931333" cy="369332"/>
           </a:xfrm>
           <a:prstGeom prst="rect">
@@ -3810,7 +3810,7 @@
         </p:nvCxnSpPr>
         <p:spPr>
           <a:xfrm>
-            <a:off x="8326967" y="1320119"/>
+            <a:off x="8326967" y="1574122"/>
             <a:ext cx="0" cy="985885"/>
           </a:xfrm>
           <a:prstGeom prst="straightConnector1">
@@ -3849,7 +3849,7 @@
         </p:nvSpPr>
         <p:spPr>
           <a:xfrm>
-            <a:off x="8326966" y="1498726"/>
+            <a:off x="8326966" y="1752729"/>
             <a:ext cx="1684867" cy="523220"/>
           </a:xfrm>
           <a:prstGeom prst="rect">
@@ -3900,7 +3900,7 @@
         </p:nvGrpSpPr>
         <p:grpSpPr>
           <a:xfrm>
-            <a:off x="10371805" y="1507144"/>
+            <a:off x="10371805" y="1761147"/>
             <a:ext cx="931333" cy="1172926"/>
             <a:chOff x="10371805" y="1507144"/>
             <a:chExt cx="931333" cy="1172926"/>
@@ -3996,7 +3996,7 @@
         </p:nvCxnSpPr>
         <p:spPr>
           <a:xfrm>
-            <a:off x="8792633" y="2490670"/>
+            <a:off x="8792633" y="2744673"/>
             <a:ext cx="1579172" cy="4734"/>
           </a:xfrm>
           <a:prstGeom prst="straightConnector1">
@@ -4035,7 +4035,7 @@
         </p:nvSpPr>
         <p:spPr>
           <a:xfrm>
-            <a:off x="9093480" y="2229675"/>
+            <a:off x="9093480" y="2483678"/>
             <a:ext cx="812660" cy="307777"/>
           </a:xfrm>
           <a:prstGeom prst="rect">
@@ -4077,7 +4077,7 @@
         </p:nvGrpSpPr>
         <p:grpSpPr>
           <a:xfrm>
-            <a:off x="5692733" y="4018167"/>
+            <a:off x="5692733" y="4272170"/>
             <a:ext cx="1159934" cy="1519714"/>
             <a:chOff x="4584699" y="3595200"/>
             <a:chExt cx="1159934" cy="1519714"/>
@@ -4184,7 +4184,7 @@
         </p:nvCxnSpPr>
         <p:spPr>
           <a:xfrm>
-            <a:off x="5807034" y="2490670"/>
+            <a:off x="5807034" y="2744673"/>
             <a:ext cx="465667" cy="1527497"/>
           </a:xfrm>
           <a:prstGeom prst="straightConnector1">
@@ -4223,7 +4223,7 @@
         </p:nvSpPr>
         <p:spPr>
           <a:xfrm>
-            <a:off x="9769162" y="4483246"/>
+            <a:off x="9769162" y="4737249"/>
             <a:ext cx="1964107" cy="1200329"/>
           </a:xfrm>
           <a:prstGeom prst="rect">
@@ -4297,7 +4297,7 @@
         </p:nvSpPr>
         <p:spPr>
           <a:xfrm>
-            <a:off x="5379613" y="3179578"/>
+            <a:off x="5413099" y="3535514"/>
             <a:ext cx="1773600" cy="307777"/>
           </a:xfrm>
           <a:prstGeom prst="rect">
@@ -4339,7 +4339,7 @@
         </p:nvSpPr>
         <p:spPr>
           <a:xfrm>
-            <a:off x="5630800" y="6140279"/>
+            <a:off x="5630800" y="6394282"/>
             <a:ext cx="1283800" cy="369332"/>
           </a:xfrm>
           <a:prstGeom prst="rect">
@@ -4385,7 +4385,7 @@
         </p:nvCxnSpPr>
         <p:spPr>
           <a:xfrm>
-            <a:off x="6272700" y="5537881"/>
+            <a:off x="6272700" y="5791884"/>
             <a:ext cx="0" cy="602398"/>
           </a:xfrm>
           <a:prstGeom prst="straightConnector1">
@@ -4424,7 +4424,7 @@
         </p:nvSpPr>
         <p:spPr>
           <a:xfrm>
-            <a:off x="6234545" y="5663225"/>
+            <a:off x="5676052" y="5891229"/>
             <a:ext cx="2180484" cy="307777"/>
           </a:xfrm>
           <a:prstGeom prst="rect">
@@ -4466,7 +4466,7 @@
         </p:nvSpPr>
         <p:spPr>
           <a:xfrm>
-            <a:off x="7606258" y="4070997"/>
+            <a:off x="7606258" y="4325000"/>
             <a:ext cx="1701331" cy="2585323"/>
           </a:xfrm>
           <a:prstGeom prst="rect">
@@ -4609,13 +4609,14 @@
           </p:cNvPr>
           <p:cNvCxnSpPr>
             <a:cxnSpLocks/>
+            <a:stCxn id="15" idx="3"/>
           </p:cNvCxnSpPr>
           <p:nvPr/>
         </p:nvCxnSpPr>
         <p:spPr>
           <a:xfrm>
-            <a:off x="5964933" y="2229675"/>
-            <a:ext cx="2450096" cy="1851258"/>
+            <a:off x="6060432" y="2560007"/>
+            <a:ext cx="2354597" cy="1774929"/>
           </a:xfrm>
           <a:prstGeom prst="straightConnector1">
             <a:avLst/>
@@ -4653,7 +4654,7 @@
         </p:nvSpPr>
         <p:spPr>
           <a:xfrm>
-            <a:off x="6970911" y="3205616"/>
+            <a:off x="6919490" y="3422774"/>
             <a:ext cx="1221865" cy="307777"/>
           </a:xfrm>
           <a:prstGeom prst="rect">
@@ -4695,7 +4696,7 @@
         </p:nvSpPr>
         <p:spPr>
           <a:xfrm>
-            <a:off x="4277650" y="5341362"/>
+            <a:off x="4277650" y="5595365"/>
             <a:ext cx="1159934" cy="369332"/>
           </a:xfrm>
           <a:prstGeom prst="rect">
@@ -4738,7 +4739,7 @@
         </p:nvSpPr>
         <p:spPr>
           <a:xfrm>
-            <a:off x="2357431" y="3580821"/>
+            <a:off x="2357431" y="3834824"/>
             <a:ext cx="1159934" cy="646331"/>
           </a:xfrm>
           <a:prstGeom prst="rect">
@@ -4791,7 +4792,7 @@
         </p:nvSpPr>
         <p:spPr>
           <a:xfrm>
-            <a:off x="223528" y="3015621"/>
+            <a:off x="223528" y="3269624"/>
             <a:ext cx="1159934" cy="646331"/>
           </a:xfrm>
           <a:prstGeom prst="rect">
@@ -4844,7 +4845,7 @@
         </p:nvSpPr>
         <p:spPr>
           <a:xfrm>
-            <a:off x="2745908" y="5691768"/>
+            <a:off x="2745908" y="5945771"/>
             <a:ext cx="1290597" cy="369332"/>
           </a:xfrm>
           <a:prstGeom prst="rect">
@@ -4890,7 +4891,7 @@
         </p:nvCxnSpPr>
         <p:spPr>
           <a:xfrm flipH="1">
-            <a:off x="4857617" y="2537452"/>
+            <a:off x="4857617" y="2791455"/>
             <a:ext cx="713450" cy="2803910"/>
           </a:xfrm>
           <a:prstGeom prst="straightConnector1">
@@ -4929,7 +4930,7 @@
         </p:nvSpPr>
         <p:spPr>
           <a:xfrm>
-            <a:off x="4578550" y="3606013"/>
+            <a:off x="4645565" y="3843685"/>
             <a:ext cx="1414867" cy="738664"/>
           </a:xfrm>
           <a:prstGeom prst="rect">
@@ -4985,14 +4986,13 @@
             </a:extLst>
           </p:cNvPr>
           <p:cNvCxnSpPr>
-            <a:stCxn id="15" idx="1"/>
-            <a:endCxn id="64" idx="0"/>
+            <a:cxnSpLocks/>
           </p:cNvCxnSpPr>
           <p:nvPr/>
         </p:nvCxnSpPr>
         <p:spPr>
           <a:xfrm flipH="1">
-            <a:off x="2937398" y="2306004"/>
+            <a:off x="2937398" y="2552427"/>
             <a:ext cx="2316500" cy="1274817"/>
           </a:xfrm>
           <a:prstGeom prst="straightConnector1">
@@ -5031,7 +5031,7 @@
         </p:nvSpPr>
         <p:spPr>
           <a:xfrm>
-            <a:off x="2925541" y="2819803"/>
+            <a:off x="3015491" y="3250869"/>
             <a:ext cx="1414867" cy="307777"/>
           </a:xfrm>
           <a:prstGeom prst="rect">
@@ -5076,8 +5076,8 @@
         </p:nvCxnSpPr>
         <p:spPr>
           <a:xfrm flipH="1">
-            <a:off x="3391207" y="2490670"/>
-            <a:ext cx="1980870" cy="3201098"/>
+            <a:off x="3391207" y="2767848"/>
+            <a:ext cx="1998948" cy="3177923"/>
           </a:xfrm>
           <a:prstGeom prst="straightConnector1">
             <a:avLst/>
@@ -5115,7 +5115,7 @@
         </p:nvSpPr>
         <p:spPr>
           <a:xfrm>
-            <a:off x="3130611" y="4655546"/>
+            <a:off x="3190506" y="4932387"/>
             <a:ext cx="1576082" cy="738664"/>
           </a:xfrm>
           <a:prstGeom prst="rect">
@@ -5177,7 +5177,7 @@
         </p:nvCxnSpPr>
         <p:spPr>
           <a:xfrm flipH="1">
-            <a:off x="803495" y="2021946"/>
+            <a:off x="803495" y="2275949"/>
             <a:ext cx="4423444" cy="993675"/>
           </a:xfrm>
           <a:prstGeom prst="straightConnector1">
@@ -5216,7 +5216,7 @@
         </p:nvSpPr>
         <p:spPr>
           <a:xfrm>
-            <a:off x="2349341" y="2184109"/>
+            <a:off x="2349341" y="2438112"/>
             <a:ext cx="1414867" cy="307777"/>
           </a:xfrm>
           <a:prstGeom prst="rect">
@@ -5258,7 +5258,7 @@
         </p:nvSpPr>
         <p:spPr>
           <a:xfrm>
-            <a:off x="1131448" y="3429000"/>
+            <a:off x="1131448" y="3683003"/>
             <a:ext cx="1159934" cy="369332"/>
           </a:xfrm>
           <a:prstGeom prst="rect">
@@ -5303,7 +5303,7 @@
         </p:nvCxnSpPr>
         <p:spPr>
           <a:xfrm flipH="1">
-            <a:off x="1711415" y="2143828"/>
+            <a:off x="1711415" y="2397831"/>
             <a:ext cx="3531007" cy="1285172"/>
           </a:xfrm>
           <a:prstGeom prst="straightConnector1">
@@ -5342,7 +5342,7 @@
         </p:nvSpPr>
         <p:spPr>
           <a:xfrm>
-            <a:off x="2523064" y="2583002"/>
+            <a:off x="2523396" y="2882151"/>
             <a:ext cx="1414867" cy="307777"/>
           </a:xfrm>
           <a:prstGeom prst="rect">
@@ -5370,8 +5370,8 @@
           </a:p>
         </p:txBody>
       </p:sp>
-      <mc:AlternateContent xmlns:mc="http://schemas.openxmlformats.org/markup-compatibility/2006" xmlns:a14="http://schemas.microsoft.com/office/drawing/2010/main">
-        <mc:Choice Requires="a14">
+      <mc:AlternateContent xmlns:mc="http://schemas.openxmlformats.org/markup-compatibility/2006">
+        <mc:Choice xmlns:a14="http://schemas.microsoft.com/office/drawing/2010/main" Requires="a14">
           <p:sp>
             <p:nvSpPr>
               <p:cNvPr id="94" name="文本框 93">
@@ -5386,7 +5386,7 @@
             </p:nvSpPr>
             <p:spPr>
               <a:xfrm>
-                <a:off x="933355" y="4520107"/>
+                <a:off x="933355" y="4774110"/>
                 <a:ext cx="1556119" cy="369332"/>
               </a:xfrm>
               <a:prstGeom prst="rect">
@@ -5448,7 +5448,7 @@
             </p:txBody>
           </p:sp>
         </mc:Choice>
-        <mc:Fallback xmlns="">
+        <mc:Fallback>
           <p:sp>
             <p:nvSpPr>
               <p:cNvPr id="94" name="文本框 93">
@@ -5465,7 +5465,7 @@
             </p:nvSpPr>
             <p:spPr>
               <a:xfrm>
-                <a:off x="933355" y="4520107"/>
+                <a:off x="933355" y="4774110"/>
                 <a:ext cx="1556119" cy="369332"/>
               </a:xfrm>
               <a:prstGeom prst="rect">
@@ -5510,7 +5510,7 @@
         </p:nvCxnSpPr>
         <p:spPr>
           <a:xfrm>
-            <a:off x="1711415" y="3798332"/>
+            <a:off x="1711415" y="4052335"/>
             <a:ext cx="0" cy="721775"/>
           </a:xfrm>
           <a:prstGeom prst="straightConnector1">
@@ -5549,7 +5549,7 @@
         </p:nvSpPr>
         <p:spPr>
           <a:xfrm>
-            <a:off x="771839" y="3978438"/>
+            <a:off x="778959" y="4202920"/>
             <a:ext cx="1892998" cy="307777"/>
           </a:xfrm>
           <a:prstGeom prst="rect">
@@ -5591,7 +5591,7 @@
         </p:nvSpPr>
         <p:spPr>
           <a:xfrm>
-            <a:off x="1470974" y="5507102"/>
+            <a:off x="1470974" y="5761105"/>
             <a:ext cx="1477404" cy="369332"/>
           </a:xfrm>
           <a:prstGeom prst="rect">
@@ -5637,7 +5637,7 @@
         </p:nvCxnSpPr>
         <p:spPr>
           <a:xfrm flipH="1">
-            <a:off x="2209676" y="2449255"/>
+            <a:off x="2209676" y="2703258"/>
             <a:ext cx="3087986" cy="3057847"/>
           </a:xfrm>
           <a:prstGeom prst="straightConnector1">
@@ -5676,7 +5676,7 @@
         </p:nvSpPr>
         <p:spPr>
           <a:xfrm>
-            <a:off x="2866201" y="4190612"/>
+            <a:off x="2884226" y="4450582"/>
             <a:ext cx="1576082" cy="523220"/>
           </a:xfrm>
           <a:prstGeom prst="rect">
@@ -5729,7 +5729,7 @@
         </p:nvCxnSpPr>
         <p:spPr>
           <a:xfrm>
-            <a:off x="5981124" y="2060398"/>
+            <a:off x="5981124" y="2314401"/>
             <a:ext cx="4390681" cy="2306933"/>
           </a:xfrm>
           <a:prstGeom prst="straightConnector1">
@@ -5768,7 +5768,7 @@
         </p:nvSpPr>
         <p:spPr>
           <a:xfrm>
-            <a:off x="8378785" y="3480288"/>
+            <a:off x="8444681" y="3763839"/>
             <a:ext cx="1964107" cy="307777"/>
           </a:xfrm>
           <a:prstGeom prst="rect">
@@ -5818,7 +5818,7 @@
         </p:blipFill>
         <p:spPr>
           <a:xfrm>
-            <a:off x="10280887" y="4144671"/>
+            <a:off x="10280887" y="4398674"/>
             <a:ext cx="931332" cy="891581"/>
           </a:xfrm>
           <a:prstGeom prst="rect">
@@ -5868,36 +5868,6 @@
           </a:p>
         </p:txBody>
       </p:sp>
-      <p:pic>
-        <p:nvPicPr>
-          <p:cNvPr id="17" name="图片 16">
-            <a:extLst>
-              <a:ext uri="{FF2B5EF4-FFF2-40B4-BE49-F238E27FC236}">
-                <a16:creationId xmlns:a16="http://schemas.microsoft.com/office/drawing/2014/main" id="{38BFA2DB-DC3D-401A-9E52-5D6D67B6C9E7}"/>
-              </a:ext>
-            </a:extLst>
-          </p:cNvPr>
-          <p:cNvPicPr>
-            <a:picLocks noChangeAspect="1"/>
-          </p:cNvPicPr>
-          <p:nvPr/>
-        </p:nvPicPr>
-        <p:blipFill>
-          <a:blip r:embed="rId7"/>
-          <a:stretch>
-            <a:fillRect/>
-          </a:stretch>
-        </p:blipFill>
-        <p:spPr>
-          <a:xfrm>
-            <a:off x="3056774" y="120237"/>
-            <a:ext cx="802660" cy="710368"/>
-          </a:xfrm>
-          <a:prstGeom prst="rect">
-            <a:avLst/>
-          </a:prstGeom>
-        </p:spPr>
-      </p:pic>
       <p:cxnSp>
         <p:nvCxnSpPr>
           <p:cNvPr id="22" name="直接箭头连接符 21">
@@ -5916,8 +5886,8 @@
         </p:nvCxnSpPr>
         <p:spPr>
           <a:xfrm flipH="1">
-            <a:off x="1823133" y="1166231"/>
-            <a:ext cx="4074" cy="535046"/>
+            <a:off x="2686061" y="1395031"/>
+            <a:ext cx="1360" cy="575683"/>
           </a:xfrm>
           <a:prstGeom prst="straightConnector1">
             <a:avLst/>
@@ -5955,7 +5925,7 @@
         </p:nvSpPr>
         <p:spPr>
           <a:xfrm>
-            <a:off x="1277971" y="1701277"/>
+            <a:off x="2140899" y="1970714"/>
             <a:ext cx="1090323" cy="369331"/>
           </a:xfrm>
           <a:prstGeom prst="rect">
@@ -5997,7 +5967,7 @@
         </p:nvSpPr>
         <p:spPr>
           <a:xfrm>
-            <a:off x="1308171" y="1253012"/>
+            <a:off x="2163214" y="1523979"/>
             <a:ext cx="1157755" cy="307777"/>
           </a:xfrm>
           <a:prstGeom prst="rect">
@@ -6039,8 +6009,8 @@
         </p:nvSpPr>
         <p:spPr>
           <a:xfrm>
-            <a:off x="1491412" y="280387"/>
-            <a:ext cx="1384434" cy="369332"/>
+            <a:off x="3549008" y="-84670"/>
+            <a:ext cx="4516051" cy="923330"/>
           </a:xfrm>
           <a:prstGeom prst="rect">
             <a:avLst/>
@@ -6053,42 +6023,219 @@
           </a:bodyPr>
           <a:lstStyle/>
           <a:p>
+            <a:pPr algn="ctr"/>
             <a:r>
               <a:rPr lang="en-US" altLang="zh-CN" b="1" dirty="0">
                 <a:latin typeface="Times New Roman" panose="02020603050405020304" pitchFamily="18" charset="0"/>
                 <a:cs typeface="Times New Roman" panose="02020603050405020304" pitchFamily="18" charset="0"/>
               </a:rPr>
-              <a:t>context2vec</a:t>
-            </a:r>
-            <a:endParaRPr lang="zh-CN" altLang="en-US" b="1" dirty="0">
-              <a:latin typeface="Times New Roman" panose="02020603050405020304" pitchFamily="18" charset="0"/>
-              <a:cs typeface="Times New Roman" panose="02020603050405020304" pitchFamily="18" charset="0"/>
-            </a:endParaRPr>
+              <a:t>Semi-supervised Sequence Learning</a:t>
+            </a:r>
+          </a:p>
+          <a:p>
+            <a:pPr algn="ctr"/>
+            <a:r>
+              <a:rPr lang="en-US" altLang="zh-CN" b="1" dirty="0">
+                <a:latin typeface="Times New Roman" panose="02020603050405020304" pitchFamily="18" charset="0"/>
+                <a:cs typeface="Times New Roman" panose="02020603050405020304" pitchFamily="18" charset="0"/>
+              </a:rPr>
+              <a:t>context2Vec</a:t>
+            </a:r>
+          </a:p>
+          <a:p>
+            <a:pPr algn="ctr"/>
+            <a:r>
+              <a:rPr lang="en-US" altLang="zh-CN" b="1" dirty="0">
+                <a:latin typeface="Times New Roman" panose="02020603050405020304" pitchFamily="18" charset="0"/>
+                <a:cs typeface="Times New Roman" panose="02020603050405020304" pitchFamily="18" charset="0"/>
+              </a:rPr>
+              <a:t>Pre-trained seq2seq</a:t>
+            </a:r>
           </a:p>
         </p:txBody>
       </p:sp>
       <p:cxnSp>
         <p:nvCxnSpPr>
-          <p:cNvPr id="77" name="直接连接符 8">
-            <a:extLst>
-              <a:ext uri="{FF2B5EF4-FFF2-40B4-BE49-F238E27FC236}">
-                <a16:creationId xmlns:a16="http://schemas.microsoft.com/office/drawing/2014/main" id="{018221F8-E3AA-8B40-9028-4F219665B6B2}"/>
+          <p:cNvPr id="4" name="直接箭头连接符 3">
+            <a:extLst>
+              <a:ext uri="{FF2B5EF4-FFF2-40B4-BE49-F238E27FC236}">
+                <a16:creationId xmlns:a16="http://schemas.microsoft.com/office/drawing/2014/main" id="{9E0241A7-AA7E-4800-A73A-FFE8A645891E}"/>
               </a:ext>
             </a:extLst>
           </p:cNvPr>
           <p:cNvCxnSpPr>
-            <a:cxnSpLocks/>
+            <a:stCxn id="73" idx="2"/>
+            <a:endCxn id="6" idx="0"/>
           </p:cNvCxnSpPr>
           <p:nvPr/>
         </p:nvCxnSpPr>
         <p:spPr>
-          <a:xfrm>
-            <a:off x="2291382" y="695885"/>
-            <a:ext cx="419284" cy="275728"/>
-          </a:xfrm>
-          <a:prstGeom prst="line">
+          <a:xfrm flipH="1">
+            <a:off x="2687421" y="838660"/>
+            <a:ext cx="3119613" cy="187040"/>
+          </a:xfrm>
+          <a:prstGeom prst="straightConnector1">
             <a:avLst/>
           </a:prstGeom>
+          <a:ln>
+            <a:tailEnd type="triangle"/>
+          </a:ln>
+        </p:spPr>
+        <p:style>
+          <a:lnRef idx="3">
+            <a:schemeClr val="accent1"/>
+          </a:lnRef>
+          <a:fillRef idx="0">
+            <a:schemeClr val="accent1"/>
+          </a:fillRef>
+          <a:effectRef idx="2">
+            <a:schemeClr val="accent1"/>
+          </a:effectRef>
+          <a:fontRef idx="minor">
+            <a:schemeClr val="tx1"/>
+          </a:fontRef>
+        </p:style>
+      </p:cxnSp>
+      <p:pic>
+        <p:nvPicPr>
+          <p:cNvPr id="17" name="图片 16">
+            <a:extLst>
+              <a:ext uri="{FF2B5EF4-FFF2-40B4-BE49-F238E27FC236}">
+                <a16:creationId xmlns:a16="http://schemas.microsoft.com/office/drawing/2014/main" id="{38BFA2DB-DC3D-401A-9E52-5D6D67B6C9E7}"/>
+              </a:ext>
+            </a:extLst>
+          </p:cNvPr>
+          <p:cNvPicPr>
+            <a:picLocks noChangeAspect="1"/>
+          </p:cNvPicPr>
+          <p:nvPr/>
+        </p:nvPicPr>
+        <p:blipFill>
+          <a:blip r:embed="rId7"/>
+          <a:stretch>
+            <a:fillRect/>
+          </a:stretch>
+        </p:blipFill>
+        <p:spPr>
+          <a:xfrm>
+            <a:off x="3737443" y="349038"/>
+            <a:ext cx="802660" cy="710368"/>
+          </a:xfrm>
+          <a:prstGeom prst="rect">
+            <a:avLst/>
+          </a:prstGeom>
+        </p:spPr>
+      </p:pic>
+      <p:cxnSp>
+        <p:nvCxnSpPr>
+          <p:cNvPr id="8" name="直接箭头连接符 7">
+            <a:extLst>
+              <a:ext uri="{FF2B5EF4-FFF2-40B4-BE49-F238E27FC236}">
+                <a16:creationId xmlns:a16="http://schemas.microsoft.com/office/drawing/2014/main" id="{D0EBC65C-7CD4-4F04-AFFB-3FF7688CEC3C}"/>
+              </a:ext>
+            </a:extLst>
+          </p:cNvPr>
+          <p:cNvCxnSpPr>
+            <a:cxnSpLocks/>
+            <a:stCxn id="73" idx="2"/>
+          </p:cNvCxnSpPr>
+          <p:nvPr/>
+        </p:nvCxnSpPr>
+        <p:spPr>
+          <a:xfrm flipH="1">
+            <a:off x="4615656" y="838660"/>
+            <a:ext cx="1191378" cy="265146"/>
+          </a:xfrm>
+          <a:prstGeom prst="straightConnector1">
+            <a:avLst/>
+          </a:prstGeom>
+          <a:ln>
+            <a:tailEnd type="triangle"/>
+          </a:ln>
+        </p:spPr>
+        <p:style>
+          <a:lnRef idx="3">
+            <a:schemeClr val="accent1"/>
+          </a:lnRef>
+          <a:fillRef idx="0">
+            <a:schemeClr val="accent1"/>
+          </a:fillRef>
+          <a:effectRef idx="2">
+            <a:schemeClr val="accent1"/>
+          </a:effectRef>
+          <a:fontRef idx="minor">
+            <a:schemeClr val="tx1"/>
+          </a:fontRef>
+        </p:style>
+      </p:cxnSp>
+      <p:cxnSp>
+        <p:nvCxnSpPr>
+          <p:cNvPr id="12" name="直接箭头连接符 11">
+            <a:extLst>
+              <a:ext uri="{FF2B5EF4-FFF2-40B4-BE49-F238E27FC236}">
+                <a16:creationId xmlns:a16="http://schemas.microsoft.com/office/drawing/2014/main" id="{82E6522C-6FFE-4CF8-B1E2-9BBBD34D5C7E}"/>
+              </a:ext>
+            </a:extLst>
+          </p:cNvPr>
+          <p:cNvCxnSpPr>
+            <a:cxnSpLocks/>
+            <a:stCxn id="73" idx="2"/>
+          </p:cNvCxnSpPr>
+          <p:nvPr/>
+        </p:nvCxnSpPr>
+        <p:spPr>
+          <a:xfrm>
+            <a:off x="5807034" y="838660"/>
+            <a:ext cx="0" cy="581573"/>
+          </a:xfrm>
+          <a:prstGeom prst="straightConnector1">
+            <a:avLst/>
+          </a:prstGeom>
+          <a:ln>
+            <a:tailEnd type="triangle"/>
+          </a:ln>
+        </p:spPr>
+        <p:style>
+          <a:lnRef idx="3">
+            <a:schemeClr val="accent1"/>
+          </a:lnRef>
+          <a:fillRef idx="0">
+            <a:schemeClr val="accent1"/>
+          </a:fillRef>
+          <a:effectRef idx="2">
+            <a:schemeClr val="accent1"/>
+          </a:effectRef>
+          <a:fontRef idx="minor">
+            <a:schemeClr val="tx1"/>
+          </a:fontRef>
+        </p:style>
+      </p:cxnSp>
+      <p:cxnSp>
+        <p:nvCxnSpPr>
+          <p:cNvPr id="14" name="直接箭头连接符 13">
+            <a:extLst>
+              <a:ext uri="{FF2B5EF4-FFF2-40B4-BE49-F238E27FC236}">
+                <a16:creationId xmlns:a16="http://schemas.microsoft.com/office/drawing/2014/main" id="{0F199CF8-C814-4F3F-B4C4-DEE0DBA9E243}"/>
+              </a:ext>
+            </a:extLst>
+          </p:cNvPr>
+          <p:cNvCxnSpPr>
+            <a:stCxn id="73" idx="2"/>
+            <a:endCxn id="21" idx="0"/>
+          </p:cNvCxnSpPr>
+          <p:nvPr/>
+        </p:nvCxnSpPr>
+        <p:spPr>
+          <a:xfrm>
+            <a:off x="5807034" y="838660"/>
+            <a:ext cx="2519933" cy="366130"/>
+          </a:xfrm>
+          <a:prstGeom prst="straightConnector1">
+            <a:avLst/>
+          </a:prstGeom>
+          <a:ln>
+            <a:tailEnd type="triangle"/>
+          </a:ln>
         </p:spPr>
         <p:style>
           <a:lnRef idx="3">

--- a/PLMfamily.pptx
+++ b/PLMfamily.pptx
@@ -1,11 +1,11 @@
 
 <file path=ppt/presentation.xml><?xml version="1.0" encoding="utf-8"?>
-<p:presentation xmlns:a="http://schemas.openxmlformats.org/drawingml/2006/main" xmlns:r="http://schemas.openxmlformats.org/officeDocument/2006/relationships" xmlns:p="http://schemas.openxmlformats.org/presentationml/2006/main" saveSubsetFonts="1">
+<p:presentation xmlns:a="http://schemas.openxmlformats.org/drawingml/2006/main" xmlns:r="http://schemas.openxmlformats.org/officeDocument/2006/relationships" xmlns:p="http://schemas.openxmlformats.org/presentationml/2006/main">
   <p:sldMasterIdLst>
     <p:sldMasterId id="2147483648" r:id="rId1"/>
   </p:sldMasterIdLst>
   <p:sldIdLst>
-    <p:sldId id="258" r:id="rId2"/>
+    <p:sldId id="258" r:id="rId3"/>
   </p:sldIdLst>
   <p:sldSz cx="12192000" cy="6858000"/>
   <p:notesSz cx="6858000" cy="9144000"/>
@@ -104,11 +104,6 @@
       </a:defRPr>
     </a:lvl9pPr>
   </p:defaultTextStyle>
-  <p:extLst>
-    <p:ext uri="{EFAFB233-063F-42B5-8137-9DF3F51BA10A}">
-      <p15:sldGuideLst xmlns:p15="http://schemas.microsoft.com/office/powerpoint/2012/main"/>
-    </p:ext>
-  </p:extLst>
 </p:presentation>
 </file>
 
@@ -131,13 +126,7 @@
       </p:grpSpPr>
       <p:sp>
         <p:nvSpPr>
-          <p:cNvPr id="2" name="标题 1">
-            <a:extLst>
-              <a:ext uri="{FF2B5EF4-FFF2-40B4-BE49-F238E27FC236}">
-                <a16:creationId xmlns:a16="http://schemas.microsoft.com/office/drawing/2014/main" id="{B9235666-DDC6-4D9D-BEE8-50594D5854CD}"/>
-              </a:ext>
-            </a:extLst>
-          </p:cNvPr>
+          <p:cNvPr id="2" name="标题 1"/>
           <p:cNvSpPr>
             <a:spLocks noGrp="1"/>
           </p:cNvSpPr>
@@ -163,18 +152,13 @@
               <a:rPr lang="zh-CN" altLang="en-US"/>
               <a:t>单击此处编辑母版标题样式</a:t>
             </a:r>
-          </a:p>
-        </p:txBody>
-      </p:sp>
-      <p:sp>
-        <p:nvSpPr>
-          <p:cNvPr id="3" name="副标题 2">
-            <a:extLst>
-              <a:ext uri="{FF2B5EF4-FFF2-40B4-BE49-F238E27FC236}">
-                <a16:creationId xmlns:a16="http://schemas.microsoft.com/office/drawing/2014/main" id="{4B7E3E70-8805-4851-9E7D-BCDEA251CADC}"/>
-              </a:ext>
-            </a:extLst>
-          </p:cNvPr>
+            <a:endParaRPr lang="zh-CN" altLang="en-US"/>
+          </a:p>
+        </p:txBody>
+      </p:sp>
+      <p:sp>
+        <p:nvSpPr>
+          <p:cNvPr id="3" name="副标题 2"/>
           <p:cNvSpPr>
             <a:spLocks noGrp="1"/>
           </p:cNvSpPr>
@@ -233,18 +217,13 @@
               <a:rPr lang="zh-CN" altLang="en-US"/>
               <a:t>单击此处编辑母版副标题样式</a:t>
             </a:r>
-          </a:p>
-        </p:txBody>
-      </p:sp>
-      <p:sp>
-        <p:nvSpPr>
-          <p:cNvPr id="4" name="日期占位符 3">
-            <a:extLst>
-              <a:ext uri="{FF2B5EF4-FFF2-40B4-BE49-F238E27FC236}">
-                <a16:creationId xmlns:a16="http://schemas.microsoft.com/office/drawing/2014/main" id="{ACECC1A7-49D1-465B-B5FC-DAAC28268347}"/>
-              </a:ext>
-            </a:extLst>
-          </p:cNvPr>
+            <a:endParaRPr lang="zh-CN" altLang="en-US"/>
+          </a:p>
+        </p:txBody>
+      </p:sp>
+      <p:sp>
+        <p:nvSpPr>
+          <p:cNvPr id="4" name="日期占位符 3"/>
           <p:cNvSpPr>
             <a:spLocks noGrp="1"/>
           </p:cNvSpPr>
@@ -259,7 +238,6 @@
           <a:p>
             <a:fld id="{3DD3760A-DE7A-43C9-AD8E-27ED0E105739}" type="datetimeFigureOut">
               <a:rPr lang="zh-CN" altLang="en-US" smtClean="0"/>
-              <a:t>2019/10/9</a:t>
             </a:fld>
             <a:endParaRPr lang="zh-CN" altLang="en-US"/>
           </a:p>
@@ -267,13 +245,7 @@
       </p:sp>
       <p:sp>
         <p:nvSpPr>
-          <p:cNvPr id="5" name="页脚占位符 4">
-            <a:extLst>
-              <a:ext uri="{FF2B5EF4-FFF2-40B4-BE49-F238E27FC236}">
-                <a16:creationId xmlns:a16="http://schemas.microsoft.com/office/drawing/2014/main" id="{FC7728D0-4967-4E2F-94E4-C90733DE4AD3}"/>
-              </a:ext>
-            </a:extLst>
-          </p:cNvPr>
+          <p:cNvPr id="5" name="页脚占位符 4"/>
           <p:cNvSpPr>
             <a:spLocks noGrp="1"/>
           </p:cNvSpPr>
@@ -292,13 +264,7 @@
       </p:sp>
       <p:sp>
         <p:nvSpPr>
-          <p:cNvPr id="6" name="灯片编号占位符 5">
-            <a:extLst>
-              <a:ext uri="{FF2B5EF4-FFF2-40B4-BE49-F238E27FC236}">
-                <a16:creationId xmlns:a16="http://schemas.microsoft.com/office/drawing/2014/main" id="{567B693D-052E-4001-BC3E-35280E14FF75}"/>
-              </a:ext>
-            </a:extLst>
-          </p:cNvPr>
+          <p:cNvPr id="6" name="灯片编号占位符 5"/>
           <p:cNvSpPr>
             <a:spLocks noGrp="1"/>
           </p:cNvSpPr>
@@ -313,18 +279,12 @@
           <a:p>
             <a:fld id="{8276D7B7-C76E-4E68-9D22-2ADD93C30A0E}" type="slidenum">
               <a:rPr lang="zh-CN" altLang="en-US" smtClean="0"/>
-              <a:t>‹#›</a:t>
             </a:fld>
             <a:endParaRPr lang="zh-CN" altLang="en-US"/>
           </a:p>
         </p:txBody>
       </p:sp>
     </p:spTree>
-    <p:extLst>
-      <p:ext uri="{BB962C8B-B14F-4D97-AF65-F5344CB8AC3E}">
-        <p14:creationId xmlns:p14="http://schemas.microsoft.com/office/powerpoint/2010/main" val="3756385718"/>
-      </p:ext>
-    </p:extLst>
   </p:cSld>
   <p:clrMapOvr>
     <a:masterClrMapping/>
@@ -351,13 +311,7 @@
       </p:grpSpPr>
       <p:sp>
         <p:nvSpPr>
-          <p:cNvPr id="2" name="标题 1">
-            <a:extLst>
-              <a:ext uri="{FF2B5EF4-FFF2-40B4-BE49-F238E27FC236}">
-                <a16:creationId xmlns:a16="http://schemas.microsoft.com/office/drawing/2014/main" id="{03F26939-34AC-4CE0-A1E1-0116424B9E98}"/>
-              </a:ext>
-            </a:extLst>
-          </p:cNvPr>
+          <p:cNvPr id="2" name="标题 1"/>
           <p:cNvSpPr>
             <a:spLocks noGrp="1"/>
           </p:cNvSpPr>
@@ -374,18 +328,13 @@
               <a:rPr lang="zh-CN" altLang="en-US"/>
               <a:t>单击此处编辑母版标题样式</a:t>
             </a:r>
-          </a:p>
-        </p:txBody>
-      </p:sp>
-      <p:sp>
-        <p:nvSpPr>
-          <p:cNvPr id="3" name="竖排文字占位符 2">
-            <a:extLst>
-              <a:ext uri="{FF2B5EF4-FFF2-40B4-BE49-F238E27FC236}">
-                <a16:creationId xmlns:a16="http://schemas.microsoft.com/office/drawing/2014/main" id="{AD8E2987-78AE-492E-A5D8-0727F2B5E5EE}"/>
-              </a:ext>
-            </a:extLst>
-          </p:cNvPr>
+            <a:endParaRPr lang="zh-CN" altLang="en-US"/>
+          </a:p>
+        </p:txBody>
+      </p:sp>
+      <p:sp>
+        <p:nvSpPr>
+          <p:cNvPr id="3" name="竖排文字占位符 2"/>
           <p:cNvSpPr>
             <a:spLocks noGrp="1"/>
           </p:cNvSpPr>
@@ -403,6 +352,7 @@
               <a:rPr lang="zh-CN" altLang="en-US"/>
               <a:t>单击此处编辑母版文本样式</a:t>
             </a:r>
+            <a:endParaRPr lang="zh-CN" altLang="en-US"/>
           </a:p>
           <a:p>
             <a:pPr lvl="1"/>
@@ -410,6 +360,7 @@
               <a:rPr lang="zh-CN" altLang="en-US"/>
               <a:t>二级</a:t>
             </a:r>
+            <a:endParaRPr lang="zh-CN" altLang="en-US"/>
           </a:p>
           <a:p>
             <a:pPr lvl="2"/>
@@ -417,6 +368,7 @@
               <a:rPr lang="zh-CN" altLang="en-US"/>
               <a:t>三级</a:t>
             </a:r>
+            <a:endParaRPr lang="zh-CN" altLang="en-US"/>
           </a:p>
           <a:p>
             <a:pPr lvl="3"/>
@@ -424,6 +376,7 @@
               <a:rPr lang="zh-CN" altLang="en-US"/>
               <a:t>四级</a:t>
             </a:r>
+            <a:endParaRPr lang="zh-CN" altLang="en-US"/>
           </a:p>
           <a:p>
             <a:pPr lvl="4"/>
@@ -431,18 +384,13 @@
               <a:rPr lang="zh-CN" altLang="en-US"/>
               <a:t>五级</a:t>
             </a:r>
-          </a:p>
-        </p:txBody>
-      </p:sp>
-      <p:sp>
-        <p:nvSpPr>
-          <p:cNvPr id="4" name="日期占位符 3">
-            <a:extLst>
-              <a:ext uri="{FF2B5EF4-FFF2-40B4-BE49-F238E27FC236}">
-                <a16:creationId xmlns:a16="http://schemas.microsoft.com/office/drawing/2014/main" id="{FE2EEED9-121C-4284-94B6-708F03D53A06}"/>
-              </a:ext>
-            </a:extLst>
-          </p:cNvPr>
+            <a:endParaRPr lang="zh-CN" altLang="en-US"/>
+          </a:p>
+        </p:txBody>
+      </p:sp>
+      <p:sp>
+        <p:nvSpPr>
+          <p:cNvPr id="4" name="日期占位符 3"/>
           <p:cNvSpPr>
             <a:spLocks noGrp="1"/>
           </p:cNvSpPr>
@@ -457,7 +405,6 @@
           <a:p>
             <a:fld id="{3DD3760A-DE7A-43C9-AD8E-27ED0E105739}" type="datetimeFigureOut">
               <a:rPr lang="zh-CN" altLang="en-US" smtClean="0"/>
-              <a:t>2019/10/9</a:t>
             </a:fld>
             <a:endParaRPr lang="zh-CN" altLang="en-US"/>
           </a:p>
@@ -465,13 +412,7 @@
       </p:sp>
       <p:sp>
         <p:nvSpPr>
-          <p:cNvPr id="5" name="页脚占位符 4">
-            <a:extLst>
-              <a:ext uri="{FF2B5EF4-FFF2-40B4-BE49-F238E27FC236}">
-                <a16:creationId xmlns:a16="http://schemas.microsoft.com/office/drawing/2014/main" id="{6CDA056C-B4D9-47AA-9E13-F91FBC2571E4}"/>
-              </a:ext>
-            </a:extLst>
-          </p:cNvPr>
+          <p:cNvPr id="5" name="页脚占位符 4"/>
           <p:cNvSpPr>
             <a:spLocks noGrp="1"/>
           </p:cNvSpPr>
@@ -490,13 +431,7 @@
       </p:sp>
       <p:sp>
         <p:nvSpPr>
-          <p:cNvPr id="6" name="灯片编号占位符 5">
-            <a:extLst>
-              <a:ext uri="{FF2B5EF4-FFF2-40B4-BE49-F238E27FC236}">
-                <a16:creationId xmlns:a16="http://schemas.microsoft.com/office/drawing/2014/main" id="{38098224-99F1-4EA4-9B4C-0E0397CC2A8E}"/>
-              </a:ext>
-            </a:extLst>
-          </p:cNvPr>
+          <p:cNvPr id="6" name="灯片编号占位符 5"/>
           <p:cNvSpPr>
             <a:spLocks noGrp="1"/>
           </p:cNvSpPr>
@@ -511,18 +446,12 @@
           <a:p>
             <a:fld id="{8276D7B7-C76E-4E68-9D22-2ADD93C30A0E}" type="slidenum">
               <a:rPr lang="zh-CN" altLang="en-US" smtClean="0"/>
-              <a:t>‹#›</a:t>
             </a:fld>
             <a:endParaRPr lang="zh-CN" altLang="en-US"/>
           </a:p>
         </p:txBody>
       </p:sp>
     </p:spTree>
-    <p:extLst>
-      <p:ext uri="{BB962C8B-B14F-4D97-AF65-F5344CB8AC3E}">
-        <p14:creationId xmlns:p14="http://schemas.microsoft.com/office/powerpoint/2010/main" val="26306032"/>
-      </p:ext>
-    </p:extLst>
   </p:cSld>
   <p:clrMapOvr>
     <a:masterClrMapping/>
@@ -549,13 +478,7 @@
       </p:grpSpPr>
       <p:sp>
         <p:nvSpPr>
-          <p:cNvPr id="2" name="竖排标题 1">
-            <a:extLst>
-              <a:ext uri="{FF2B5EF4-FFF2-40B4-BE49-F238E27FC236}">
-                <a16:creationId xmlns:a16="http://schemas.microsoft.com/office/drawing/2014/main" id="{8926AD76-BEE6-4896-9ECA-FA75C276693A}"/>
-              </a:ext>
-            </a:extLst>
-          </p:cNvPr>
+          <p:cNvPr id="2" name="竖排标题 1"/>
           <p:cNvSpPr>
             <a:spLocks noGrp="1"/>
           </p:cNvSpPr>
@@ -577,18 +500,13 @@
               <a:rPr lang="zh-CN" altLang="en-US"/>
               <a:t>单击此处编辑母版标题样式</a:t>
             </a:r>
-          </a:p>
-        </p:txBody>
-      </p:sp>
-      <p:sp>
-        <p:nvSpPr>
-          <p:cNvPr id="3" name="竖排文字占位符 2">
-            <a:extLst>
-              <a:ext uri="{FF2B5EF4-FFF2-40B4-BE49-F238E27FC236}">
-                <a16:creationId xmlns:a16="http://schemas.microsoft.com/office/drawing/2014/main" id="{BDC3B308-1C62-40BB-BCCA-851B7A1953CE}"/>
-              </a:ext>
-            </a:extLst>
-          </p:cNvPr>
+            <a:endParaRPr lang="zh-CN" altLang="en-US"/>
+          </a:p>
+        </p:txBody>
+      </p:sp>
+      <p:sp>
+        <p:nvSpPr>
+          <p:cNvPr id="3" name="竖排文字占位符 2"/>
           <p:cNvSpPr>
             <a:spLocks noGrp="1"/>
           </p:cNvSpPr>
@@ -611,6 +529,7 @@
               <a:rPr lang="zh-CN" altLang="en-US"/>
               <a:t>单击此处编辑母版文本样式</a:t>
             </a:r>
+            <a:endParaRPr lang="zh-CN" altLang="en-US"/>
           </a:p>
           <a:p>
             <a:pPr lvl="1"/>
@@ -618,6 +537,7 @@
               <a:rPr lang="zh-CN" altLang="en-US"/>
               <a:t>二级</a:t>
             </a:r>
+            <a:endParaRPr lang="zh-CN" altLang="en-US"/>
           </a:p>
           <a:p>
             <a:pPr lvl="2"/>
@@ -625,6 +545,7 @@
               <a:rPr lang="zh-CN" altLang="en-US"/>
               <a:t>三级</a:t>
             </a:r>
+            <a:endParaRPr lang="zh-CN" altLang="en-US"/>
           </a:p>
           <a:p>
             <a:pPr lvl="3"/>
@@ -632,6 +553,7 @@
               <a:rPr lang="zh-CN" altLang="en-US"/>
               <a:t>四级</a:t>
             </a:r>
+            <a:endParaRPr lang="zh-CN" altLang="en-US"/>
           </a:p>
           <a:p>
             <a:pPr lvl="4"/>
@@ -639,18 +561,13 @@
               <a:rPr lang="zh-CN" altLang="en-US"/>
               <a:t>五级</a:t>
             </a:r>
-          </a:p>
-        </p:txBody>
-      </p:sp>
-      <p:sp>
-        <p:nvSpPr>
-          <p:cNvPr id="4" name="日期占位符 3">
-            <a:extLst>
-              <a:ext uri="{FF2B5EF4-FFF2-40B4-BE49-F238E27FC236}">
-                <a16:creationId xmlns:a16="http://schemas.microsoft.com/office/drawing/2014/main" id="{7AD9A919-5E2A-4287-90A9-1828C90EFB6D}"/>
-              </a:ext>
-            </a:extLst>
-          </p:cNvPr>
+            <a:endParaRPr lang="zh-CN" altLang="en-US"/>
+          </a:p>
+        </p:txBody>
+      </p:sp>
+      <p:sp>
+        <p:nvSpPr>
+          <p:cNvPr id="4" name="日期占位符 3"/>
           <p:cNvSpPr>
             <a:spLocks noGrp="1"/>
           </p:cNvSpPr>
@@ -665,7 +582,6 @@
           <a:p>
             <a:fld id="{3DD3760A-DE7A-43C9-AD8E-27ED0E105739}" type="datetimeFigureOut">
               <a:rPr lang="zh-CN" altLang="en-US" smtClean="0"/>
-              <a:t>2019/10/9</a:t>
             </a:fld>
             <a:endParaRPr lang="zh-CN" altLang="en-US"/>
           </a:p>
@@ -673,13 +589,7 @@
       </p:sp>
       <p:sp>
         <p:nvSpPr>
-          <p:cNvPr id="5" name="页脚占位符 4">
-            <a:extLst>
-              <a:ext uri="{FF2B5EF4-FFF2-40B4-BE49-F238E27FC236}">
-                <a16:creationId xmlns:a16="http://schemas.microsoft.com/office/drawing/2014/main" id="{5A1C368A-E9BD-496F-806E-1E6364DD906B}"/>
-              </a:ext>
-            </a:extLst>
-          </p:cNvPr>
+          <p:cNvPr id="5" name="页脚占位符 4"/>
           <p:cNvSpPr>
             <a:spLocks noGrp="1"/>
           </p:cNvSpPr>
@@ -698,13 +608,7 @@
       </p:sp>
       <p:sp>
         <p:nvSpPr>
-          <p:cNvPr id="6" name="灯片编号占位符 5">
-            <a:extLst>
-              <a:ext uri="{FF2B5EF4-FFF2-40B4-BE49-F238E27FC236}">
-                <a16:creationId xmlns:a16="http://schemas.microsoft.com/office/drawing/2014/main" id="{33BEE179-F566-4CED-9CFC-E3955613FAED}"/>
-              </a:ext>
-            </a:extLst>
-          </p:cNvPr>
+          <p:cNvPr id="6" name="灯片编号占位符 5"/>
           <p:cNvSpPr>
             <a:spLocks noGrp="1"/>
           </p:cNvSpPr>
@@ -719,18 +623,12 @@
           <a:p>
             <a:fld id="{8276D7B7-C76E-4E68-9D22-2ADD93C30A0E}" type="slidenum">
               <a:rPr lang="zh-CN" altLang="en-US" smtClean="0"/>
-              <a:t>‹#›</a:t>
             </a:fld>
             <a:endParaRPr lang="zh-CN" altLang="en-US"/>
           </a:p>
         </p:txBody>
       </p:sp>
     </p:spTree>
-    <p:extLst>
-      <p:ext uri="{BB962C8B-B14F-4D97-AF65-F5344CB8AC3E}">
-        <p14:creationId xmlns:p14="http://schemas.microsoft.com/office/powerpoint/2010/main" val="2083573969"/>
-      </p:ext>
-    </p:extLst>
   </p:cSld>
   <p:clrMapOvr>
     <a:masterClrMapping/>
@@ -757,13 +655,7 @@
       </p:grpSpPr>
       <p:sp>
         <p:nvSpPr>
-          <p:cNvPr id="2" name="标题 1">
-            <a:extLst>
-              <a:ext uri="{FF2B5EF4-FFF2-40B4-BE49-F238E27FC236}">
-                <a16:creationId xmlns:a16="http://schemas.microsoft.com/office/drawing/2014/main" id="{0346A7D0-8D0C-4249-8C65-4BCCF65C3FB2}"/>
-              </a:ext>
-            </a:extLst>
-          </p:cNvPr>
+          <p:cNvPr id="2" name="标题 1"/>
           <p:cNvSpPr>
             <a:spLocks noGrp="1"/>
           </p:cNvSpPr>
@@ -780,18 +672,13 @@
               <a:rPr lang="zh-CN" altLang="en-US"/>
               <a:t>单击此处编辑母版标题样式</a:t>
             </a:r>
-          </a:p>
-        </p:txBody>
-      </p:sp>
-      <p:sp>
-        <p:nvSpPr>
-          <p:cNvPr id="3" name="内容占位符 2">
-            <a:extLst>
-              <a:ext uri="{FF2B5EF4-FFF2-40B4-BE49-F238E27FC236}">
-                <a16:creationId xmlns:a16="http://schemas.microsoft.com/office/drawing/2014/main" id="{B82B9A36-2508-4270-B185-125CE427A3A3}"/>
-              </a:ext>
-            </a:extLst>
-          </p:cNvPr>
+            <a:endParaRPr lang="zh-CN" altLang="en-US"/>
+          </a:p>
+        </p:txBody>
+      </p:sp>
+      <p:sp>
+        <p:nvSpPr>
+          <p:cNvPr id="3" name="内容占位符 2"/>
           <p:cNvSpPr>
             <a:spLocks noGrp="1"/>
           </p:cNvSpPr>
@@ -809,6 +696,7 @@
               <a:rPr lang="zh-CN" altLang="en-US"/>
               <a:t>单击此处编辑母版文本样式</a:t>
             </a:r>
+            <a:endParaRPr lang="zh-CN" altLang="en-US"/>
           </a:p>
           <a:p>
             <a:pPr lvl="1"/>
@@ -816,6 +704,7 @@
               <a:rPr lang="zh-CN" altLang="en-US"/>
               <a:t>二级</a:t>
             </a:r>
+            <a:endParaRPr lang="zh-CN" altLang="en-US"/>
           </a:p>
           <a:p>
             <a:pPr lvl="2"/>
@@ -823,6 +712,7 @@
               <a:rPr lang="zh-CN" altLang="en-US"/>
               <a:t>三级</a:t>
             </a:r>
+            <a:endParaRPr lang="zh-CN" altLang="en-US"/>
           </a:p>
           <a:p>
             <a:pPr lvl="3"/>
@@ -830,6 +720,7 @@
               <a:rPr lang="zh-CN" altLang="en-US"/>
               <a:t>四级</a:t>
             </a:r>
+            <a:endParaRPr lang="zh-CN" altLang="en-US"/>
           </a:p>
           <a:p>
             <a:pPr lvl="4"/>
@@ -837,18 +728,13 @@
               <a:rPr lang="zh-CN" altLang="en-US"/>
               <a:t>五级</a:t>
             </a:r>
-          </a:p>
-        </p:txBody>
-      </p:sp>
-      <p:sp>
-        <p:nvSpPr>
-          <p:cNvPr id="4" name="日期占位符 3">
-            <a:extLst>
-              <a:ext uri="{FF2B5EF4-FFF2-40B4-BE49-F238E27FC236}">
-                <a16:creationId xmlns:a16="http://schemas.microsoft.com/office/drawing/2014/main" id="{A600EC9B-02CB-4E23-B55F-92F7B66783AC}"/>
-              </a:ext>
-            </a:extLst>
-          </p:cNvPr>
+            <a:endParaRPr lang="zh-CN" altLang="en-US"/>
+          </a:p>
+        </p:txBody>
+      </p:sp>
+      <p:sp>
+        <p:nvSpPr>
+          <p:cNvPr id="4" name="日期占位符 3"/>
           <p:cNvSpPr>
             <a:spLocks noGrp="1"/>
           </p:cNvSpPr>
@@ -863,7 +749,6 @@
           <a:p>
             <a:fld id="{3DD3760A-DE7A-43C9-AD8E-27ED0E105739}" type="datetimeFigureOut">
               <a:rPr lang="zh-CN" altLang="en-US" smtClean="0"/>
-              <a:t>2019/10/9</a:t>
             </a:fld>
             <a:endParaRPr lang="zh-CN" altLang="en-US"/>
           </a:p>
@@ -871,13 +756,7 @@
       </p:sp>
       <p:sp>
         <p:nvSpPr>
-          <p:cNvPr id="5" name="页脚占位符 4">
-            <a:extLst>
-              <a:ext uri="{FF2B5EF4-FFF2-40B4-BE49-F238E27FC236}">
-                <a16:creationId xmlns:a16="http://schemas.microsoft.com/office/drawing/2014/main" id="{3603B0B1-F285-46D2-BB5F-14E70F621FC2}"/>
-              </a:ext>
-            </a:extLst>
-          </p:cNvPr>
+          <p:cNvPr id="5" name="页脚占位符 4"/>
           <p:cNvSpPr>
             <a:spLocks noGrp="1"/>
           </p:cNvSpPr>
@@ -896,13 +775,7 @@
       </p:sp>
       <p:sp>
         <p:nvSpPr>
-          <p:cNvPr id="6" name="灯片编号占位符 5">
-            <a:extLst>
-              <a:ext uri="{FF2B5EF4-FFF2-40B4-BE49-F238E27FC236}">
-                <a16:creationId xmlns:a16="http://schemas.microsoft.com/office/drawing/2014/main" id="{856A73B8-36DD-4351-89F8-2F41C621337A}"/>
-              </a:ext>
-            </a:extLst>
-          </p:cNvPr>
+          <p:cNvPr id="6" name="灯片编号占位符 5"/>
           <p:cNvSpPr>
             <a:spLocks noGrp="1"/>
           </p:cNvSpPr>
@@ -917,18 +790,12 @@
           <a:p>
             <a:fld id="{8276D7B7-C76E-4E68-9D22-2ADD93C30A0E}" type="slidenum">
               <a:rPr lang="zh-CN" altLang="en-US" smtClean="0"/>
-              <a:t>‹#›</a:t>
             </a:fld>
             <a:endParaRPr lang="zh-CN" altLang="en-US"/>
           </a:p>
         </p:txBody>
       </p:sp>
     </p:spTree>
-    <p:extLst>
-      <p:ext uri="{BB962C8B-B14F-4D97-AF65-F5344CB8AC3E}">
-        <p14:creationId xmlns:p14="http://schemas.microsoft.com/office/powerpoint/2010/main" val="1852397822"/>
-      </p:ext>
-    </p:extLst>
   </p:cSld>
   <p:clrMapOvr>
     <a:masterClrMapping/>
@@ -955,13 +822,7 @@
       </p:grpSpPr>
       <p:sp>
         <p:nvSpPr>
-          <p:cNvPr id="2" name="标题 1">
-            <a:extLst>
-              <a:ext uri="{FF2B5EF4-FFF2-40B4-BE49-F238E27FC236}">
-                <a16:creationId xmlns:a16="http://schemas.microsoft.com/office/drawing/2014/main" id="{0D3C3305-262A-4DFB-BCA3-0778DB411BC7}"/>
-              </a:ext>
-            </a:extLst>
-          </p:cNvPr>
+          <p:cNvPr id="2" name="标题 1"/>
           <p:cNvSpPr>
             <a:spLocks noGrp="1"/>
           </p:cNvSpPr>
@@ -987,18 +848,13 @@
               <a:rPr lang="zh-CN" altLang="en-US"/>
               <a:t>单击此处编辑母版标题样式</a:t>
             </a:r>
-          </a:p>
-        </p:txBody>
-      </p:sp>
-      <p:sp>
-        <p:nvSpPr>
-          <p:cNvPr id="3" name="文本占位符 2">
-            <a:extLst>
-              <a:ext uri="{FF2B5EF4-FFF2-40B4-BE49-F238E27FC236}">
-                <a16:creationId xmlns:a16="http://schemas.microsoft.com/office/drawing/2014/main" id="{2217FEF6-A878-4E8F-AD2F-E46108212D8A}"/>
-              </a:ext>
-            </a:extLst>
-          </p:cNvPr>
+            <a:endParaRPr lang="zh-CN" altLang="en-US"/>
+          </a:p>
+        </p:txBody>
+      </p:sp>
+      <p:sp>
+        <p:nvSpPr>
+          <p:cNvPr id="3" name="文本占位符 2"/>
           <p:cNvSpPr>
             <a:spLocks noGrp="1"/>
           </p:cNvSpPr>
@@ -1112,18 +968,13 @@
               <a:rPr lang="zh-CN" altLang="en-US"/>
               <a:t>单击此处编辑母版文本样式</a:t>
             </a:r>
-          </a:p>
-        </p:txBody>
-      </p:sp>
-      <p:sp>
-        <p:nvSpPr>
-          <p:cNvPr id="4" name="日期占位符 3">
-            <a:extLst>
-              <a:ext uri="{FF2B5EF4-FFF2-40B4-BE49-F238E27FC236}">
-                <a16:creationId xmlns:a16="http://schemas.microsoft.com/office/drawing/2014/main" id="{A96CBF42-817F-4099-B5C8-BF79342C9999}"/>
-              </a:ext>
-            </a:extLst>
-          </p:cNvPr>
+            <a:endParaRPr lang="zh-CN" altLang="en-US"/>
+          </a:p>
+        </p:txBody>
+      </p:sp>
+      <p:sp>
+        <p:nvSpPr>
+          <p:cNvPr id="4" name="日期占位符 3"/>
           <p:cNvSpPr>
             <a:spLocks noGrp="1"/>
           </p:cNvSpPr>
@@ -1138,7 +989,6 @@
           <a:p>
             <a:fld id="{3DD3760A-DE7A-43C9-AD8E-27ED0E105739}" type="datetimeFigureOut">
               <a:rPr lang="zh-CN" altLang="en-US" smtClean="0"/>
-              <a:t>2019/10/9</a:t>
             </a:fld>
             <a:endParaRPr lang="zh-CN" altLang="en-US"/>
           </a:p>
@@ -1146,13 +996,7 @@
       </p:sp>
       <p:sp>
         <p:nvSpPr>
-          <p:cNvPr id="5" name="页脚占位符 4">
-            <a:extLst>
-              <a:ext uri="{FF2B5EF4-FFF2-40B4-BE49-F238E27FC236}">
-                <a16:creationId xmlns:a16="http://schemas.microsoft.com/office/drawing/2014/main" id="{C595DD7C-B0DA-466D-87E0-815FBED36349}"/>
-              </a:ext>
-            </a:extLst>
-          </p:cNvPr>
+          <p:cNvPr id="5" name="页脚占位符 4"/>
           <p:cNvSpPr>
             <a:spLocks noGrp="1"/>
           </p:cNvSpPr>
@@ -1171,13 +1015,7 @@
       </p:sp>
       <p:sp>
         <p:nvSpPr>
-          <p:cNvPr id="6" name="灯片编号占位符 5">
-            <a:extLst>
-              <a:ext uri="{FF2B5EF4-FFF2-40B4-BE49-F238E27FC236}">
-                <a16:creationId xmlns:a16="http://schemas.microsoft.com/office/drawing/2014/main" id="{DE984F8F-409C-4A29-A762-E9C4FE74C2B1}"/>
-              </a:ext>
-            </a:extLst>
-          </p:cNvPr>
+          <p:cNvPr id="6" name="灯片编号占位符 5"/>
           <p:cNvSpPr>
             <a:spLocks noGrp="1"/>
           </p:cNvSpPr>
@@ -1192,18 +1030,12 @@
           <a:p>
             <a:fld id="{8276D7B7-C76E-4E68-9D22-2ADD93C30A0E}" type="slidenum">
               <a:rPr lang="zh-CN" altLang="en-US" smtClean="0"/>
-              <a:t>‹#›</a:t>
             </a:fld>
             <a:endParaRPr lang="zh-CN" altLang="en-US"/>
           </a:p>
         </p:txBody>
       </p:sp>
     </p:spTree>
-    <p:extLst>
-      <p:ext uri="{BB962C8B-B14F-4D97-AF65-F5344CB8AC3E}">
-        <p14:creationId xmlns:p14="http://schemas.microsoft.com/office/powerpoint/2010/main" val="3887475528"/>
-      </p:ext>
-    </p:extLst>
   </p:cSld>
   <p:clrMapOvr>
     <a:masterClrMapping/>
@@ -1230,13 +1062,7 @@
       </p:grpSpPr>
       <p:sp>
         <p:nvSpPr>
-          <p:cNvPr id="2" name="标题 1">
-            <a:extLst>
-              <a:ext uri="{FF2B5EF4-FFF2-40B4-BE49-F238E27FC236}">
-                <a16:creationId xmlns:a16="http://schemas.microsoft.com/office/drawing/2014/main" id="{89DD4CC2-7130-4219-B5FA-99AD323FC21C}"/>
-              </a:ext>
-            </a:extLst>
-          </p:cNvPr>
+          <p:cNvPr id="2" name="标题 1"/>
           <p:cNvSpPr>
             <a:spLocks noGrp="1"/>
           </p:cNvSpPr>
@@ -1253,18 +1079,13 @@
               <a:rPr lang="zh-CN" altLang="en-US"/>
               <a:t>单击此处编辑母版标题样式</a:t>
             </a:r>
-          </a:p>
-        </p:txBody>
-      </p:sp>
-      <p:sp>
-        <p:nvSpPr>
-          <p:cNvPr id="3" name="内容占位符 2">
-            <a:extLst>
-              <a:ext uri="{FF2B5EF4-FFF2-40B4-BE49-F238E27FC236}">
-                <a16:creationId xmlns:a16="http://schemas.microsoft.com/office/drawing/2014/main" id="{A5FA1BEC-E7C7-4842-977A-33FCDC1F3C23}"/>
-              </a:ext>
-            </a:extLst>
-          </p:cNvPr>
+            <a:endParaRPr lang="zh-CN" altLang="en-US"/>
+          </a:p>
+        </p:txBody>
+      </p:sp>
+      <p:sp>
+        <p:nvSpPr>
+          <p:cNvPr id="3" name="内容占位符 2"/>
           <p:cNvSpPr>
             <a:spLocks noGrp="1"/>
           </p:cNvSpPr>
@@ -1287,6 +1108,7 @@
               <a:rPr lang="zh-CN" altLang="en-US"/>
               <a:t>单击此处编辑母版文本样式</a:t>
             </a:r>
+            <a:endParaRPr lang="zh-CN" altLang="en-US"/>
           </a:p>
           <a:p>
             <a:pPr lvl="1"/>
@@ -1294,6 +1116,7 @@
               <a:rPr lang="zh-CN" altLang="en-US"/>
               <a:t>二级</a:t>
             </a:r>
+            <a:endParaRPr lang="zh-CN" altLang="en-US"/>
           </a:p>
           <a:p>
             <a:pPr lvl="2"/>
@@ -1301,6 +1124,7 @@
               <a:rPr lang="zh-CN" altLang="en-US"/>
               <a:t>三级</a:t>
             </a:r>
+            <a:endParaRPr lang="zh-CN" altLang="en-US"/>
           </a:p>
           <a:p>
             <a:pPr lvl="3"/>
@@ -1308,6 +1132,7 @@
               <a:rPr lang="zh-CN" altLang="en-US"/>
               <a:t>四级</a:t>
             </a:r>
+            <a:endParaRPr lang="zh-CN" altLang="en-US"/>
           </a:p>
           <a:p>
             <a:pPr lvl="4"/>
@@ -1315,18 +1140,13 @@
               <a:rPr lang="zh-CN" altLang="en-US"/>
               <a:t>五级</a:t>
             </a:r>
-          </a:p>
-        </p:txBody>
-      </p:sp>
-      <p:sp>
-        <p:nvSpPr>
-          <p:cNvPr id="4" name="内容占位符 3">
-            <a:extLst>
-              <a:ext uri="{FF2B5EF4-FFF2-40B4-BE49-F238E27FC236}">
-                <a16:creationId xmlns:a16="http://schemas.microsoft.com/office/drawing/2014/main" id="{831E73A9-D56F-4C54-9F35-53FDC446219A}"/>
-              </a:ext>
-            </a:extLst>
-          </p:cNvPr>
+            <a:endParaRPr lang="zh-CN" altLang="en-US"/>
+          </a:p>
+        </p:txBody>
+      </p:sp>
+      <p:sp>
+        <p:nvSpPr>
+          <p:cNvPr id="4" name="内容占位符 3"/>
           <p:cNvSpPr>
             <a:spLocks noGrp="1"/>
           </p:cNvSpPr>
@@ -1349,6 +1169,7 @@
               <a:rPr lang="zh-CN" altLang="en-US"/>
               <a:t>单击此处编辑母版文本样式</a:t>
             </a:r>
+            <a:endParaRPr lang="zh-CN" altLang="en-US"/>
           </a:p>
           <a:p>
             <a:pPr lvl="1"/>
@@ -1356,6 +1177,7 @@
               <a:rPr lang="zh-CN" altLang="en-US"/>
               <a:t>二级</a:t>
             </a:r>
+            <a:endParaRPr lang="zh-CN" altLang="en-US"/>
           </a:p>
           <a:p>
             <a:pPr lvl="2"/>
@@ -1363,6 +1185,7 @@
               <a:rPr lang="zh-CN" altLang="en-US"/>
               <a:t>三级</a:t>
             </a:r>
+            <a:endParaRPr lang="zh-CN" altLang="en-US"/>
           </a:p>
           <a:p>
             <a:pPr lvl="3"/>
@@ -1370,6 +1193,7 @@
               <a:rPr lang="zh-CN" altLang="en-US"/>
               <a:t>四级</a:t>
             </a:r>
+            <a:endParaRPr lang="zh-CN" altLang="en-US"/>
           </a:p>
           <a:p>
             <a:pPr lvl="4"/>
@@ -1377,18 +1201,13 @@
               <a:rPr lang="zh-CN" altLang="en-US"/>
               <a:t>五级</a:t>
             </a:r>
-          </a:p>
-        </p:txBody>
-      </p:sp>
-      <p:sp>
-        <p:nvSpPr>
-          <p:cNvPr id="5" name="日期占位符 4">
-            <a:extLst>
-              <a:ext uri="{FF2B5EF4-FFF2-40B4-BE49-F238E27FC236}">
-                <a16:creationId xmlns:a16="http://schemas.microsoft.com/office/drawing/2014/main" id="{443BD015-5078-444F-BC13-797028D8C67A}"/>
-              </a:ext>
-            </a:extLst>
-          </p:cNvPr>
+            <a:endParaRPr lang="zh-CN" altLang="en-US"/>
+          </a:p>
+        </p:txBody>
+      </p:sp>
+      <p:sp>
+        <p:nvSpPr>
+          <p:cNvPr id="5" name="日期占位符 4"/>
           <p:cNvSpPr>
             <a:spLocks noGrp="1"/>
           </p:cNvSpPr>
@@ -1403,7 +1222,6 @@
           <a:p>
             <a:fld id="{3DD3760A-DE7A-43C9-AD8E-27ED0E105739}" type="datetimeFigureOut">
               <a:rPr lang="zh-CN" altLang="en-US" smtClean="0"/>
-              <a:t>2019/10/9</a:t>
             </a:fld>
             <a:endParaRPr lang="zh-CN" altLang="en-US"/>
           </a:p>
@@ -1411,13 +1229,7 @@
       </p:sp>
       <p:sp>
         <p:nvSpPr>
-          <p:cNvPr id="6" name="页脚占位符 5">
-            <a:extLst>
-              <a:ext uri="{FF2B5EF4-FFF2-40B4-BE49-F238E27FC236}">
-                <a16:creationId xmlns:a16="http://schemas.microsoft.com/office/drawing/2014/main" id="{5B7278B0-FE10-489C-A399-0CC4EF3A4BD9}"/>
-              </a:ext>
-            </a:extLst>
-          </p:cNvPr>
+          <p:cNvPr id="6" name="页脚占位符 5"/>
           <p:cNvSpPr>
             <a:spLocks noGrp="1"/>
           </p:cNvSpPr>
@@ -1436,13 +1248,7 @@
       </p:sp>
       <p:sp>
         <p:nvSpPr>
-          <p:cNvPr id="7" name="灯片编号占位符 6">
-            <a:extLst>
-              <a:ext uri="{FF2B5EF4-FFF2-40B4-BE49-F238E27FC236}">
-                <a16:creationId xmlns:a16="http://schemas.microsoft.com/office/drawing/2014/main" id="{7D9F1A7B-4016-4060-B9F5-04173686AD1A}"/>
-              </a:ext>
-            </a:extLst>
-          </p:cNvPr>
+          <p:cNvPr id="7" name="灯片编号占位符 6"/>
           <p:cNvSpPr>
             <a:spLocks noGrp="1"/>
           </p:cNvSpPr>
@@ -1457,18 +1263,12 @@
           <a:p>
             <a:fld id="{8276D7B7-C76E-4E68-9D22-2ADD93C30A0E}" type="slidenum">
               <a:rPr lang="zh-CN" altLang="en-US" smtClean="0"/>
-              <a:t>‹#›</a:t>
             </a:fld>
             <a:endParaRPr lang="zh-CN" altLang="en-US"/>
           </a:p>
         </p:txBody>
       </p:sp>
     </p:spTree>
-    <p:extLst>
-      <p:ext uri="{BB962C8B-B14F-4D97-AF65-F5344CB8AC3E}">
-        <p14:creationId xmlns:p14="http://schemas.microsoft.com/office/powerpoint/2010/main" val="3959036899"/>
-      </p:ext>
-    </p:extLst>
   </p:cSld>
   <p:clrMapOvr>
     <a:masterClrMapping/>
@@ -1495,13 +1295,7 @@
       </p:grpSpPr>
       <p:sp>
         <p:nvSpPr>
-          <p:cNvPr id="2" name="标题 1">
-            <a:extLst>
-              <a:ext uri="{FF2B5EF4-FFF2-40B4-BE49-F238E27FC236}">
-                <a16:creationId xmlns:a16="http://schemas.microsoft.com/office/drawing/2014/main" id="{31F8ABA8-257A-4D8B-9E93-99A69A227B45}"/>
-              </a:ext>
-            </a:extLst>
-          </p:cNvPr>
+          <p:cNvPr id="2" name="标题 1"/>
           <p:cNvSpPr>
             <a:spLocks noGrp="1"/>
           </p:cNvSpPr>
@@ -1523,18 +1317,13 @@
               <a:rPr lang="zh-CN" altLang="en-US"/>
               <a:t>单击此处编辑母版标题样式</a:t>
             </a:r>
-          </a:p>
-        </p:txBody>
-      </p:sp>
-      <p:sp>
-        <p:nvSpPr>
-          <p:cNvPr id="3" name="文本占位符 2">
-            <a:extLst>
-              <a:ext uri="{FF2B5EF4-FFF2-40B4-BE49-F238E27FC236}">
-                <a16:creationId xmlns:a16="http://schemas.microsoft.com/office/drawing/2014/main" id="{99FF2087-1476-4B5F-AA15-CB30B654F809}"/>
-              </a:ext>
-            </a:extLst>
-          </p:cNvPr>
+            <a:endParaRPr lang="zh-CN" altLang="en-US"/>
+          </a:p>
+        </p:txBody>
+      </p:sp>
+      <p:sp>
+        <p:nvSpPr>
+          <p:cNvPr id="3" name="文本占位符 2"/>
           <p:cNvSpPr>
             <a:spLocks noGrp="1"/>
           </p:cNvSpPr>
@@ -1594,18 +1383,13 @@
               <a:rPr lang="zh-CN" altLang="en-US"/>
               <a:t>单击此处编辑母版文本样式</a:t>
             </a:r>
-          </a:p>
-        </p:txBody>
-      </p:sp>
-      <p:sp>
-        <p:nvSpPr>
-          <p:cNvPr id="4" name="内容占位符 3">
-            <a:extLst>
-              <a:ext uri="{FF2B5EF4-FFF2-40B4-BE49-F238E27FC236}">
-                <a16:creationId xmlns:a16="http://schemas.microsoft.com/office/drawing/2014/main" id="{B387BEAC-F502-4238-A87D-70AD122C9300}"/>
-              </a:ext>
-            </a:extLst>
-          </p:cNvPr>
+            <a:endParaRPr lang="zh-CN" altLang="en-US"/>
+          </a:p>
+        </p:txBody>
+      </p:sp>
+      <p:sp>
+        <p:nvSpPr>
+          <p:cNvPr id="4" name="内容占位符 3"/>
           <p:cNvSpPr>
             <a:spLocks noGrp="1"/>
           </p:cNvSpPr>
@@ -1628,6 +1412,7 @@
               <a:rPr lang="zh-CN" altLang="en-US"/>
               <a:t>单击此处编辑母版文本样式</a:t>
             </a:r>
+            <a:endParaRPr lang="zh-CN" altLang="en-US"/>
           </a:p>
           <a:p>
             <a:pPr lvl="1"/>
@@ -1635,6 +1420,7 @@
               <a:rPr lang="zh-CN" altLang="en-US"/>
               <a:t>二级</a:t>
             </a:r>
+            <a:endParaRPr lang="zh-CN" altLang="en-US"/>
           </a:p>
           <a:p>
             <a:pPr lvl="2"/>
@@ -1642,6 +1428,7 @@
               <a:rPr lang="zh-CN" altLang="en-US"/>
               <a:t>三级</a:t>
             </a:r>
+            <a:endParaRPr lang="zh-CN" altLang="en-US"/>
           </a:p>
           <a:p>
             <a:pPr lvl="3"/>
@@ -1649,6 +1436,7 @@
               <a:rPr lang="zh-CN" altLang="en-US"/>
               <a:t>四级</a:t>
             </a:r>
+            <a:endParaRPr lang="zh-CN" altLang="en-US"/>
           </a:p>
           <a:p>
             <a:pPr lvl="4"/>
@@ -1656,18 +1444,13 @@
               <a:rPr lang="zh-CN" altLang="en-US"/>
               <a:t>五级</a:t>
             </a:r>
-          </a:p>
-        </p:txBody>
-      </p:sp>
-      <p:sp>
-        <p:nvSpPr>
-          <p:cNvPr id="5" name="文本占位符 4">
-            <a:extLst>
-              <a:ext uri="{FF2B5EF4-FFF2-40B4-BE49-F238E27FC236}">
-                <a16:creationId xmlns:a16="http://schemas.microsoft.com/office/drawing/2014/main" id="{C42CD4B3-F2B9-4742-8C00-153BB28D7D2C}"/>
-              </a:ext>
-            </a:extLst>
-          </p:cNvPr>
+            <a:endParaRPr lang="zh-CN" altLang="en-US"/>
+          </a:p>
+        </p:txBody>
+      </p:sp>
+      <p:sp>
+        <p:nvSpPr>
+          <p:cNvPr id="5" name="文本占位符 4"/>
           <p:cNvSpPr>
             <a:spLocks noGrp="1"/>
           </p:cNvSpPr>
@@ -1727,18 +1510,13 @@
               <a:rPr lang="zh-CN" altLang="en-US"/>
               <a:t>单击此处编辑母版文本样式</a:t>
             </a:r>
-          </a:p>
-        </p:txBody>
-      </p:sp>
-      <p:sp>
-        <p:nvSpPr>
-          <p:cNvPr id="6" name="内容占位符 5">
-            <a:extLst>
-              <a:ext uri="{FF2B5EF4-FFF2-40B4-BE49-F238E27FC236}">
-                <a16:creationId xmlns:a16="http://schemas.microsoft.com/office/drawing/2014/main" id="{38D4D1D3-ACE0-483C-B934-68F6597E659E}"/>
-              </a:ext>
-            </a:extLst>
-          </p:cNvPr>
+            <a:endParaRPr lang="zh-CN" altLang="en-US"/>
+          </a:p>
+        </p:txBody>
+      </p:sp>
+      <p:sp>
+        <p:nvSpPr>
+          <p:cNvPr id="6" name="内容占位符 5"/>
           <p:cNvSpPr>
             <a:spLocks noGrp="1"/>
           </p:cNvSpPr>
@@ -1761,6 +1539,7 @@
               <a:rPr lang="zh-CN" altLang="en-US"/>
               <a:t>单击此处编辑母版文本样式</a:t>
             </a:r>
+            <a:endParaRPr lang="zh-CN" altLang="en-US"/>
           </a:p>
           <a:p>
             <a:pPr lvl="1"/>
@@ -1768,6 +1547,7 @@
               <a:rPr lang="zh-CN" altLang="en-US"/>
               <a:t>二级</a:t>
             </a:r>
+            <a:endParaRPr lang="zh-CN" altLang="en-US"/>
           </a:p>
           <a:p>
             <a:pPr lvl="2"/>
@@ -1775,6 +1555,7 @@
               <a:rPr lang="zh-CN" altLang="en-US"/>
               <a:t>三级</a:t>
             </a:r>
+            <a:endParaRPr lang="zh-CN" altLang="en-US"/>
           </a:p>
           <a:p>
             <a:pPr lvl="3"/>
@@ -1782,6 +1563,7 @@
               <a:rPr lang="zh-CN" altLang="en-US"/>
               <a:t>四级</a:t>
             </a:r>
+            <a:endParaRPr lang="zh-CN" altLang="en-US"/>
           </a:p>
           <a:p>
             <a:pPr lvl="4"/>
@@ -1789,18 +1571,13 @@
               <a:rPr lang="zh-CN" altLang="en-US"/>
               <a:t>五级</a:t>
             </a:r>
-          </a:p>
-        </p:txBody>
-      </p:sp>
-      <p:sp>
-        <p:nvSpPr>
-          <p:cNvPr id="7" name="日期占位符 6">
-            <a:extLst>
-              <a:ext uri="{FF2B5EF4-FFF2-40B4-BE49-F238E27FC236}">
-                <a16:creationId xmlns:a16="http://schemas.microsoft.com/office/drawing/2014/main" id="{6F4388FF-1AE6-4659-BA11-93A41C7AADB1}"/>
-              </a:ext>
-            </a:extLst>
-          </p:cNvPr>
+            <a:endParaRPr lang="zh-CN" altLang="en-US"/>
+          </a:p>
+        </p:txBody>
+      </p:sp>
+      <p:sp>
+        <p:nvSpPr>
+          <p:cNvPr id="7" name="日期占位符 6"/>
           <p:cNvSpPr>
             <a:spLocks noGrp="1"/>
           </p:cNvSpPr>
@@ -1815,7 +1592,6 @@
           <a:p>
             <a:fld id="{3DD3760A-DE7A-43C9-AD8E-27ED0E105739}" type="datetimeFigureOut">
               <a:rPr lang="zh-CN" altLang="en-US" smtClean="0"/>
-              <a:t>2019/10/9</a:t>
             </a:fld>
             <a:endParaRPr lang="zh-CN" altLang="en-US"/>
           </a:p>
@@ -1823,13 +1599,7 @@
       </p:sp>
       <p:sp>
         <p:nvSpPr>
-          <p:cNvPr id="8" name="页脚占位符 7">
-            <a:extLst>
-              <a:ext uri="{FF2B5EF4-FFF2-40B4-BE49-F238E27FC236}">
-                <a16:creationId xmlns:a16="http://schemas.microsoft.com/office/drawing/2014/main" id="{EECEF2B5-ED5D-49BD-8ACA-3CA2970EE1B4}"/>
-              </a:ext>
-            </a:extLst>
-          </p:cNvPr>
+          <p:cNvPr id="8" name="页脚占位符 7"/>
           <p:cNvSpPr>
             <a:spLocks noGrp="1"/>
           </p:cNvSpPr>
@@ -1848,13 +1618,7 @@
       </p:sp>
       <p:sp>
         <p:nvSpPr>
-          <p:cNvPr id="9" name="灯片编号占位符 8">
-            <a:extLst>
-              <a:ext uri="{FF2B5EF4-FFF2-40B4-BE49-F238E27FC236}">
-                <a16:creationId xmlns:a16="http://schemas.microsoft.com/office/drawing/2014/main" id="{DFA84571-04FB-4258-A1C6-5EB0E90BB41D}"/>
-              </a:ext>
-            </a:extLst>
-          </p:cNvPr>
+          <p:cNvPr id="9" name="灯片编号占位符 8"/>
           <p:cNvSpPr>
             <a:spLocks noGrp="1"/>
           </p:cNvSpPr>
@@ -1869,18 +1633,12 @@
           <a:p>
             <a:fld id="{8276D7B7-C76E-4E68-9D22-2ADD93C30A0E}" type="slidenum">
               <a:rPr lang="zh-CN" altLang="en-US" smtClean="0"/>
-              <a:t>‹#›</a:t>
             </a:fld>
             <a:endParaRPr lang="zh-CN" altLang="en-US"/>
           </a:p>
         </p:txBody>
       </p:sp>
     </p:spTree>
-    <p:extLst>
-      <p:ext uri="{BB962C8B-B14F-4D97-AF65-F5344CB8AC3E}">
-        <p14:creationId xmlns:p14="http://schemas.microsoft.com/office/powerpoint/2010/main" val="3102998301"/>
-      </p:ext>
-    </p:extLst>
   </p:cSld>
   <p:clrMapOvr>
     <a:masterClrMapping/>
@@ -1907,13 +1665,7 @@
       </p:grpSpPr>
       <p:sp>
         <p:nvSpPr>
-          <p:cNvPr id="2" name="标题 1">
-            <a:extLst>
-              <a:ext uri="{FF2B5EF4-FFF2-40B4-BE49-F238E27FC236}">
-                <a16:creationId xmlns:a16="http://schemas.microsoft.com/office/drawing/2014/main" id="{DC595B3A-C0E7-4798-9879-2980F5CEED86}"/>
-              </a:ext>
-            </a:extLst>
-          </p:cNvPr>
+          <p:cNvPr id="2" name="标题 1"/>
           <p:cNvSpPr>
             <a:spLocks noGrp="1"/>
           </p:cNvSpPr>
@@ -1930,18 +1682,13 @@
               <a:rPr lang="zh-CN" altLang="en-US"/>
               <a:t>单击此处编辑母版标题样式</a:t>
             </a:r>
-          </a:p>
-        </p:txBody>
-      </p:sp>
-      <p:sp>
-        <p:nvSpPr>
-          <p:cNvPr id="3" name="日期占位符 2">
-            <a:extLst>
-              <a:ext uri="{FF2B5EF4-FFF2-40B4-BE49-F238E27FC236}">
-                <a16:creationId xmlns:a16="http://schemas.microsoft.com/office/drawing/2014/main" id="{A1CC9CAA-06E0-4CDC-B16E-82638F34517E}"/>
-              </a:ext>
-            </a:extLst>
-          </p:cNvPr>
+            <a:endParaRPr lang="zh-CN" altLang="en-US"/>
+          </a:p>
+        </p:txBody>
+      </p:sp>
+      <p:sp>
+        <p:nvSpPr>
+          <p:cNvPr id="3" name="日期占位符 2"/>
           <p:cNvSpPr>
             <a:spLocks noGrp="1"/>
           </p:cNvSpPr>
@@ -1956,7 +1703,6 @@
           <a:p>
             <a:fld id="{3DD3760A-DE7A-43C9-AD8E-27ED0E105739}" type="datetimeFigureOut">
               <a:rPr lang="zh-CN" altLang="en-US" smtClean="0"/>
-              <a:t>2019/10/9</a:t>
             </a:fld>
             <a:endParaRPr lang="zh-CN" altLang="en-US"/>
           </a:p>
@@ -1964,13 +1710,7 @@
       </p:sp>
       <p:sp>
         <p:nvSpPr>
-          <p:cNvPr id="4" name="页脚占位符 3">
-            <a:extLst>
-              <a:ext uri="{FF2B5EF4-FFF2-40B4-BE49-F238E27FC236}">
-                <a16:creationId xmlns:a16="http://schemas.microsoft.com/office/drawing/2014/main" id="{E5F560B6-2161-4133-B77B-2B4D9989A82C}"/>
-              </a:ext>
-            </a:extLst>
-          </p:cNvPr>
+          <p:cNvPr id="4" name="页脚占位符 3"/>
           <p:cNvSpPr>
             <a:spLocks noGrp="1"/>
           </p:cNvSpPr>
@@ -1989,13 +1729,7 @@
       </p:sp>
       <p:sp>
         <p:nvSpPr>
-          <p:cNvPr id="5" name="灯片编号占位符 4">
-            <a:extLst>
-              <a:ext uri="{FF2B5EF4-FFF2-40B4-BE49-F238E27FC236}">
-                <a16:creationId xmlns:a16="http://schemas.microsoft.com/office/drawing/2014/main" id="{2C8408AD-31A4-492D-B952-523191FD24EF}"/>
-              </a:ext>
-            </a:extLst>
-          </p:cNvPr>
+          <p:cNvPr id="5" name="灯片编号占位符 4"/>
           <p:cNvSpPr>
             <a:spLocks noGrp="1"/>
           </p:cNvSpPr>
@@ -2010,18 +1744,12 @@
           <a:p>
             <a:fld id="{8276D7B7-C76E-4E68-9D22-2ADD93C30A0E}" type="slidenum">
               <a:rPr lang="zh-CN" altLang="en-US" smtClean="0"/>
-              <a:t>‹#›</a:t>
             </a:fld>
             <a:endParaRPr lang="zh-CN" altLang="en-US"/>
           </a:p>
         </p:txBody>
       </p:sp>
     </p:spTree>
-    <p:extLst>
-      <p:ext uri="{BB962C8B-B14F-4D97-AF65-F5344CB8AC3E}">
-        <p14:creationId xmlns:p14="http://schemas.microsoft.com/office/powerpoint/2010/main" val="2490413824"/>
-      </p:ext>
-    </p:extLst>
   </p:cSld>
   <p:clrMapOvr>
     <a:masterClrMapping/>
@@ -2048,13 +1776,7 @@
       </p:grpSpPr>
       <p:sp>
         <p:nvSpPr>
-          <p:cNvPr id="2" name="日期占位符 1">
-            <a:extLst>
-              <a:ext uri="{FF2B5EF4-FFF2-40B4-BE49-F238E27FC236}">
-                <a16:creationId xmlns:a16="http://schemas.microsoft.com/office/drawing/2014/main" id="{90CDFA5E-5517-46CF-A849-63408FE2CEC1}"/>
-              </a:ext>
-            </a:extLst>
-          </p:cNvPr>
+          <p:cNvPr id="2" name="日期占位符 1"/>
           <p:cNvSpPr>
             <a:spLocks noGrp="1"/>
           </p:cNvSpPr>
@@ -2069,7 +1791,6 @@
           <a:p>
             <a:fld id="{3DD3760A-DE7A-43C9-AD8E-27ED0E105739}" type="datetimeFigureOut">
               <a:rPr lang="zh-CN" altLang="en-US" smtClean="0"/>
-              <a:t>2019/10/9</a:t>
             </a:fld>
             <a:endParaRPr lang="zh-CN" altLang="en-US"/>
           </a:p>
@@ -2077,13 +1798,7 @@
       </p:sp>
       <p:sp>
         <p:nvSpPr>
-          <p:cNvPr id="3" name="页脚占位符 2">
-            <a:extLst>
-              <a:ext uri="{FF2B5EF4-FFF2-40B4-BE49-F238E27FC236}">
-                <a16:creationId xmlns:a16="http://schemas.microsoft.com/office/drawing/2014/main" id="{E6C56DDD-0B10-40B4-B3BC-A6F95C20FDA2}"/>
-              </a:ext>
-            </a:extLst>
-          </p:cNvPr>
+          <p:cNvPr id="3" name="页脚占位符 2"/>
           <p:cNvSpPr>
             <a:spLocks noGrp="1"/>
           </p:cNvSpPr>
@@ -2102,13 +1817,7 @@
       </p:sp>
       <p:sp>
         <p:nvSpPr>
-          <p:cNvPr id="4" name="灯片编号占位符 3">
-            <a:extLst>
-              <a:ext uri="{FF2B5EF4-FFF2-40B4-BE49-F238E27FC236}">
-                <a16:creationId xmlns:a16="http://schemas.microsoft.com/office/drawing/2014/main" id="{C636E3AF-AEB5-4F1C-B684-A3C5623F0A60}"/>
-              </a:ext>
-            </a:extLst>
-          </p:cNvPr>
+          <p:cNvPr id="4" name="灯片编号占位符 3"/>
           <p:cNvSpPr>
             <a:spLocks noGrp="1"/>
           </p:cNvSpPr>
@@ -2123,18 +1832,12 @@
           <a:p>
             <a:fld id="{8276D7B7-C76E-4E68-9D22-2ADD93C30A0E}" type="slidenum">
               <a:rPr lang="zh-CN" altLang="en-US" smtClean="0"/>
-              <a:t>‹#›</a:t>
             </a:fld>
             <a:endParaRPr lang="zh-CN" altLang="en-US"/>
           </a:p>
         </p:txBody>
       </p:sp>
     </p:spTree>
-    <p:extLst>
-      <p:ext uri="{BB962C8B-B14F-4D97-AF65-F5344CB8AC3E}">
-        <p14:creationId xmlns:p14="http://schemas.microsoft.com/office/powerpoint/2010/main" val="1879382171"/>
-      </p:ext>
-    </p:extLst>
   </p:cSld>
   <p:clrMapOvr>
     <a:masterClrMapping/>
@@ -2161,13 +1864,7 @@
       </p:grpSpPr>
       <p:sp>
         <p:nvSpPr>
-          <p:cNvPr id="2" name="标题 1">
-            <a:extLst>
-              <a:ext uri="{FF2B5EF4-FFF2-40B4-BE49-F238E27FC236}">
-                <a16:creationId xmlns:a16="http://schemas.microsoft.com/office/drawing/2014/main" id="{EA1DB9DF-D5E5-4CE3-969C-E09966E0761D}"/>
-              </a:ext>
-            </a:extLst>
-          </p:cNvPr>
+          <p:cNvPr id="2" name="标题 1"/>
           <p:cNvSpPr>
             <a:spLocks noGrp="1"/>
           </p:cNvSpPr>
@@ -2193,18 +1890,13 @@
               <a:rPr lang="zh-CN" altLang="en-US"/>
               <a:t>单击此处编辑母版标题样式</a:t>
             </a:r>
-          </a:p>
-        </p:txBody>
-      </p:sp>
-      <p:sp>
-        <p:nvSpPr>
-          <p:cNvPr id="3" name="内容占位符 2">
-            <a:extLst>
-              <a:ext uri="{FF2B5EF4-FFF2-40B4-BE49-F238E27FC236}">
-                <a16:creationId xmlns:a16="http://schemas.microsoft.com/office/drawing/2014/main" id="{57B2366D-252B-4C64-B044-94483487B328}"/>
-              </a:ext>
-            </a:extLst>
-          </p:cNvPr>
+            <a:endParaRPr lang="zh-CN" altLang="en-US"/>
+          </a:p>
+        </p:txBody>
+      </p:sp>
+      <p:sp>
+        <p:nvSpPr>
+          <p:cNvPr id="3" name="内容占位符 2"/>
           <p:cNvSpPr>
             <a:spLocks noGrp="1"/>
           </p:cNvSpPr>
@@ -2255,6 +1947,7 @@
               <a:rPr lang="zh-CN" altLang="en-US"/>
               <a:t>单击此处编辑母版文本样式</a:t>
             </a:r>
+            <a:endParaRPr lang="zh-CN" altLang="en-US"/>
           </a:p>
           <a:p>
             <a:pPr lvl="1"/>
@@ -2262,6 +1955,7 @@
               <a:rPr lang="zh-CN" altLang="en-US"/>
               <a:t>二级</a:t>
             </a:r>
+            <a:endParaRPr lang="zh-CN" altLang="en-US"/>
           </a:p>
           <a:p>
             <a:pPr lvl="2"/>
@@ -2269,6 +1963,7 @@
               <a:rPr lang="zh-CN" altLang="en-US"/>
               <a:t>三级</a:t>
             </a:r>
+            <a:endParaRPr lang="zh-CN" altLang="en-US"/>
           </a:p>
           <a:p>
             <a:pPr lvl="3"/>
@@ -2276,6 +1971,7 @@
               <a:rPr lang="zh-CN" altLang="en-US"/>
               <a:t>四级</a:t>
             </a:r>
+            <a:endParaRPr lang="zh-CN" altLang="en-US"/>
           </a:p>
           <a:p>
             <a:pPr lvl="4"/>
@@ -2283,18 +1979,13 @@
               <a:rPr lang="zh-CN" altLang="en-US"/>
               <a:t>五级</a:t>
             </a:r>
-          </a:p>
-        </p:txBody>
-      </p:sp>
-      <p:sp>
-        <p:nvSpPr>
-          <p:cNvPr id="4" name="文本占位符 3">
-            <a:extLst>
-              <a:ext uri="{FF2B5EF4-FFF2-40B4-BE49-F238E27FC236}">
-                <a16:creationId xmlns:a16="http://schemas.microsoft.com/office/drawing/2014/main" id="{4282D8C7-21D8-4EEC-8EAD-FDD8D7949185}"/>
-              </a:ext>
-            </a:extLst>
-          </p:cNvPr>
+            <a:endParaRPr lang="zh-CN" altLang="en-US"/>
+          </a:p>
+        </p:txBody>
+      </p:sp>
+      <p:sp>
+        <p:nvSpPr>
+          <p:cNvPr id="4" name="文本占位符 3"/>
           <p:cNvSpPr>
             <a:spLocks noGrp="1"/>
           </p:cNvSpPr>
@@ -2354,18 +2045,13 @@
               <a:rPr lang="zh-CN" altLang="en-US"/>
               <a:t>单击此处编辑母版文本样式</a:t>
             </a:r>
-          </a:p>
-        </p:txBody>
-      </p:sp>
-      <p:sp>
-        <p:nvSpPr>
-          <p:cNvPr id="5" name="日期占位符 4">
-            <a:extLst>
-              <a:ext uri="{FF2B5EF4-FFF2-40B4-BE49-F238E27FC236}">
-                <a16:creationId xmlns:a16="http://schemas.microsoft.com/office/drawing/2014/main" id="{175C22D1-C141-48EF-A80C-3657164520A7}"/>
-              </a:ext>
-            </a:extLst>
-          </p:cNvPr>
+            <a:endParaRPr lang="zh-CN" altLang="en-US"/>
+          </a:p>
+        </p:txBody>
+      </p:sp>
+      <p:sp>
+        <p:nvSpPr>
+          <p:cNvPr id="5" name="日期占位符 4"/>
           <p:cNvSpPr>
             <a:spLocks noGrp="1"/>
           </p:cNvSpPr>
@@ -2380,7 +2066,6 @@
           <a:p>
             <a:fld id="{3DD3760A-DE7A-43C9-AD8E-27ED0E105739}" type="datetimeFigureOut">
               <a:rPr lang="zh-CN" altLang="en-US" smtClean="0"/>
-              <a:t>2019/10/9</a:t>
             </a:fld>
             <a:endParaRPr lang="zh-CN" altLang="en-US"/>
           </a:p>
@@ -2388,13 +2073,7 @@
       </p:sp>
       <p:sp>
         <p:nvSpPr>
-          <p:cNvPr id="6" name="页脚占位符 5">
-            <a:extLst>
-              <a:ext uri="{FF2B5EF4-FFF2-40B4-BE49-F238E27FC236}">
-                <a16:creationId xmlns:a16="http://schemas.microsoft.com/office/drawing/2014/main" id="{3FEE7170-5C29-4F62-BD75-8CDA369B1FAB}"/>
-              </a:ext>
-            </a:extLst>
-          </p:cNvPr>
+          <p:cNvPr id="6" name="页脚占位符 5"/>
           <p:cNvSpPr>
             <a:spLocks noGrp="1"/>
           </p:cNvSpPr>
@@ -2413,13 +2092,7 @@
       </p:sp>
       <p:sp>
         <p:nvSpPr>
-          <p:cNvPr id="7" name="灯片编号占位符 6">
-            <a:extLst>
-              <a:ext uri="{FF2B5EF4-FFF2-40B4-BE49-F238E27FC236}">
-                <a16:creationId xmlns:a16="http://schemas.microsoft.com/office/drawing/2014/main" id="{54A6C376-B6A8-4FDB-A6DE-2C555C90EAA0}"/>
-              </a:ext>
-            </a:extLst>
-          </p:cNvPr>
+          <p:cNvPr id="7" name="灯片编号占位符 6"/>
           <p:cNvSpPr>
             <a:spLocks noGrp="1"/>
           </p:cNvSpPr>
@@ -2434,18 +2107,12 @@
           <a:p>
             <a:fld id="{8276D7B7-C76E-4E68-9D22-2ADD93C30A0E}" type="slidenum">
               <a:rPr lang="zh-CN" altLang="en-US" smtClean="0"/>
-              <a:t>‹#›</a:t>
             </a:fld>
             <a:endParaRPr lang="zh-CN" altLang="en-US"/>
           </a:p>
         </p:txBody>
       </p:sp>
     </p:spTree>
-    <p:extLst>
-      <p:ext uri="{BB962C8B-B14F-4D97-AF65-F5344CB8AC3E}">
-        <p14:creationId xmlns:p14="http://schemas.microsoft.com/office/powerpoint/2010/main" val="3195474873"/>
-      </p:ext>
-    </p:extLst>
   </p:cSld>
   <p:clrMapOvr>
     <a:masterClrMapping/>
@@ -2472,13 +2139,7 @@
       </p:grpSpPr>
       <p:sp>
         <p:nvSpPr>
-          <p:cNvPr id="2" name="标题 1">
-            <a:extLst>
-              <a:ext uri="{FF2B5EF4-FFF2-40B4-BE49-F238E27FC236}">
-                <a16:creationId xmlns:a16="http://schemas.microsoft.com/office/drawing/2014/main" id="{0E48CD12-2AB8-44A2-9B53-B86014A593AB}"/>
-              </a:ext>
-            </a:extLst>
-          </p:cNvPr>
+          <p:cNvPr id="2" name="标题 1"/>
           <p:cNvSpPr>
             <a:spLocks noGrp="1"/>
           </p:cNvSpPr>
@@ -2504,18 +2165,13 @@
               <a:rPr lang="zh-CN" altLang="en-US"/>
               <a:t>单击此处编辑母版标题样式</a:t>
             </a:r>
-          </a:p>
-        </p:txBody>
-      </p:sp>
-      <p:sp>
-        <p:nvSpPr>
-          <p:cNvPr id="3" name="图片占位符 2">
-            <a:extLst>
-              <a:ext uri="{FF2B5EF4-FFF2-40B4-BE49-F238E27FC236}">
-                <a16:creationId xmlns:a16="http://schemas.microsoft.com/office/drawing/2014/main" id="{1252C9B5-E8BA-464D-96A6-67B5440F437D}"/>
-              </a:ext>
-            </a:extLst>
-          </p:cNvPr>
+            <a:endParaRPr lang="zh-CN" altLang="en-US"/>
+          </a:p>
+        </p:txBody>
+      </p:sp>
+      <p:sp>
+        <p:nvSpPr>
+          <p:cNvPr id="3" name="图片占位符 2"/>
           <p:cNvSpPr>
             <a:spLocks noGrp="1"/>
           </p:cNvSpPr>
@@ -2576,13 +2232,7 @@
       </p:sp>
       <p:sp>
         <p:nvSpPr>
-          <p:cNvPr id="4" name="文本占位符 3">
-            <a:extLst>
-              <a:ext uri="{FF2B5EF4-FFF2-40B4-BE49-F238E27FC236}">
-                <a16:creationId xmlns:a16="http://schemas.microsoft.com/office/drawing/2014/main" id="{1E0B270D-8A2D-44B7-9313-7736A9A10BD8}"/>
-              </a:ext>
-            </a:extLst>
-          </p:cNvPr>
+          <p:cNvPr id="4" name="文本占位符 3"/>
           <p:cNvSpPr>
             <a:spLocks noGrp="1"/>
           </p:cNvSpPr>
@@ -2642,18 +2292,13 @@
               <a:rPr lang="zh-CN" altLang="en-US"/>
               <a:t>单击此处编辑母版文本样式</a:t>
             </a:r>
-          </a:p>
-        </p:txBody>
-      </p:sp>
-      <p:sp>
-        <p:nvSpPr>
-          <p:cNvPr id="5" name="日期占位符 4">
-            <a:extLst>
-              <a:ext uri="{FF2B5EF4-FFF2-40B4-BE49-F238E27FC236}">
-                <a16:creationId xmlns:a16="http://schemas.microsoft.com/office/drawing/2014/main" id="{9D65920C-6F0F-41DC-AC15-A0F60D3C9E1C}"/>
-              </a:ext>
-            </a:extLst>
-          </p:cNvPr>
+            <a:endParaRPr lang="zh-CN" altLang="en-US"/>
+          </a:p>
+        </p:txBody>
+      </p:sp>
+      <p:sp>
+        <p:nvSpPr>
+          <p:cNvPr id="5" name="日期占位符 4"/>
           <p:cNvSpPr>
             <a:spLocks noGrp="1"/>
           </p:cNvSpPr>
@@ -2668,7 +2313,6 @@
           <a:p>
             <a:fld id="{3DD3760A-DE7A-43C9-AD8E-27ED0E105739}" type="datetimeFigureOut">
               <a:rPr lang="zh-CN" altLang="en-US" smtClean="0"/>
-              <a:t>2019/10/9</a:t>
             </a:fld>
             <a:endParaRPr lang="zh-CN" altLang="en-US"/>
           </a:p>
@@ -2676,13 +2320,7 @@
       </p:sp>
       <p:sp>
         <p:nvSpPr>
-          <p:cNvPr id="6" name="页脚占位符 5">
-            <a:extLst>
-              <a:ext uri="{FF2B5EF4-FFF2-40B4-BE49-F238E27FC236}">
-                <a16:creationId xmlns:a16="http://schemas.microsoft.com/office/drawing/2014/main" id="{499D82F8-90AB-4555-A636-A945D450A823}"/>
-              </a:ext>
-            </a:extLst>
-          </p:cNvPr>
+          <p:cNvPr id="6" name="页脚占位符 5"/>
           <p:cNvSpPr>
             <a:spLocks noGrp="1"/>
           </p:cNvSpPr>
@@ -2701,13 +2339,7 @@
       </p:sp>
       <p:sp>
         <p:nvSpPr>
-          <p:cNvPr id="7" name="灯片编号占位符 6">
-            <a:extLst>
-              <a:ext uri="{FF2B5EF4-FFF2-40B4-BE49-F238E27FC236}">
-                <a16:creationId xmlns:a16="http://schemas.microsoft.com/office/drawing/2014/main" id="{FAC9FE4E-3557-4E7D-AF76-BD62DDF454A6}"/>
-              </a:ext>
-            </a:extLst>
-          </p:cNvPr>
+          <p:cNvPr id="7" name="灯片编号占位符 6"/>
           <p:cNvSpPr>
             <a:spLocks noGrp="1"/>
           </p:cNvSpPr>
@@ -2722,18 +2354,12 @@
           <a:p>
             <a:fld id="{8276D7B7-C76E-4E68-9D22-2ADD93C30A0E}" type="slidenum">
               <a:rPr lang="zh-CN" altLang="en-US" smtClean="0"/>
-              <a:t>‹#›</a:t>
             </a:fld>
             <a:endParaRPr lang="zh-CN" altLang="en-US"/>
           </a:p>
         </p:txBody>
       </p:sp>
     </p:spTree>
-    <p:extLst>
-      <p:ext uri="{BB962C8B-B14F-4D97-AF65-F5344CB8AC3E}">
-        <p14:creationId xmlns:p14="http://schemas.microsoft.com/office/powerpoint/2010/main" val="3338054698"/>
-      </p:ext>
-    </p:extLst>
   </p:cSld>
   <p:clrMapOvr>
     <a:masterClrMapping/>
@@ -2765,13 +2391,7 @@
       </p:grpSpPr>
       <p:sp>
         <p:nvSpPr>
-          <p:cNvPr id="2" name="标题占位符 1">
-            <a:extLst>
-              <a:ext uri="{FF2B5EF4-FFF2-40B4-BE49-F238E27FC236}">
-                <a16:creationId xmlns:a16="http://schemas.microsoft.com/office/drawing/2014/main" id="{9EA3E9AD-3B68-44D3-A6BD-3898852A1D28}"/>
-              </a:ext>
-            </a:extLst>
-          </p:cNvPr>
+          <p:cNvPr id="2" name="标题占位符 1"/>
           <p:cNvSpPr>
             <a:spLocks noGrp="1"/>
           </p:cNvSpPr>
@@ -2798,18 +2418,13 @@
               <a:rPr lang="zh-CN" altLang="en-US"/>
               <a:t>单击此处编辑母版标题样式</a:t>
             </a:r>
-          </a:p>
-        </p:txBody>
-      </p:sp>
-      <p:sp>
-        <p:nvSpPr>
-          <p:cNvPr id="3" name="文本占位符 2">
-            <a:extLst>
-              <a:ext uri="{FF2B5EF4-FFF2-40B4-BE49-F238E27FC236}">
-                <a16:creationId xmlns:a16="http://schemas.microsoft.com/office/drawing/2014/main" id="{EA70D3EB-C962-471A-A6B5-F4208B172A81}"/>
-              </a:ext>
-            </a:extLst>
-          </p:cNvPr>
+            <a:endParaRPr lang="zh-CN" altLang="en-US"/>
+          </a:p>
+        </p:txBody>
+      </p:sp>
+      <p:sp>
+        <p:nvSpPr>
+          <p:cNvPr id="3" name="文本占位符 2"/>
           <p:cNvSpPr>
             <a:spLocks noGrp="1"/>
           </p:cNvSpPr>
@@ -2837,6 +2452,7 @@
               <a:rPr lang="zh-CN" altLang="en-US"/>
               <a:t>单击此处编辑母版文本样式</a:t>
             </a:r>
+            <a:endParaRPr lang="zh-CN" altLang="en-US"/>
           </a:p>
           <a:p>
             <a:pPr lvl="1"/>
@@ -2844,6 +2460,7 @@
               <a:rPr lang="zh-CN" altLang="en-US"/>
               <a:t>二级</a:t>
             </a:r>
+            <a:endParaRPr lang="zh-CN" altLang="en-US"/>
           </a:p>
           <a:p>
             <a:pPr lvl="2"/>
@@ -2851,6 +2468,7 @@
               <a:rPr lang="zh-CN" altLang="en-US"/>
               <a:t>三级</a:t>
             </a:r>
+            <a:endParaRPr lang="zh-CN" altLang="en-US"/>
           </a:p>
           <a:p>
             <a:pPr lvl="3"/>
@@ -2858,6 +2476,7 @@
               <a:rPr lang="zh-CN" altLang="en-US"/>
               <a:t>四级</a:t>
             </a:r>
+            <a:endParaRPr lang="zh-CN" altLang="en-US"/>
           </a:p>
           <a:p>
             <a:pPr lvl="4"/>
@@ -2865,18 +2484,13 @@
               <a:rPr lang="zh-CN" altLang="en-US"/>
               <a:t>五级</a:t>
             </a:r>
-          </a:p>
-        </p:txBody>
-      </p:sp>
-      <p:sp>
-        <p:nvSpPr>
-          <p:cNvPr id="4" name="日期占位符 3">
-            <a:extLst>
-              <a:ext uri="{FF2B5EF4-FFF2-40B4-BE49-F238E27FC236}">
-                <a16:creationId xmlns:a16="http://schemas.microsoft.com/office/drawing/2014/main" id="{4290DD5A-4468-432A-9BB9-0F44F0612B11}"/>
-              </a:ext>
-            </a:extLst>
-          </p:cNvPr>
+            <a:endParaRPr lang="zh-CN" altLang="en-US"/>
+          </a:p>
+        </p:txBody>
+      </p:sp>
+      <p:sp>
+        <p:nvSpPr>
+          <p:cNvPr id="4" name="日期占位符 3"/>
           <p:cNvSpPr>
             <a:spLocks noGrp="1"/>
           </p:cNvSpPr>
@@ -2909,7 +2523,6 @@
           <a:p>
             <a:fld id="{3DD3760A-DE7A-43C9-AD8E-27ED0E105739}" type="datetimeFigureOut">
               <a:rPr lang="zh-CN" altLang="en-US" smtClean="0"/>
-              <a:t>2019/10/9</a:t>
             </a:fld>
             <a:endParaRPr lang="zh-CN" altLang="en-US"/>
           </a:p>
@@ -2917,13 +2530,7 @@
       </p:sp>
       <p:sp>
         <p:nvSpPr>
-          <p:cNvPr id="5" name="页脚占位符 4">
-            <a:extLst>
-              <a:ext uri="{FF2B5EF4-FFF2-40B4-BE49-F238E27FC236}">
-                <a16:creationId xmlns:a16="http://schemas.microsoft.com/office/drawing/2014/main" id="{0D742045-3053-4F4A-BBDA-13E287C32EA1}"/>
-              </a:ext>
-            </a:extLst>
-          </p:cNvPr>
+          <p:cNvPr id="5" name="页脚占位符 4"/>
           <p:cNvSpPr>
             <a:spLocks noGrp="1"/>
           </p:cNvSpPr>
@@ -2960,13 +2567,7 @@
       </p:sp>
       <p:sp>
         <p:nvSpPr>
-          <p:cNvPr id="6" name="灯片编号占位符 5">
-            <a:extLst>
-              <a:ext uri="{FF2B5EF4-FFF2-40B4-BE49-F238E27FC236}">
-                <a16:creationId xmlns:a16="http://schemas.microsoft.com/office/drawing/2014/main" id="{63251484-B2BE-4B96-AA09-8BB58629B7B4}"/>
-              </a:ext>
-            </a:extLst>
-          </p:cNvPr>
+          <p:cNvPr id="6" name="灯片编号占位符 5"/>
           <p:cNvSpPr>
             <a:spLocks noGrp="1"/>
           </p:cNvSpPr>
@@ -2999,18 +2600,12 @@
           <a:p>
             <a:fld id="{8276D7B7-C76E-4E68-9D22-2ADD93C30A0E}" type="slidenum">
               <a:rPr lang="zh-CN" altLang="en-US" smtClean="0"/>
-              <a:t>‹#›</a:t>
             </a:fld>
             <a:endParaRPr lang="zh-CN" altLang="en-US"/>
           </a:p>
         </p:txBody>
       </p:sp>
     </p:spTree>
-    <p:extLst>
-      <p:ext uri="{BB962C8B-B14F-4D97-AF65-F5344CB8AC3E}">
-        <p14:creationId xmlns:p14="http://schemas.microsoft.com/office/powerpoint/2010/main" val="1716750092"/>
-      </p:ext>
-    </p:extLst>
   </p:cSld>
   <p:clrMap bg1="lt1" tx1="dk1" bg2="lt2" tx2="dk2" accent1="accent1" accent2="accent2" accent3="accent3" accent4="accent4" accent5="accent5" accent6="accent6" hlink="hlink" folHlink="folHlink"/>
   <p:sldLayoutIdLst>
@@ -3328,13 +2923,7 @@
       </p:grpSpPr>
       <p:sp>
         <p:nvSpPr>
-          <p:cNvPr id="5" name="文本框 4">
-            <a:extLst>
-              <a:ext uri="{FF2B5EF4-FFF2-40B4-BE49-F238E27FC236}">
-                <a16:creationId xmlns:a16="http://schemas.microsoft.com/office/drawing/2014/main" id="{A72B42A9-6ED0-4E53-8497-0401C8498A96}"/>
-              </a:ext>
-            </a:extLst>
-          </p:cNvPr>
+          <p:cNvPr id="5" name="文本框 4"/>
           <p:cNvSpPr txBox="1"/>
           <p:nvPr/>
         </p:nvSpPr>
@@ -3370,13 +2959,7 @@
       </p:sp>
       <p:sp>
         <p:nvSpPr>
-          <p:cNvPr id="6" name="文本框 5">
-            <a:extLst>
-              <a:ext uri="{FF2B5EF4-FFF2-40B4-BE49-F238E27FC236}">
-                <a16:creationId xmlns:a16="http://schemas.microsoft.com/office/drawing/2014/main" id="{AA5E2051-0049-48EF-BCDA-C9F05249D456}"/>
-              </a:ext>
-            </a:extLst>
-          </p:cNvPr>
+          <p:cNvPr id="6" name="文本框 5"/>
           <p:cNvSpPr txBox="1"/>
           <p:nvPr/>
         </p:nvSpPr>
@@ -3412,15 +2995,8 @@
       </p:sp>
       <p:cxnSp>
         <p:nvCxnSpPr>
-          <p:cNvPr id="9" name="直接连接符 8">
-            <a:extLst>
-              <a:ext uri="{FF2B5EF4-FFF2-40B4-BE49-F238E27FC236}">
-                <a16:creationId xmlns:a16="http://schemas.microsoft.com/office/drawing/2014/main" id="{1CC5AD5E-1DCE-4EFF-B173-CCAC73497920}"/>
-              </a:ext>
-            </a:extLst>
-          </p:cNvPr>
+          <p:cNvPr id="9" name="直接连接符 8"/>
           <p:cNvCxnSpPr>
-            <a:cxnSpLocks/>
             <a:stCxn id="6" idx="3"/>
             <a:endCxn id="5" idx="1"/>
           </p:cNvCxnSpPr>
@@ -3452,13 +3028,7 @@
       </p:cxnSp>
       <p:grpSp>
         <p:nvGrpSpPr>
-          <p:cNvPr id="16" name="组合 15">
-            <a:extLst>
-              <a:ext uri="{FF2B5EF4-FFF2-40B4-BE49-F238E27FC236}">
-                <a16:creationId xmlns:a16="http://schemas.microsoft.com/office/drawing/2014/main" id="{4EAB31E0-5638-406F-A5B1-773AD6A864E9}"/>
-              </a:ext>
-            </a:extLst>
-          </p:cNvPr>
+          <p:cNvPr id="16" name="组合 15"/>
           <p:cNvGrpSpPr/>
           <p:nvPr/>
         </p:nvGrpSpPr>
@@ -3472,20 +3042,14 @@
         </p:grpSpPr>
         <p:pic>
           <p:nvPicPr>
-            <p:cNvPr id="10" name="图片 9">
-              <a:extLst>
-                <a:ext uri="{FF2B5EF4-FFF2-40B4-BE49-F238E27FC236}">
-                  <a16:creationId xmlns:a16="http://schemas.microsoft.com/office/drawing/2014/main" id="{4AFFC4F6-72F4-4913-A628-73053F93F67A}"/>
-                </a:ext>
-              </a:extLst>
-            </p:cNvPr>
+            <p:cNvPr id="10" name="图片 9"/>
             <p:cNvPicPr>
               <a:picLocks noChangeAspect="1"/>
             </p:cNvPicPr>
             <p:nvPr/>
           </p:nvPicPr>
           <p:blipFill>
-            <a:blip r:embed="rId2"/>
+            <a:blip r:embed="rId1"/>
             <a:stretch>
               <a:fillRect/>
             </a:stretch>
@@ -3502,13 +3066,7 @@
         </p:pic>
         <p:sp>
           <p:nvSpPr>
-            <p:cNvPr id="15" name="文本框 14">
-              <a:extLst>
-                <a:ext uri="{FF2B5EF4-FFF2-40B4-BE49-F238E27FC236}">
-                  <a16:creationId xmlns:a16="http://schemas.microsoft.com/office/drawing/2014/main" id="{AE50AD02-DE04-40D6-A1E1-B49A65B71374}"/>
-                </a:ext>
-              </a:extLst>
-            </p:cNvPr>
+            <p:cNvPr id="15" name="文本框 14"/>
             <p:cNvSpPr txBox="1"/>
             <p:nvPr/>
           </p:nvSpPr>
@@ -3545,16 +3103,8 @@
       </p:grpSp>
       <p:cxnSp>
         <p:nvCxnSpPr>
-          <p:cNvPr id="18" name="直接箭头连接符 17">
-            <a:extLst>
-              <a:ext uri="{FF2B5EF4-FFF2-40B4-BE49-F238E27FC236}">
-                <a16:creationId xmlns:a16="http://schemas.microsoft.com/office/drawing/2014/main" id="{9865DDA2-5E9C-4BDA-95FF-83D0CD626D08}"/>
-              </a:ext>
-            </a:extLst>
-          </p:cNvPr>
-          <p:cNvCxnSpPr>
-            <a:cxnSpLocks/>
-          </p:cNvCxnSpPr>
+          <p:cNvPr id="18" name="直接箭头连接符 17"/>
+          <p:cNvCxnSpPr/>
           <p:nvPr/>
         </p:nvCxnSpPr>
         <p:spPr>
@@ -3586,13 +3136,7 @@
       </p:cxnSp>
       <p:sp>
         <p:nvSpPr>
-          <p:cNvPr id="20" name="文本框 19">
-            <a:extLst>
-              <a:ext uri="{FF2B5EF4-FFF2-40B4-BE49-F238E27FC236}">
-                <a16:creationId xmlns:a16="http://schemas.microsoft.com/office/drawing/2014/main" id="{1AE189A2-D5AD-4BD2-A7D0-6F35E4A1AE48}"/>
-              </a:ext>
-            </a:extLst>
-          </p:cNvPr>
+          <p:cNvPr id="20" name="文本框 19"/>
           <p:cNvSpPr txBox="1"/>
           <p:nvPr/>
         </p:nvSpPr>
@@ -3628,13 +3172,7 @@
       </p:sp>
       <p:sp>
         <p:nvSpPr>
-          <p:cNvPr id="21" name="文本框 20">
-            <a:extLst>
-              <a:ext uri="{FF2B5EF4-FFF2-40B4-BE49-F238E27FC236}">
-                <a16:creationId xmlns:a16="http://schemas.microsoft.com/office/drawing/2014/main" id="{DF9DB8DF-CCF0-44EB-8287-5D8F19187FA9}"/>
-              </a:ext>
-            </a:extLst>
-          </p:cNvPr>
+          <p:cNvPr id="21" name="文本框 20"/>
           <p:cNvSpPr txBox="1"/>
           <p:nvPr/>
         </p:nvSpPr>
@@ -3670,13 +3208,7 @@
       </p:sp>
       <p:cxnSp>
         <p:nvCxnSpPr>
-          <p:cNvPr id="23" name="直接箭头连接符 22">
-            <a:extLst>
-              <a:ext uri="{FF2B5EF4-FFF2-40B4-BE49-F238E27FC236}">
-                <a16:creationId xmlns:a16="http://schemas.microsoft.com/office/drawing/2014/main" id="{4498D930-E352-4FD8-A18B-05082CD28F8E}"/>
-              </a:ext>
-            </a:extLst>
-          </p:cNvPr>
+          <p:cNvPr id="23" name="直接箭头连接符 22"/>
           <p:cNvCxnSpPr>
             <a:stCxn id="21" idx="2"/>
           </p:cNvCxnSpPr>
@@ -3711,13 +3243,7 @@
       </p:cxnSp>
       <p:sp>
         <p:nvSpPr>
-          <p:cNvPr id="24" name="文本框 23">
-            <a:extLst>
-              <a:ext uri="{FF2B5EF4-FFF2-40B4-BE49-F238E27FC236}">
-                <a16:creationId xmlns:a16="http://schemas.microsoft.com/office/drawing/2014/main" id="{4CF91915-E0E7-4265-89A3-AFFB5C77ACBB}"/>
-              </a:ext>
-            </a:extLst>
-          </p:cNvPr>
+          <p:cNvPr id="24" name="文本框 23"/>
           <p:cNvSpPr txBox="1"/>
           <p:nvPr/>
         </p:nvSpPr>
@@ -3753,13 +3279,7 @@
       </p:sp>
       <p:sp>
         <p:nvSpPr>
-          <p:cNvPr id="25" name="文本框 24">
-            <a:extLst>
-              <a:ext uri="{FF2B5EF4-FFF2-40B4-BE49-F238E27FC236}">
-                <a16:creationId xmlns:a16="http://schemas.microsoft.com/office/drawing/2014/main" id="{18A78B41-D14A-4D74-8492-AC34736A8648}"/>
-              </a:ext>
-            </a:extLst>
-          </p:cNvPr>
+          <p:cNvPr id="25" name="文本框 24"/>
           <p:cNvSpPr txBox="1"/>
           <p:nvPr/>
         </p:nvSpPr>
@@ -3795,13 +3315,7 @@
       </p:sp>
       <p:cxnSp>
         <p:nvCxnSpPr>
-          <p:cNvPr id="27" name="直接箭头连接符 26">
-            <a:extLst>
-              <a:ext uri="{FF2B5EF4-FFF2-40B4-BE49-F238E27FC236}">
-                <a16:creationId xmlns:a16="http://schemas.microsoft.com/office/drawing/2014/main" id="{5F6CB89A-8AD4-4071-B6AF-43EEA5DFF9B8}"/>
-              </a:ext>
-            </a:extLst>
-          </p:cNvPr>
+          <p:cNvPr id="27" name="直接箭头连接符 26"/>
           <p:cNvCxnSpPr>
             <a:stCxn id="21" idx="2"/>
             <a:endCxn id="25" idx="0"/>
@@ -3837,13 +3351,7 @@
       </p:cxnSp>
       <p:sp>
         <p:nvSpPr>
-          <p:cNvPr id="28" name="文本框 27">
-            <a:extLst>
-              <a:ext uri="{FF2B5EF4-FFF2-40B4-BE49-F238E27FC236}">
-                <a16:creationId xmlns:a16="http://schemas.microsoft.com/office/drawing/2014/main" id="{E926F8D0-CBBE-4BA7-A382-7316D1DD0E4F}"/>
-              </a:ext>
-            </a:extLst>
-          </p:cNvPr>
+          <p:cNvPr id="28" name="文本框 27"/>
           <p:cNvSpPr txBox="1"/>
           <p:nvPr/>
         </p:nvSpPr>
@@ -3870,6 +3378,10 @@
               </a:rPr>
               <a:t>Larger model</a:t>
             </a:r>
+            <a:endParaRPr lang="en-US" altLang="zh-CN" sz="1400" dirty="0">
+              <a:latin typeface="Times New Roman" panose="02020603050405020304" pitchFamily="18" charset="0"/>
+              <a:cs typeface="Times New Roman" panose="02020603050405020304" pitchFamily="18" charset="0"/>
+            </a:endParaRPr>
           </a:p>
           <a:p>
             <a:r>
@@ -3888,13 +3400,7 @@
       </p:sp>
       <p:grpSp>
         <p:nvGrpSpPr>
-          <p:cNvPr id="31" name="组合 30">
-            <a:extLst>
-              <a:ext uri="{FF2B5EF4-FFF2-40B4-BE49-F238E27FC236}">
-                <a16:creationId xmlns:a16="http://schemas.microsoft.com/office/drawing/2014/main" id="{D529DB25-B15D-4484-87B4-2562CD49AFEE}"/>
-              </a:ext>
-            </a:extLst>
-          </p:cNvPr>
+          <p:cNvPr id="31" name="组合 30"/>
           <p:cNvGrpSpPr/>
           <p:nvPr/>
         </p:nvGrpSpPr>
@@ -3908,20 +3414,14 @@
         </p:grpSpPr>
         <p:pic>
           <p:nvPicPr>
-            <p:cNvPr id="29" name="图片 28">
-              <a:extLst>
-                <a:ext uri="{FF2B5EF4-FFF2-40B4-BE49-F238E27FC236}">
-                  <a16:creationId xmlns:a16="http://schemas.microsoft.com/office/drawing/2014/main" id="{7D8B02D2-7AF7-41C3-AB20-3BE0DD327AB4}"/>
-                </a:ext>
-              </a:extLst>
-            </p:cNvPr>
+            <p:cNvPr id="29" name="图片 28"/>
             <p:cNvPicPr>
               <a:picLocks noChangeAspect="1"/>
             </p:cNvPicPr>
             <p:nvPr/>
           </p:nvPicPr>
           <p:blipFill>
-            <a:blip r:embed="rId3"/>
+            <a:blip r:embed="rId2"/>
             <a:stretch>
               <a:fillRect/>
             </a:stretch>
@@ -3938,13 +3438,7 @@
         </p:pic>
         <p:sp>
           <p:nvSpPr>
-            <p:cNvPr id="30" name="文本框 29">
-              <a:extLst>
-                <a:ext uri="{FF2B5EF4-FFF2-40B4-BE49-F238E27FC236}">
-                  <a16:creationId xmlns:a16="http://schemas.microsoft.com/office/drawing/2014/main" id="{E4A6204F-E7E7-46CB-B3F0-630B4B6BB403}"/>
-                </a:ext>
-              </a:extLst>
-            </p:cNvPr>
+            <p:cNvPr id="30" name="文本框 29"/>
             <p:cNvSpPr txBox="1"/>
             <p:nvPr/>
           </p:nvSpPr>
@@ -3981,13 +3475,7 @@
       </p:grpSp>
       <p:cxnSp>
         <p:nvCxnSpPr>
-          <p:cNvPr id="33" name="直接箭头连接符 32">
-            <a:extLst>
-              <a:ext uri="{FF2B5EF4-FFF2-40B4-BE49-F238E27FC236}">
-                <a16:creationId xmlns:a16="http://schemas.microsoft.com/office/drawing/2014/main" id="{CFAD4941-F781-447B-9D7E-CEAC78FE36A8}"/>
-              </a:ext>
-            </a:extLst>
-          </p:cNvPr>
+          <p:cNvPr id="33" name="直接箭头连接符 32"/>
           <p:cNvCxnSpPr>
             <a:stCxn id="25" idx="3"/>
             <a:endCxn id="30" idx="1"/>
@@ -4023,13 +3511,7 @@
       </p:cxnSp>
       <p:sp>
         <p:nvSpPr>
-          <p:cNvPr id="34" name="文本框 33">
-            <a:extLst>
-              <a:ext uri="{FF2B5EF4-FFF2-40B4-BE49-F238E27FC236}">
-                <a16:creationId xmlns:a16="http://schemas.microsoft.com/office/drawing/2014/main" id="{EDDEDED1-E141-4D79-BE9B-5A88B6049FDD}"/>
-              </a:ext>
-            </a:extLst>
-          </p:cNvPr>
+          <p:cNvPr id="34" name="文本框 33"/>
           <p:cNvSpPr txBox="1"/>
           <p:nvPr/>
         </p:nvSpPr>
@@ -4065,19 +3547,13 @@
       </p:sp>
       <p:grpSp>
         <p:nvGrpSpPr>
-          <p:cNvPr id="37" name="组合 36">
-            <a:extLst>
-              <a:ext uri="{FF2B5EF4-FFF2-40B4-BE49-F238E27FC236}">
-                <a16:creationId xmlns:a16="http://schemas.microsoft.com/office/drawing/2014/main" id="{2D8EB587-D7FB-44A1-B7FE-4051D9892AC1}"/>
-              </a:ext>
-            </a:extLst>
-          </p:cNvPr>
+          <p:cNvPr id="37" name="组合 36"/>
           <p:cNvGrpSpPr/>
           <p:nvPr/>
         </p:nvGrpSpPr>
         <p:grpSpPr>
           <a:xfrm>
-            <a:off x="5692733" y="4272170"/>
+            <a:off x="6155013" y="4272170"/>
             <a:ext cx="1159934" cy="1519714"/>
             <a:chOff x="4584699" y="3595200"/>
             <a:chExt cx="1159934" cy="1519714"/>
@@ -4085,20 +3561,14 @@
         </p:grpSpPr>
         <p:pic>
           <p:nvPicPr>
-            <p:cNvPr id="35" name="图片 34">
-              <a:extLst>
-                <a:ext uri="{FF2B5EF4-FFF2-40B4-BE49-F238E27FC236}">
-                  <a16:creationId xmlns:a16="http://schemas.microsoft.com/office/drawing/2014/main" id="{D581BEA9-2744-49E8-8541-D97E9DA13370}"/>
-                </a:ext>
-              </a:extLst>
-            </p:cNvPr>
+            <p:cNvPr id="35" name="图片 34"/>
             <p:cNvPicPr>
               <a:picLocks noChangeAspect="1"/>
             </p:cNvPicPr>
             <p:nvPr/>
           </p:nvPicPr>
           <p:blipFill>
-            <a:blip r:embed="rId4"/>
+            <a:blip r:embed="rId3"/>
             <a:stretch>
               <a:fillRect/>
             </a:stretch>
@@ -4115,13 +3585,7 @@
         </p:pic>
         <p:sp>
           <p:nvSpPr>
-            <p:cNvPr id="36" name="文本框 35">
-              <a:extLst>
-                <a:ext uri="{FF2B5EF4-FFF2-40B4-BE49-F238E27FC236}">
-                  <a16:creationId xmlns:a16="http://schemas.microsoft.com/office/drawing/2014/main" id="{968BAB4A-00FD-4613-90C2-695E93F106A8}"/>
-                </a:ext>
-              </a:extLst>
-            </p:cNvPr>
+            <p:cNvPr id="36" name="文本框 35"/>
             <p:cNvSpPr txBox="1"/>
             <p:nvPr/>
           </p:nvSpPr>
@@ -4149,6 +3613,10 @@
                 </a:rPr>
                 <a:t>ERNIE </a:t>
               </a:r>
+              <a:endParaRPr lang="en-US" altLang="zh-CN" b="1" dirty="0">
+                <a:latin typeface="Times New Roman" panose="02020603050405020304" pitchFamily="18" charset="0"/>
+                <a:cs typeface="Times New Roman" panose="02020603050405020304" pitchFamily="18" charset="0"/>
+              </a:endParaRPr>
             </a:p>
             <a:p>
               <a:pPr algn="ctr"/>
@@ -4169,23 +3637,16 @@
       </p:grpSp>
       <p:cxnSp>
         <p:nvCxnSpPr>
-          <p:cNvPr id="39" name="直接箭头连接符 38">
-            <a:extLst>
-              <a:ext uri="{FF2B5EF4-FFF2-40B4-BE49-F238E27FC236}">
-                <a16:creationId xmlns:a16="http://schemas.microsoft.com/office/drawing/2014/main" id="{B8B6114E-CD18-449E-B361-DB4100F6D68C}"/>
-              </a:ext>
-            </a:extLst>
-          </p:cNvPr>
+          <p:cNvPr id="39" name="直接箭头连接符 38"/>
           <p:cNvCxnSpPr>
-            <a:cxnSpLocks/>
             <a:endCxn id="35" idx="0"/>
           </p:cNvCxnSpPr>
           <p:nvPr/>
         </p:nvCxnSpPr>
         <p:spPr>
           <a:xfrm>
-            <a:off x="5807034" y="2744673"/>
-            <a:ext cx="465667" cy="1527497"/>
+            <a:off x="5864860" y="2657475"/>
+            <a:ext cx="870585" cy="1614805"/>
           </a:xfrm>
           <a:prstGeom prst="straightConnector1">
             <a:avLst/>
@@ -4211,13 +3672,7 @@
       </p:cxnSp>
       <p:sp>
         <p:nvSpPr>
-          <p:cNvPr id="42" name="文本框 41">
-            <a:extLst>
-              <a:ext uri="{FF2B5EF4-FFF2-40B4-BE49-F238E27FC236}">
-                <a16:creationId xmlns:a16="http://schemas.microsoft.com/office/drawing/2014/main" id="{E7B3F1B3-E06D-44F8-8126-31994765C6E8}"/>
-              </a:ext>
-            </a:extLst>
-          </p:cNvPr>
+          <p:cNvPr id="42" name="文本框 41"/>
           <p:cNvSpPr txBox="1"/>
           <p:nvPr/>
         </p:nvSpPr>
@@ -4259,6 +3714,10 @@
               </a:rPr>
               <a:t>ERNIE (Baidu)</a:t>
             </a:r>
+            <a:endParaRPr lang="en-US" altLang="zh-CN" b="1" dirty="0">
+              <a:latin typeface="Times New Roman" panose="02020603050405020304" pitchFamily="18" charset="0"/>
+              <a:cs typeface="Times New Roman" panose="02020603050405020304" pitchFamily="18" charset="0"/>
+            </a:endParaRPr>
           </a:p>
           <a:p>
             <a:pPr algn="ctr"/>
@@ -4285,19 +3744,13 @@
       </p:sp>
       <p:sp>
         <p:nvSpPr>
-          <p:cNvPr id="44" name="文本框 43">
-            <a:extLst>
-              <a:ext uri="{FF2B5EF4-FFF2-40B4-BE49-F238E27FC236}">
-                <a16:creationId xmlns:a16="http://schemas.microsoft.com/office/drawing/2014/main" id="{02955FD8-4B71-4CFE-A90A-615BA2773D0D}"/>
-              </a:ext>
-            </a:extLst>
-          </p:cNvPr>
+          <p:cNvPr id="44" name="文本框 43"/>
           <p:cNvSpPr txBox="1"/>
           <p:nvPr/>
         </p:nvSpPr>
         <p:spPr>
           <a:xfrm>
-            <a:off x="5413099" y="3535514"/>
+            <a:off x="5875379" y="3535514"/>
             <a:ext cx="1773600" cy="307777"/>
           </a:xfrm>
           <a:prstGeom prst="rect">
@@ -4327,19 +3780,13 @@
       </p:sp>
       <p:sp>
         <p:nvSpPr>
-          <p:cNvPr id="45" name="文本框 44">
-            <a:extLst>
-              <a:ext uri="{FF2B5EF4-FFF2-40B4-BE49-F238E27FC236}">
-                <a16:creationId xmlns:a16="http://schemas.microsoft.com/office/drawing/2014/main" id="{E126A9F0-D917-44E4-907B-35A8AD2C1B6F}"/>
-              </a:ext>
-            </a:extLst>
-          </p:cNvPr>
+          <p:cNvPr id="45" name="文本框 44"/>
           <p:cNvSpPr txBox="1"/>
           <p:nvPr/>
         </p:nvSpPr>
         <p:spPr>
           <a:xfrm>
-            <a:off x="5630800" y="6394282"/>
+            <a:off x="6093080" y="6394282"/>
             <a:ext cx="1283800" cy="369332"/>
           </a:xfrm>
           <a:prstGeom prst="rect">
@@ -4370,13 +3817,7 @@
       </p:sp>
       <p:cxnSp>
         <p:nvCxnSpPr>
-          <p:cNvPr id="47" name="直接箭头连接符 46">
-            <a:extLst>
-              <a:ext uri="{FF2B5EF4-FFF2-40B4-BE49-F238E27FC236}">
-                <a16:creationId xmlns:a16="http://schemas.microsoft.com/office/drawing/2014/main" id="{C1941A1D-60E2-46CE-A9C4-478D20E442BE}"/>
-              </a:ext>
-            </a:extLst>
-          </p:cNvPr>
+          <p:cNvPr id="47" name="直接箭头连接符 46"/>
           <p:cNvCxnSpPr>
             <a:stCxn id="36" idx="2"/>
             <a:endCxn id="45" idx="0"/>
@@ -4384,9 +3825,9 @@
           <p:nvPr/>
         </p:nvCxnSpPr>
         <p:spPr>
-          <a:xfrm>
-            <a:off x="6272700" y="5791884"/>
-            <a:ext cx="0" cy="602398"/>
+          <a:xfrm flipH="1">
+            <a:off x="6734980" y="5791884"/>
+            <a:ext cx="635" cy="602615"/>
           </a:xfrm>
           <a:prstGeom prst="straightConnector1">
             <a:avLst/>
@@ -4412,13 +3853,7 @@
       </p:cxnSp>
       <p:sp>
         <p:nvSpPr>
-          <p:cNvPr id="52" name="文本框 51">
-            <a:extLst>
-              <a:ext uri="{FF2B5EF4-FFF2-40B4-BE49-F238E27FC236}">
-                <a16:creationId xmlns:a16="http://schemas.microsoft.com/office/drawing/2014/main" id="{C548C8F2-B0A5-4F83-BE34-B7F278372C7A}"/>
-              </a:ext>
-            </a:extLst>
-          </p:cNvPr>
+          <p:cNvPr id="52" name="文本框 51"/>
           <p:cNvSpPr txBox="1"/>
           <p:nvPr/>
         </p:nvSpPr>
@@ -4454,13 +3889,7 @@
       </p:sp>
       <p:sp>
         <p:nvSpPr>
-          <p:cNvPr id="58" name="文本框 57">
-            <a:extLst>
-              <a:ext uri="{FF2B5EF4-FFF2-40B4-BE49-F238E27FC236}">
-                <a16:creationId xmlns:a16="http://schemas.microsoft.com/office/drawing/2014/main" id="{8EA3F12F-AA23-48D0-9CE1-1A90A94B2F97}"/>
-              </a:ext>
-            </a:extLst>
-          </p:cNvPr>
+          <p:cNvPr id="58" name="文本框 57"/>
           <p:cNvSpPr txBox="1"/>
           <p:nvPr/>
         </p:nvSpPr>
@@ -4502,6 +3931,10 @@
               </a:rPr>
               <a:t>CBT</a:t>
             </a:r>
+            <a:endParaRPr lang="en-US" altLang="zh-CN" b="1" dirty="0">
+              <a:latin typeface="Times New Roman" panose="02020603050405020304" pitchFamily="18" charset="0"/>
+              <a:cs typeface="Times New Roman" panose="02020603050405020304" pitchFamily="18" charset="0"/>
+            </a:endParaRPr>
           </a:p>
           <a:p>
             <a:pPr algn="ctr"/>
@@ -4561,6 +3994,10 @@
               </a:rPr>
               <a:t>-VL</a:t>
             </a:r>
+            <a:endParaRPr lang="en-US" altLang="zh-CN" b="1" dirty="0">
+              <a:latin typeface="Times New Roman" panose="02020603050405020304" pitchFamily="18" charset="0"/>
+              <a:cs typeface="Times New Roman" panose="02020603050405020304" pitchFamily="18" charset="0"/>
+            </a:endParaRPr>
           </a:p>
           <a:p>
             <a:pPr algn="ctr"/>
@@ -4571,6 +4008,10 @@
               </a:rPr>
               <a:t>LXMERT</a:t>
             </a:r>
+            <a:endParaRPr lang="en-US" altLang="zh-CN" b="1" dirty="0">
+              <a:latin typeface="Times New Roman" panose="02020603050405020304" pitchFamily="18" charset="0"/>
+              <a:cs typeface="Times New Roman" panose="02020603050405020304" pitchFamily="18" charset="0"/>
+            </a:endParaRPr>
           </a:p>
           <a:p>
             <a:pPr algn="ctr"/>
@@ -4581,6 +4022,10 @@
               </a:rPr>
               <a:t>VL-BERT</a:t>
             </a:r>
+            <a:endParaRPr lang="en-US" altLang="zh-CN" b="1" dirty="0">
+              <a:latin typeface="Times New Roman" panose="02020603050405020304" pitchFamily="18" charset="0"/>
+              <a:cs typeface="Times New Roman" panose="02020603050405020304" pitchFamily="18" charset="0"/>
+            </a:endParaRPr>
           </a:p>
           <a:p>
             <a:pPr algn="ctr"/>
@@ -4600,15 +4045,8 @@
       </p:sp>
       <p:cxnSp>
         <p:nvCxnSpPr>
-          <p:cNvPr id="60" name="直接箭头连接符 59">
-            <a:extLst>
-              <a:ext uri="{FF2B5EF4-FFF2-40B4-BE49-F238E27FC236}">
-                <a16:creationId xmlns:a16="http://schemas.microsoft.com/office/drawing/2014/main" id="{70AE3968-D298-4AD1-854C-5202C2F30FE3}"/>
-              </a:ext>
-            </a:extLst>
-          </p:cNvPr>
+          <p:cNvPr id="60" name="直接箭头连接符 59"/>
           <p:cNvCxnSpPr>
-            <a:cxnSpLocks/>
             <a:stCxn id="15" idx="3"/>
           </p:cNvCxnSpPr>
           <p:nvPr/>
@@ -4642,19 +4080,13 @@
       </p:cxnSp>
       <p:sp>
         <p:nvSpPr>
-          <p:cNvPr id="62" name="文本框 61">
-            <a:extLst>
-              <a:ext uri="{FF2B5EF4-FFF2-40B4-BE49-F238E27FC236}">
-                <a16:creationId xmlns:a16="http://schemas.microsoft.com/office/drawing/2014/main" id="{339FA287-57D3-496F-B07D-D2BDEED02D03}"/>
-              </a:ext>
-            </a:extLst>
-          </p:cNvPr>
+          <p:cNvPr id="62" name="文本框 61"/>
           <p:cNvSpPr txBox="1"/>
           <p:nvPr/>
         </p:nvSpPr>
         <p:spPr>
           <a:xfrm>
-            <a:off x="6919490" y="3422774"/>
+            <a:off x="6639455" y="3250689"/>
             <a:ext cx="1221865" cy="307777"/>
           </a:xfrm>
           <a:prstGeom prst="rect">
@@ -4684,19 +4116,13 @@
       </p:sp>
       <p:sp>
         <p:nvSpPr>
-          <p:cNvPr id="63" name="文本框 62">
-            <a:extLst>
-              <a:ext uri="{FF2B5EF4-FFF2-40B4-BE49-F238E27FC236}">
-                <a16:creationId xmlns:a16="http://schemas.microsoft.com/office/drawing/2014/main" id="{494E4A32-C21A-47A3-9561-DDB8EB45B2D1}"/>
-              </a:ext>
-            </a:extLst>
-          </p:cNvPr>
+          <p:cNvPr id="63" name="文本框 62"/>
           <p:cNvSpPr txBox="1"/>
           <p:nvPr/>
         </p:nvSpPr>
         <p:spPr>
           <a:xfrm>
-            <a:off x="4277650" y="5595365"/>
+            <a:off x="4766600" y="5595365"/>
             <a:ext cx="1159934" cy="369332"/>
           </a:xfrm>
           <a:prstGeom prst="rect">
@@ -4727,13 +4153,7 @@
       </p:sp>
       <p:sp>
         <p:nvSpPr>
-          <p:cNvPr id="64" name="文本框 63">
-            <a:extLst>
-              <a:ext uri="{FF2B5EF4-FFF2-40B4-BE49-F238E27FC236}">
-                <a16:creationId xmlns:a16="http://schemas.microsoft.com/office/drawing/2014/main" id="{54E1F80C-3C47-4785-B73D-A1ED9C45FBB0}"/>
-              </a:ext>
-            </a:extLst>
-          </p:cNvPr>
+          <p:cNvPr id="64" name="文本框 63"/>
           <p:cNvSpPr txBox="1"/>
           <p:nvPr/>
         </p:nvSpPr>
@@ -4761,6 +4181,10 @@
               </a:rPr>
               <a:t>MASS</a:t>
             </a:r>
+            <a:endParaRPr lang="en-US" altLang="zh-CN" b="1" dirty="0">
+              <a:latin typeface="Times New Roman" panose="02020603050405020304" pitchFamily="18" charset="0"/>
+              <a:cs typeface="Times New Roman" panose="02020603050405020304" pitchFamily="18" charset="0"/>
+            </a:endParaRPr>
           </a:p>
           <a:p>
             <a:pPr algn="ctr"/>
@@ -4780,13 +4204,7 @@
       </p:sp>
       <p:sp>
         <p:nvSpPr>
-          <p:cNvPr id="65" name="文本框 64">
-            <a:extLst>
-              <a:ext uri="{FF2B5EF4-FFF2-40B4-BE49-F238E27FC236}">
-                <a16:creationId xmlns:a16="http://schemas.microsoft.com/office/drawing/2014/main" id="{FA8D1ECE-3897-45DD-99C9-DF92EC62D58E}"/>
-              </a:ext>
-            </a:extLst>
-          </p:cNvPr>
+          <p:cNvPr id="65" name="文本框 64"/>
           <p:cNvSpPr txBox="1"/>
           <p:nvPr/>
         </p:nvSpPr>
@@ -4814,6 +4232,10 @@
               </a:rPr>
               <a:t>XLM</a:t>
             </a:r>
+            <a:endParaRPr lang="en-US" altLang="zh-CN" b="1" dirty="0">
+              <a:latin typeface="Times New Roman" panose="02020603050405020304" pitchFamily="18" charset="0"/>
+              <a:cs typeface="Times New Roman" panose="02020603050405020304" pitchFamily="18" charset="0"/>
+            </a:endParaRPr>
           </a:p>
           <a:p>
             <a:pPr algn="ctr"/>
@@ -4833,19 +4255,13 @@
       </p:sp>
       <p:sp>
         <p:nvSpPr>
-          <p:cNvPr id="66" name="文本框 65">
-            <a:extLst>
-              <a:ext uri="{FF2B5EF4-FFF2-40B4-BE49-F238E27FC236}">
-                <a16:creationId xmlns:a16="http://schemas.microsoft.com/office/drawing/2014/main" id="{4DEB5C46-2B50-4662-BCAF-31C4BD86103D}"/>
-              </a:ext>
-            </a:extLst>
-          </p:cNvPr>
+          <p:cNvPr id="66" name="文本框 65"/>
           <p:cNvSpPr txBox="1"/>
           <p:nvPr/>
         </p:nvSpPr>
         <p:spPr>
           <a:xfrm>
-            <a:off x="2745908" y="5945771"/>
+            <a:off x="3683168" y="5947676"/>
             <a:ext cx="1290597" cy="369332"/>
           </a:xfrm>
           <a:prstGeom prst="rect">
@@ -4876,23 +4292,17 @@
       </p:sp>
       <p:cxnSp>
         <p:nvCxnSpPr>
-          <p:cNvPr id="68" name="直接箭头连接符 67">
-            <a:extLst>
-              <a:ext uri="{FF2B5EF4-FFF2-40B4-BE49-F238E27FC236}">
-                <a16:creationId xmlns:a16="http://schemas.microsoft.com/office/drawing/2014/main" id="{1E03AD69-66DB-445A-85B5-57CA2A723377}"/>
-              </a:ext>
-            </a:extLst>
-          </p:cNvPr>
+          <p:cNvPr id="68" name="直接箭头连接符 67"/>
           <p:cNvCxnSpPr>
-            <a:cxnSpLocks/>
+            <a:stCxn id="15" idx="2"/>
             <a:endCxn id="63" idx="0"/>
           </p:cNvCxnSpPr>
           <p:nvPr/>
         </p:nvCxnSpPr>
         <p:spPr>
           <a:xfrm flipH="1">
-            <a:off x="4857617" y="2791455"/>
-            <a:ext cx="713450" cy="2803910"/>
+            <a:off x="5346700" y="2745105"/>
+            <a:ext cx="310515" cy="2850515"/>
           </a:xfrm>
           <a:prstGeom prst="straightConnector1">
             <a:avLst/>
@@ -4918,19 +4328,13 @@
       </p:cxnSp>
       <p:sp>
         <p:nvSpPr>
-          <p:cNvPr id="69" name="文本框 68">
-            <a:extLst>
-              <a:ext uri="{FF2B5EF4-FFF2-40B4-BE49-F238E27FC236}">
-                <a16:creationId xmlns:a16="http://schemas.microsoft.com/office/drawing/2014/main" id="{A10882AD-CF24-4EDC-AE26-3E4A9CA790C5}"/>
-              </a:ext>
-            </a:extLst>
-          </p:cNvPr>
+          <p:cNvPr id="69" name="文本框 68"/>
           <p:cNvSpPr txBox="1"/>
           <p:nvPr/>
         </p:nvSpPr>
         <p:spPr>
           <a:xfrm>
-            <a:off x="4645565" y="3843685"/>
+            <a:off x="4949730" y="3843685"/>
             <a:ext cx="1414867" cy="738664"/>
           </a:xfrm>
           <a:prstGeom prst="rect">
@@ -4951,6 +4355,10 @@
               </a:rPr>
               <a:t>Permutation LM</a:t>
             </a:r>
+            <a:endParaRPr lang="en-US" altLang="zh-CN" sz="1400" dirty="0">
+              <a:latin typeface="Times New Roman" panose="02020603050405020304" pitchFamily="18" charset="0"/>
+              <a:cs typeface="Times New Roman" panose="02020603050405020304" pitchFamily="18" charset="0"/>
+            </a:endParaRPr>
           </a:p>
           <a:p>
             <a:r>
@@ -4960,6 +4368,10 @@
               </a:rPr>
               <a:t>Transformer-XL</a:t>
             </a:r>
+            <a:endParaRPr lang="en-US" altLang="zh-CN" sz="1400" dirty="0">
+              <a:latin typeface="Times New Roman" panose="02020603050405020304" pitchFamily="18" charset="0"/>
+              <a:cs typeface="Times New Roman" panose="02020603050405020304" pitchFamily="18" charset="0"/>
+            </a:endParaRPr>
           </a:p>
           <a:p>
             <a:r>
@@ -4978,16 +4390,8 @@
       </p:sp>
       <p:cxnSp>
         <p:nvCxnSpPr>
-          <p:cNvPr id="75" name="直接箭头连接符 74">
-            <a:extLst>
-              <a:ext uri="{FF2B5EF4-FFF2-40B4-BE49-F238E27FC236}">
-                <a16:creationId xmlns:a16="http://schemas.microsoft.com/office/drawing/2014/main" id="{CD62C6B1-7284-4DF1-9F53-C4E4459205E2}"/>
-              </a:ext>
-            </a:extLst>
-          </p:cNvPr>
-          <p:cNvCxnSpPr>
-            <a:cxnSpLocks/>
-          </p:cNvCxnSpPr>
+          <p:cNvPr id="75" name="直接箭头连接符 74"/>
+          <p:cNvCxnSpPr/>
           <p:nvPr/>
         </p:nvCxnSpPr>
         <p:spPr>
@@ -5019,13 +4423,7 @@
       </p:cxnSp>
       <p:sp>
         <p:nvSpPr>
-          <p:cNvPr id="76" name="文本框 75">
-            <a:extLst>
-              <a:ext uri="{FF2B5EF4-FFF2-40B4-BE49-F238E27FC236}">
-                <a16:creationId xmlns:a16="http://schemas.microsoft.com/office/drawing/2014/main" id="{3C480024-F052-4239-BC13-11F767DC80D7}"/>
-              </a:ext>
-            </a:extLst>
-          </p:cNvPr>
+          <p:cNvPr id="76" name="文本框 75"/>
           <p:cNvSpPr txBox="1"/>
           <p:nvPr/>
         </p:nvSpPr>
@@ -5061,23 +4459,16 @@
       </p:sp>
       <p:cxnSp>
         <p:nvCxnSpPr>
-          <p:cNvPr id="78" name="直接箭头连接符 77">
-            <a:extLst>
-              <a:ext uri="{FF2B5EF4-FFF2-40B4-BE49-F238E27FC236}">
-                <a16:creationId xmlns:a16="http://schemas.microsoft.com/office/drawing/2014/main" id="{2FC558A9-9202-498D-AB44-D40249B9CB6B}"/>
-              </a:ext>
-            </a:extLst>
-          </p:cNvPr>
+          <p:cNvPr id="78" name="直接箭头连接符 77"/>
           <p:cNvCxnSpPr>
-            <a:cxnSpLocks/>
             <a:endCxn id="66" idx="0"/>
           </p:cNvCxnSpPr>
           <p:nvPr/>
         </p:nvCxnSpPr>
         <p:spPr>
           <a:xfrm flipH="1">
-            <a:off x="3391207" y="2767848"/>
-            <a:ext cx="1998948" cy="3177923"/>
+            <a:off x="4328160" y="2693670"/>
+            <a:ext cx="1184275" cy="3253740"/>
           </a:xfrm>
           <a:prstGeom prst="straightConnector1">
             <a:avLst/>
@@ -5103,19 +4494,13 @@
       </p:cxnSp>
       <p:sp>
         <p:nvSpPr>
-          <p:cNvPr id="81" name="文本框 80">
-            <a:extLst>
-              <a:ext uri="{FF2B5EF4-FFF2-40B4-BE49-F238E27FC236}">
-                <a16:creationId xmlns:a16="http://schemas.microsoft.com/office/drawing/2014/main" id="{125ADE1C-D8F2-4EC5-A01B-6F6A1A708282}"/>
-              </a:ext>
-            </a:extLst>
-          </p:cNvPr>
+          <p:cNvPr id="81" name="文本框 80"/>
           <p:cNvSpPr txBox="1"/>
           <p:nvPr/>
         </p:nvSpPr>
         <p:spPr>
           <a:xfrm>
-            <a:off x="3190506" y="4932387"/>
+            <a:off x="4127766" y="4934292"/>
             <a:ext cx="1576082" cy="738664"/>
           </a:xfrm>
           <a:prstGeom prst="rect">
@@ -5136,6 +4521,10 @@
               </a:rPr>
               <a:t>Longer time</a:t>
             </a:r>
+            <a:endParaRPr lang="en-US" altLang="zh-CN" sz="1400" dirty="0">
+              <a:latin typeface="Times New Roman" panose="02020603050405020304" pitchFamily="18" charset="0"/>
+              <a:cs typeface="Times New Roman" panose="02020603050405020304" pitchFamily="18" charset="0"/>
+            </a:endParaRPr>
           </a:p>
           <a:p>
             <a:r>
@@ -5145,6 +4534,10 @@
               </a:rPr>
               <a:t>Remove NSP</a:t>
             </a:r>
+            <a:endParaRPr lang="en-US" altLang="zh-CN" sz="1400" dirty="0">
+              <a:latin typeface="Times New Roman" panose="02020603050405020304" pitchFamily="18" charset="0"/>
+              <a:cs typeface="Times New Roman" panose="02020603050405020304" pitchFamily="18" charset="0"/>
+            </a:endParaRPr>
           </a:p>
           <a:p>
             <a:r>
@@ -5163,13 +4556,7 @@
       </p:sp>
       <p:cxnSp>
         <p:nvCxnSpPr>
-          <p:cNvPr id="84" name="直接箭头连接符 83">
-            <a:extLst>
-              <a:ext uri="{FF2B5EF4-FFF2-40B4-BE49-F238E27FC236}">
-                <a16:creationId xmlns:a16="http://schemas.microsoft.com/office/drawing/2014/main" id="{432D6A94-3DAB-46F1-A713-1A641E6F2F55}"/>
-              </a:ext>
-            </a:extLst>
-          </p:cNvPr>
+          <p:cNvPr id="84" name="直接箭头连接符 83"/>
           <p:cNvCxnSpPr>
             <a:endCxn id="65" idx="0"/>
           </p:cNvCxnSpPr>
@@ -5204,13 +4591,7 @@
       </p:cxnSp>
       <p:sp>
         <p:nvSpPr>
-          <p:cNvPr id="85" name="文本框 84">
-            <a:extLst>
-              <a:ext uri="{FF2B5EF4-FFF2-40B4-BE49-F238E27FC236}">
-                <a16:creationId xmlns:a16="http://schemas.microsoft.com/office/drawing/2014/main" id="{9BCA2F9F-1F7C-44B1-966C-643D9EC4E49D}"/>
-              </a:ext>
-            </a:extLst>
-          </p:cNvPr>
+          <p:cNvPr id="85" name="文本框 84"/>
           <p:cNvSpPr txBox="1"/>
           <p:nvPr/>
         </p:nvSpPr>
@@ -5246,13 +4627,7 @@
       </p:sp>
       <p:sp>
         <p:nvSpPr>
-          <p:cNvPr id="87" name="文本框 86">
-            <a:extLst>
-              <a:ext uri="{FF2B5EF4-FFF2-40B4-BE49-F238E27FC236}">
-                <a16:creationId xmlns:a16="http://schemas.microsoft.com/office/drawing/2014/main" id="{19B80C28-DF7A-489D-B3AE-21F3F6DAC1BA}"/>
-              </a:ext>
-            </a:extLst>
-          </p:cNvPr>
+          <p:cNvPr id="87" name="文本框 86"/>
           <p:cNvSpPr txBox="1"/>
           <p:nvPr/>
         </p:nvSpPr>
@@ -5289,13 +4664,7 @@
       </p:sp>
       <p:cxnSp>
         <p:nvCxnSpPr>
-          <p:cNvPr id="89" name="直接箭头连接符 88">
-            <a:extLst>
-              <a:ext uri="{FF2B5EF4-FFF2-40B4-BE49-F238E27FC236}">
-                <a16:creationId xmlns:a16="http://schemas.microsoft.com/office/drawing/2014/main" id="{50887965-FB47-430F-9CB4-FDCBF9E75E05}"/>
-              </a:ext>
-            </a:extLst>
-          </p:cNvPr>
+          <p:cNvPr id="89" name="直接箭头连接符 88"/>
           <p:cNvCxnSpPr>
             <a:endCxn id="87" idx="0"/>
           </p:cNvCxnSpPr>
@@ -5330,13 +4699,7 @@
       </p:cxnSp>
       <p:sp>
         <p:nvSpPr>
-          <p:cNvPr id="90" name="文本框 89">
-            <a:extLst>
-              <a:ext uri="{FF2B5EF4-FFF2-40B4-BE49-F238E27FC236}">
-                <a16:creationId xmlns:a16="http://schemas.microsoft.com/office/drawing/2014/main" id="{C4C63605-33BA-4E33-991D-4DCAEF80DE55}"/>
-              </a:ext>
-            </a:extLst>
-          </p:cNvPr>
+          <p:cNvPr id="90" name="文本框 89"/>
           <p:cNvSpPr txBox="1"/>
           <p:nvPr/>
         </p:nvSpPr>
@@ -5377,7 +4740,7 @@
               <p:cNvPr id="94" name="文本框 93">
                 <a:extLst>
                   <a:ext uri="{FF2B5EF4-FFF2-40B4-BE49-F238E27FC236}">
-                    <a16:creationId xmlns:a16="http://schemas.microsoft.com/office/drawing/2014/main" id="{CBB44F66-37F0-4C4B-81C2-FFA21B6B2E7A}"/>
+                    <a14:artisticCrisscrossEtching id="{CBB44F66-37F0-4C4B-81C2-FFA21B6B2E7A}"/>
                   </a:ext>
                 </a:extLst>
               </p:cNvPr>
@@ -5451,13 +4814,7 @@
         <mc:Fallback>
           <p:sp>
             <p:nvSpPr>
-              <p:cNvPr id="94" name="文本框 93">
-                <a:extLst>
-                  <a:ext uri="{FF2B5EF4-FFF2-40B4-BE49-F238E27FC236}">
-                    <a16:creationId xmlns:a16="http://schemas.microsoft.com/office/drawing/2014/main" id="{CBB44F66-37F0-4C4B-81C2-FFA21B6B2E7A}"/>
-                  </a:ext>
-                </a:extLst>
-              </p:cNvPr>
+              <p:cNvPr id="94" name="文本框 93"/>
               <p:cNvSpPr txBox="1">
                 <a:spLocks noRot="1" noChangeAspect="1" noMove="1" noResize="1" noEditPoints="1" noAdjustHandles="1" noChangeArrowheads="1" noChangeShapeType="1" noTextEdit="1"/>
               </p:cNvSpPr>
@@ -5471,8 +4828,8 @@
               <a:prstGeom prst="rect">
                 <a:avLst/>
               </a:prstGeom>
-              <a:blipFill>
-                <a:blip r:embed="rId5"/>
+              <a:blipFill rotWithShape="1">
+                <a:blip r:embed="rId4"/>
                 <a:stretch>
                   <a:fillRect t="-8197" b="-24590"/>
                 </a:stretch>
@@ -5488,6 +4845,9 @@
                   </a:rPr>
                   <a:t> </a:t>
                 </a:r>
+                <a:endParaRPr lang="zh-CN" altLang="en-US">
+                  <a:noFill/>
+                </a:endParaRPr>
               </a:p>
             </p:txBody>
           </p:sp>
@@ -5495,13 +4855,7 @@
       </mc:AlternateContent>
       <p:cxnSp>
         <p:nvCxnSpPr>
-          <p:cNvPr id="96" name="直接箭头连接符 95">
-            <a:extLst>
-              <a:ext uri="{FF2B5EF4-FFF2-40B4-BE49-F238E27FC236}">
-                <a16:creationId xmlns:a16="http://schemas.microsoft.com/office/drawing/2014/main" id="{744BB0B8-34A8-4660-A1CF-3B0C72ADE56C}"/>
-              </a:ext>
-            </a:extLst>
-          </p:cNvPr>
+          <p:cNvPr id="96" name="直接箭头连接符 95"/>
           <p:cNvCxnSpPr>
             <a:stCxn id="87" idx="2"/>
             <a:endCxn id="94" idx="0"/>
@@ -5537,13 +4891,7 @@
       </p:cxnSp>
       <p:sp>
         <p:nvSpPr>
-          <p:cNvPr id="98" name="文本框 97">
-            <a:extLst>
-              <a:ext uri="{FF2B5EF4-FFF2-40B4-BE49-F238E27FC236}">
-                <a16:creationId xmlns:a16="http://schemas.microsoft.com/office/drawing/2014/main" id="{057C42FF-B69B-41CF-B88A-DA5546BE8F81}"/>
-              </a:ext>
-            </a:extLst>
-          </p:cNvPr>
+          <p:cNvPr id="98" name="文本框 97"/>
           <p:cNvSpPr txBox="1"/>
           <p:nvPr/>
         </p:nvSpPr>
@@ -5579,13 +4927,7 @@
       </p:sp>
       <p:sp>
         <p:nvSpPr>
-          <p:cNvPr id="99" name="文本框 98">
-            <a:extLst>
-              <a:ext uri="{FF2B5EF4-FFF2-40B4-BE49-F238E27FC236}">
-                <a16:creationId xmlns:a16="http://schemas.microsoft.com/office/drawing/2014/main" id="{32AD00FD-8DC6-4B8A-AC05-9292874DEE8A}"/>
-              </a:ext>
-            </a:extLst>
-          </p:cNvPr>
+          <p:cNvPr id="99" name="文本框 98"/>
           <p:cNvSpPr txBox="1"/>
           <p:nvPr/>
         </p:nvSpPr>
@@ -5622,15 +4964,8 @@
       </p:sp>
       <p:cxnSp>
         <p:nvCxnSpPr>
-          <p:cNvPr id="101" name="直接箭头连接符 100">
-            <a:extLst>
-              <a:ext uri="{FF2B5EF4-FFF2-40B4-BE49-F238E27FC236}">
-                <a16:creationId xmlns:a16="http://schemas.microsoft.com/office/drawing/2014/main" id="{8C79893A-FDC2-4D00-9317-31F8F2F52D47}"/>
-              </a:ext>
-            </a:extLst>
-          </p:cNvPr>
+          <p:cNvPr id="101" name="直接箭头连接符 100"/>
           <p:cNvCxnSpPr>
-            <a:cxnSpLocks/>
             <a:endCxn id="99" idx="0"/>
           </p:cNvCxnSpPr>
           <p:nvPr/>
@@ -5664,19 +4999,13 @@
       </p:cxnSp>
       <p:sp>
         <p:nvSpPr>
-          <p:cNvPr id="102" name="文本框 101">
-            <a:extLst>
-              <a:ext uri="{FF2B5EF4-FFF2-40B4-BE49-F238E27FC236}">
-                <a16:creationId xmlns:a16="http://schemas.microsoft.com/office/drawing/2014/main" id="{7D8537AC-BB27-407E-BC62-DE53A9175553}"/>
-              </a:ext>
-            </a:extLst>
-          </p:cNvPr>
+          <p:cNvPr id="102" name="文本框 101"/>
           <p:cNvSpPr txBox="1"/>
           <p:nvPr/>
         </p:nvSpPr>
         <p:spPr>
           <a:xfrm>
-            <a:off x="2884226" y="4450582"/>
+            <a:off x="2489891" y="4510907"/>
             <a:ext cx="1576082" cy="523220"/>
           </a:xfrm>
           <a:prstGeom prst="rect">
@@ -5697,6 +5026,10 @@
               </a:rPr>
               <a:t>Span prediction</a:t>
             </a:r>
+            <a:endParaRPr lang="en-US" altLang="zh-CN" sz="1400" dirty="0">
+              <a:latin typeface="Times New Roman" panose="02020603050405020304" pitchFamily="18" charset="0"/>
+              <a:cs typeface="Times New Roman" panose="02020603050405020304" pitchFamily="18" charset="0"/>
+            </a:endParaRPr>
           </a:p>
           <a:p>
             <a:r>
@@ -5715,16 +5048,8 @@
       </p:sp>
       <p:cxnSp>
         <p:nvCxnSpPr>
-          <p:cNvPr id="67" name="直接箭头连接符 59">
-            <a:extLst>
-              <a:ext uri="{FF2B5EF4-FFF2-40B4-BE49-F238E27FC236}">
-                <a16:creationId xmlns:a16="http://schemas.microsoft.com/office/drawing/2014/main" id="{4DA69A1A-5FE5-614E-A574-B9864B37FE4C}"/>
-              </a:ext>
-            </a:extLst>
-          </p:cNvPr>
-          <p:cNvCxnSpPr>
-            <a:cxnSpLocks/>
-          </p:cNvCxnSpPr>
+          <p:cNvPr id="67" name="直接箭头连接符 59"/>
+          <p:cNvCxnSpPr/>
           <p:nvPr/>
         </p:nvCxnSpPr>
         <p:spPr>
@@ -5756,13 +5081,7 @@
       </p:cxnSp>
       <p:sp>
         <p:nvSpPr>
-          <p:cNvPr id="70" name="文本框 61">
-            <a:extLst>
-              <a:ext uri="{FF2B5EF4-FFF2-40B4-BE49-F238E27FC236}">
-                <a16:creationId xmlns:a16="http://schemas.microsoft.com/office/drawing/2014/main" id="{D1125DA7-C165-8E44-97AC-959A9424E033}"/>
-              </a:ext>
-            </a:extLst>
-          </p:cNvPr>
+          <p:cNvPr id="70" name="文本框 61"/>
           <p:cNvSpPr txBox="1"/>
           <p:nvPr/>
         </p:nvSpPr>
@@ -5798,20 +5117,14 @@
       </p:sp>
       <p:pic>
         <p:nvPicPr>
-          <p:cNvPr id="72" name="图片 40">
-            <a:extLst>
-              <a:ext uri="{FF2B5EF4-FFF2-40B4-BE49-F238E27FC236}">
-                <a16:creationId xmlns:a16="http://schemas.microsoft.com/office/drawing/2014/main" id="{DBD15A15-5995-4E4A-9159-77E35E1C9732}"/>
-              </a:ext>
-            </a:extLst>
-          </p:cNvPr>
+          <p:cNvPr id="72" name="图片 40"/>
           <p:cNvPicPr>
             <a:picLocks noChangeAspect="1"/>
           </p:cNvPicPr>
           <p:nvPr/>
         </p:nvPicPr>
         <p:blipFill>
-          <a:blip r:embed="rId6"/>
+          <a:blip r:embed="rId5"/>
           <a:stretch>
             <a:fillRect/>
           </a:stretch>
@@ -5828,13 +5141,7 @@
       </p:pic>
       <p:sp>
         <p:nvSpPr>
-          <p:cNvPr id="2" name="文本框 1">
-            <a:extLst>
-              <a:ext uri="{FF2B5EF4-FFF2-40B4-BE49-F238E27FC236}">
-                <a16:creationId xmlns:a16="http://schemas.microsoft.com/office/drawing/2014/main" id="{19BB2FCF-9087-4E65-BD0B-A0B6E84F3743}"/>
-              </a:ext>
-            </a:extLst>
-          </p:cNvPr>
+          <p:cNvPr id="2" name="文本框 1"/>
           <p:cNvSpPr txBox="1"/>
           <p:nvPr/>
         </p:nvSpPr>
@@ -5870,15 +5177,8 @@
       </p:sp>
       <p:cxnSp>
         <p:nvCxnSpPr>
-          <p:cNvPr id="22" name="直接箭头连接符 21">
-            <a:extLst>
-              <a:ext uri="{FF2B5EF4-FFF2-40B4-BE49-F238E27FC236}">
-                <a16:creationId xmlns:a16="http://schemas.microsoft.com/office/drawing/2014/main" id="{9FBF0004-7D16-4969-B0F9-8DD2B73D35C1}"/>
-              </a:ext>
-            </a:extLst>
-          </p:cNvPr>
+          <p:cNvPr id="22" name="直接箭头连接符 21"/>
           <p:cNvCxnSpPr>
-            <a:cxnSpLocks/>
             <a:stCxn id="6" idx="2"/>
             <a:endCxn id="71" idx="0"/>
           </p:cNvCxnSpPr>
@@ -5913,13 +5213,7 @@
       </p:cxnSp>
       <p:sp>
         <p:nvSpPr>
-          <p:cNvPr id="71" name="文本框 70">
-            <a:extLst>
-              <a:ext uri="{FF2B5EF4-FFF2-40B4-BE49-F238E27FC236}">
-                <a16:creationId xmlns:a16="http://schemas.microsoft.com/office/drawing/2014/main" id="{38D463A2-8A43-4C60-9689-A8621AADA921}"/>
-              </a:ext>
-            </a:extLst>
-          </p:cNvPr>
+          <p:cNvPr id="71" name="文本框 70"/>
           <p:cNvSpPr txBox="1"/>
           <p:nvPr/>
         </p:nvSpPr>
@@ -5955,13 +5249,7 @@
       </p:sp>
       <p:sp>
         <p:nvSpPr>
-          <p:cNvPr id="61" name="文本框 60">
-            <a:extLst>
-              <a:ext uri="{FF2B5EF4-FFF2-40B4-BE49-F238E27FC236}">
-                <a16:creationId xmlns:a16="http://schemas.microsoft.com/office/drawing/2014/main" id="{9993D895-B47D-4E0E-8F72-0E3CB287BF34}"/>
-              </a:ext>
-            </a:extLst>
-          </p:cNvPr>
+          <p:cNvPr id="61" name="文本框 60"/>
           <p:cNvSpPr txBox="1"/>
           <p:nvPr/>
         </p:nvSpPr>
@@ -5997,13 +5285,7 @@
       </p:sp>
       <p:sp>
         <p:nvSpPr>
-          <p:cNvPr id="73" name="文本框 5">
-            <a:extLst>
-              <a:ext uri="{FF2B5EF4-FFF2-40B4-BE49-F238E27FC236}">
-                <a16:creationId xmlns:a16="http://schemas.microsoft.com/office/drawing/2014/main" id="{AD05C063-4419-5547-8B20-9616F7C171EB}"/>
-              </a:ext>
-            </a:extLst>
-          </p:cNvPr>
+          <p:cNvPr id="73" name="文本框 5"/>
           <p:cNvSpPr txBox="1"/>
           <p:nvPr/>
         </p:nvSpPr>
@@ -6031,6 +5313,10 @@
               </a:rPr>
               <a:t>Semi-supervised Sequence Learning</a:t>
             </a:r>
+            <a:endParaRPr lang="en-US" altLang="zh-CN" b="1" dirty="0">
+              <a:latin typeface="Times New Roman" panose="02020603050405020304" pitchFamily="18" charset="0"/>
+              <a:cs typeface="Times New Roman" panose="02020603050405020304" pitchFamily="18" charset="0"/>
+            </a:endParaRPr>
           </a:p>
           <a:p>
             <a:pPr algn="ctr"/>
@@ -6041,6 +5327,10 @@
               </a:rPr>
               <a:t>context2Vec</a:t>
             </a:r>
+            <a:endParaRPr lang="en-US" altLang="zh-CN" b="1" dirty="0">
+              <a:latin typeface="Times New Roman" panose="02020603050405020304" pitchFamily="18" charset="0"/>
+              <a:cs typeface="Times New Roman" panose="02020603050405020304" pitchFamily="18" charset="0"/>
+            </a:endParaRPr>
           </a:p>
           <a:p>
             <a:pPr algn="ctr"/>
@@ -6051,18 +5341,16 @@
               </a:rPr>
               <a:t>Pre-trained seq2seq</a:t>
             </a:r>
+            <a:endParaRPr lang="en-US" altLang="zh-CN" b="1" dirty="0">
+              <a:latin typeface="Times New Roman" panose="02020603050405020304" pitchFamily="18" charset="0"/>
+              <a:cs typeface="Times New Roman" panose="02020603050405020304" pitchFamily="18" charset="0"/>
+            </a:endParaRPr>
           </a:p>
         </p:txBody>
       </p:sp>
       <p:cxnSp>
         <p:nvCxnSpPr>
-          <p:cNvPr id="4" name="直接箭头连接符 3">
-            <a:extLst>
-              <a:ext uri="{FF2B5EF4-FFF2-40B4-BE49-F238E27FC236}">
-                <a16:creationId xmlns:a16="http://schemas.microsoft.com/office/drawing/2014/main" id="{9E0241A7-AA7E-4800-A73A-FFE8A645891E}"/>
-              </a:ext>
-            </a:extLst>
-          </p:cNvPr>
+          <p:cNvPr id="4" name="直接箭头连接符 3"/>
           <p:cNvCxnSpPr>
             <a:stCxn id="73" idx="2"/>
             <a:endCxn id="6" idx="0"/>
@@ -6098,20 +5386,14 @@
       </p:cxnSp>
       <p:pic>
         <p:nvPicPr>
-          <p:cNvPr id="17" name="图片 16">
-            <a:extLst>
-              <a:ext uri="{FF2B5EF4-FFF2-40B4-BE49-F238E27FC236}">
-                <a16:creationId xmlns:a16="http://schemas.microsoft.com/office/drawing/2014/main" id="{38BFA2DB-DC3D-401A-9E52-5D6D67B6C9E7}"/>
-              </a:ext>
-            </a:extLst>
-          </p:cNvPr>
+          <p:cNvPr id="17" name="图片 16"/>
           <p:cNvPicPr>
             <a:picLocks noChangeAspect="1"/>
           </p:cNvPicPr>
           <p:nvPr/>
         </p:nvPicPr>
         <p:blipFill>
-          <a:blip r:embed="rId7"/>
+          <a:blip r:embed="rId6"/>
           <a:stretch>
             <a:fillRect/>
           </a:stretch>
@@ -6128,15 +5410,8 @@
       </p:pic>
       <p:cxnSp>
         <p:nvCxnSpPr>
-          <p:cNvPr id="8" name="直接箭头连接符 7">
-            <a:extLst>
-              <a:ext uri="{FF2B5EF4-FFF2-40B4-BE49-F238E27FC236}">
-                <a16:creationId xmlns:a16="http://schemas.microsoft.com/office/drawing/2014/main" id="{D0EBC65C-7CD4-4F04-AFFB-3FF7688CEC3C}"/>
-              </a:ext>
-            </a:extLst>
-          </p:cNvPr>
+          <p:cNvPr id="8" name="直接箭头连接符 7"/>
           <p:cNvCxnSpPr>
-            <a:cxnSpLocks/>
             <a:stCxn id="73" idx="2"/>
           </p:cNvCxnSpPr>
           <p:nvPr/>
@@ -6170,15 +5445,8 @@
       </p:cxnSp>
       <p:cxnSp>
         <p:nvCxnSpPr>
-          <p:cNvPr id="12" name="直接箭头连接符 11">
-            <a:extLst>
-              <a:ext uri="{FF2B5EF4-FFF2-40B4-BE49-F238E27FC236}">
-                <a16:creationId xmlns:a16="http://schemas.microsoft.com/office/drawing/2014/main" id="{82E6522C-6FFE-4CF8-B1E2-9BBBD34D5C7E}"/>
-              </a:ext>
-            </a:extLst>
-          </p:cNvPr>
+          <p:cNvPr id="12" name="直接箭头连接符 11"/>
           <p:cNvCxnSpPr>
-            <a:cxnSpLocks/>
             <a:stCxn id="73" idx="2"/>
           </p:cNvCxnSpPr>
           <p:nvPr/>
@@ -6212,13 +5480,7 @@
       </p:cxnSp>
       <p:cxnSp>
         <p:nvCxnSpPr>
-          <p:cNvPr id="14" name="直接箭头连接符 13">
-            <a:extLst>
-              <a:ext uri="{FF2B5EF4-FFF2-40B4-BE49-F238E27FC236}">
-                <a16:creationId xmlns:a16="http://schemas.microsoft.com/office/drawing/2014/main" id="{0F199CF8-C814-4F3F-B4C4-DEE0DBA9E243}"/>
-              </a:ext>
-            </a:extLst>
-          </p:cNvPr>
+          <p:cNvPr id="14" name="直接箭头连接符 13"/>
           <p:cNvCxnSpPr>
             <a:stCxn id="73" idx="2"/>
             <a:endCxn id="21" idx="0"/>
@@ -6252,12 +5514,111 @@
           </a:fontRef>
         </p:style>
       </p:cxnSp>
+      <p:sp>
+        <p:nvSpPr>
+          <p:cNvPr id="3" name="文本框 65"/>
+          <p:cNvSpPr txBox="1"/>
+          <p:nvPr/>
+        </p:nvSpPr>
+        <p:spPr>
+          <a:xfrm>
+            <a:off x="2948473" y="5230126"/>
+            <a:ext cx="1290597" cy="365760"/>
+          </a:xfrm>
+          <a:prstGeom prst="rect">
+            <a:avLst/>
+          </a:prstGeom>
+          <a:noFill/>
+        </p:spPr>
+        <p:txBody>
+          <a:bodyPr wrap="square" rtlCol="0">
+            <a:spAutoFit/>
+          </a:bodyPr>
+          <a:p>
+            <a:pPr algn="ctr"/>
+            <a:r>
+              <a:rPr lang="en-US" altLang="zh-CN" b="1" dirty="0" err="1">
+                <a:latin typeface="Times New Roman" panose="02020603050405020304" pitchFamily="18" charset="0"/>
+                <a:cs typeface="Times New Roman" panose="02020603050405020304" pitchFamily="18" charset="0"/>
+              </a:rPr>
+              <a:t>ALBERT</a:t>
+            </a:r>
+            <a:endParaRPr lang="en-US" altLang="zh-CN" b="1" dirty="0" err="1">
+              <a:latin typeface="Times New Roman" panose="02020603050405020304" pitchFamily="18" charset="0"/>
+              <a:cs typeface="Times New Roman" panose="02020603050405020304" pitchFamily="18" charset="0"/>
+            </a:endParaRPr>
+          </a:p>
+        </p:txBody>
+      </p:sp>
+      <p:cxnSp>
+        <p:nvCxnSpPr>
+          <p:cNvPr id="7" name="直接箭头连接符 77"/>
+          <p:cNvCxnSpPr/>
+          <p:nvPr/>
+        </p:nvCxnSpPr>
+        <p:spPr>
+          <a:xfrm flipH="1">
+            <a:off x="3768090" y="2702560"/>
+            <a:ext cx="1609090" cy="2476500"/>
+          </a:xfrm>
+          <a:prstGeom prst="straightConnector1">
+            <a:avLst/>
+          </a:prstGeom>
+          <a:ln>
+            <a:tailEnd type="triangle"/>
+          </a:ln>
+        </p:spPr>
+        <p:style>
+          <a:lnRef idx="3">
+            <a:schemeClr val="accent1"/>
+          </a:lnRef>
+          <a:fillRef idx="0">
+            <a:schemeClr val="accent1"/>
+          </a:fillRef>
+          <a:effectRef idx="2">
+            <a:schemeClr val="accent1"/>
+          </a:effectRef>
+          <a:fontRef idx="minor">
+            <a:schemeClr val="tx1"/>
+          </a:fontRef>
+        </p:style>
+      </p:cxnSp>
+      <p:sp>
+        <p:nvSpPr>
+          <p:cNvPr id="11" name="文本框 80"/>
+          <p:cNvSpPr txBox="1"/>
+          <p:nvPr/>
+        </p:nvSpPr>
+        <p:spPr>
+          <a:xfrm>
+            <a:off x="3647706" y="4167212"/>
+            <a:ext cx="1576082" cy="304800"/>
+          </a:xfrm>
+          <a:prstGeom prst="rect">
+            <a:avLst/>
+          </a:prstGeom>
+          <a:noFill/>
+        </p:spPr>
+        <p:txBody>
+          <a:bodyPr wrap="square" rtlCol="0">
+            <a:spAutoFit/>
+          </a:bodyPr>
+          <a:p>
+            <a:r>
+              <a:rPr lang="en-US" altLang="zh-CN" sz="1400" dirty="0">
+                <a:latin typeface="Times New Roman" panose="02020603050405020304" pitchFamily="18" charset="0"/>
+                <a:cs typeface="Times New Roman" panose="02020603050405020304" pitchFamily="18" charset="0"/>
+              </a:rPr>
+              <a:t>A Lite BERT</a:t>
+            </a:r>
+            <a:endParaRPr lang="en-US" altLang="zh-CN" sz="1400" dirty="0">
+              <a:latin typeface="Times New Roman" panose="02020603050405020304" pitchFamily="18" charset="0"/>
+              <a:cs typeface="Times New Roman" panose="02020603050405020304" pitchFamily="18" charset="0"/>
+            </a:endParaRPr>
+          </a:p>
+        </p:txBody>
+      </p:sp>
     </p:spTree>
-    <p:extLst>
-      <p:ext uri="{BB962C8B-B14F-4D97-AF65-F5344CB8AC3E}">
-        <p14:creationId xmlns:p14="http://schemas.microsoft.com/office/powerpoint/2010/main" val="3637501405"/>
-      </p:ext>
-    </p:extLst>
   </p:cSld>
   <p:clrMapOvr>
     <a:masterClrMapping/>
@@ -6308,7 +5669,7 @@
     </a:clrScheme>
     <a:fontScheme name="Office">
       <a:majorFont>
-        <a:latin typeface="等线 Light" panose="020F0302020204030204"/>
+        <a:latin typeface="等线 Light"/>
         <a:ea typeface=""/>
         <a:cs typeface=""/>
         <a:font script="Jpan" typeface="游ゴシック Light"/>
@@ -6341,26 +5702,9 @@
         <a:font script="Viet" typeface="Times New Roman"/>
         <a:font script="Uigh" typeface="Microsoft Uighur"/>
         <a:font script="Geor" typeface="Sylfaen"/>
-        <a:font script="Armn" typeface="Arial"/>
-        <a:font script="Bugi" typeface="Leelawadee UI"/>
-        <a:font script="Bopo" typeface="Microsoft JhengHei"/>
-        <a:font script="Java" typeface="Javanese Text"/>
-        <a:font script="Lisu" typeface="Segoe UI"/>
-        <a:font script="Mymr" typeface="Myanmar Text"/>
-        <a:font script="Nkoo" typeface="Ebrima"/>
-        <a:font script="Olck" typeface="Nirmala UI"/>
-        <a:font script="Osma" typeface="Ebrima"/>
-        <a:font script="Phag" typeface="Phagspa"/>
-        <a:font script="Syrn" typeface="Estrangelo Edessa"/>
-        <a:font script="Syrj" typeface="Estrangelo Edessa"/>
-        <a:font script="Syre" typeface="Estrangelo Edessa"/>
-        <a:font script="Sora" typeface="Nirmala UI"/>
-        <a:font script="Tale" typeface="Microsoft Tai Le"/>
-        <a:font script="Talu" typeface="Microsoft New Tai Lue"/>
-        <a:font script="Tfng" typeface="Ebrima"/>
       </a:majorFont>
       <a:minorFont>
-        <a:latin typeface="等线" panose="020F0502020204030204"/>
+        <a:latin typeface="等线"/>
         <a:ea typeface=""/>
         <a:cs typeface=""/>
         <a:font script="Jpan" typeface="游ゴシック"/>
@@ -6393,23 +5737,6 @@
         <a:font script="Viet" typeface="Arial"/>
         <a:font script="Uigh" typeface="Microsoft Uighur"/>
         <a:font script="Geor" typeface="Sylfaen"/>
-        <a:font script="Armn" typeface="Arial"/>
-        <a:font script="Bugi" typeface="Leelawadee UI"/>
-        <a:font script="Bopo" typeface="Microsoft JhengHei"/>
-        <a:font script="Java" typeface="Javanese Text"/>
-        <a:font script="Lisu" typeface="Segoe UI"/>
-        <a:font script="Mymr" typeface="Myanmar Text"/>
-        <a:font script="Nkoo" typeface="Ebrima"/>
-        <a:font script="Olck" typeface="Nirmala UI"/>
-        <a:font script="Osma" typeface="Ebrima"/>
-        <a:font script="Phag" typeface="Phagspa"/>
-        <a:font script="Syrn" typeface="Estrangelo Edessa"/>
-        <a:font script="Syrj" typeface="Estrangelo Edessa"/>
-        <a:font script="Syre" typeface="Estrangelo Edessa"/>
-        <a:font script="Sora" typeface="Nirmala UI"/>
-        <a:font script="Tale" typeface="Microsoft Tai Le"/>
-        <a:font script="Talu" typeface="Microsoft New Tai Lue"/>
-        <a:font script="Tfng" typeface="Ebrima"/>
       </a:minorFont>
     </a:fontScheme>
     <a:fmtScheme name="Office">
@@ -6550,8 +5877,6 @@
       </a:bgFillStyleLst>
     </a:fmtScheme>
   </a:themeElements>
-  <a:objectDefaults/>
-  <a:extraClrSchemeLst/>
   <a:extLst>
     <a:ext uri="{05A4C25C-085E-4340-85A3-A5531E510DB2}">
       <thm15:themeFamily xmlns:thm15="http://schemas.microsoft.com/office/thememl/2012/main" name="Office Theme" id="{62F939B6-93AF-4DB8-9C6B-D6C7DFDC589F}" vid="{4A3C46E8-61CC-4603-A589-7422A47A8E4A}"/>
